--- a/CSCE658-S24/L20.pptx
+++ b/CSCE658-S24/L20.pptx
@@ -5,7 +5,7 @@
     <p:sldMasterId id="2147483648" r:id="rId1"/>
   </p:sldMasterIdLst>
   <p:notesMasterIdLst>
-    <p:notesMasterId r:id="rId41"/>
+    <p:notesMasterId r:id="rId33"/>
   </p:notesMasterIdLst>
   <p:sldIdLst>
     <p:sldId id="788" r:id="rId2"/>
@@ -39,14 +39,6 @@
     <p:sldId id="1302" r:id="rId30"/>
     <p:sldId id="1303" r:id="rId31"/>
     <p:sldId id="1304" r:id="rId32"/>
-    <p:sldId id="1286" r:id="rId33"/>
-    <p:sldId id="1282" r:id="rId34"/>
-    <p:sldId id="1281" r:id="rId35"/>
-    <p:sldId id="1307" r:id="rId36"/>
-    <p:sldId id="1308" r:id="rId37"/>
-    <p:sldId id="1309" r:id="rId38"/>
-    <p:sldId id="1310" r:id="rId39"/>
-    <p:sldId id="1279" r:id="rId40"/>
   </p:sldIdLst>
   <p:sldSz cx="12192000" cy="6858000"/>
   <p:notesSz cx="6858000" cy="9144000"/>
@@ -235,7 +227,7 @@
           <a:p>
             <a:fld id="{D4BCAE1A-251E-4F77-AC08-4EFDCAE38183}" type="datetimeFigureOut">
               <a:rPr lang="en-US" smtClean="0"/>
-              <a:t>4/11/2024</a:t>
+              <a:t>4/12/2024</a:t>
             </a:fld>
             <a:endParaRPr lang="en-US"/>
           </a:p>
@@ -2779,798 +2771,6 @@
 </p:notes>
 </file>
 
-<file path=ppt/notesSlides/notesSlide30.xml><?xml version="1.0" encoding="utf-8"?>
-<p:notes xmlns:a="http://schemas.openxmlformats.org/drawingml/2006/main" xmlns:r="http://schemas.openxmlformats.org/officeDocument/2006/relationships" xmlns:p="http://schemas.openxmlformats.org/presentationml/2006/main">
-  <p:cSld>
-    <p:spTree>
-      <p:nvGrpSpPr>
-        <p:cNvPr id="1" name=""/>
-        <p:cNvGrpSpPr/>
-        <p:nvPr/>
-      </p:nvGrpSpPr>
-      <p:grpSpPr>
-        <a:xfrm>
-          <a:off x="0" y="0"/>
-          <a:ext cx="0" cy="0"/>
-          <a:chOff x="0" y="0"/>
-          <a:chExt cx="0" cy="0"/>
-        </a:xfrm>
-      </p:grpSpPr>
-      <p:sp>
-        <p:nvSpPr>
-          <p:cNvPr id="2" name="Slide Image Placeholder 1"/>
-          <p:cNvSpPr>
-            <a:spLocks noGrp="1" noRot="1" noChangeAspect="1"/>
-          </p:cNvSpPr>
-          <p:nvPr>
-            <p:ph type="sldImg"/>
-          </p:nvPr>
-        </p:nvSpPr>
-        <p:spPr/>
-      </p:sp>
-      <p:sp>
-        <p:nvSpPr>
-          <p:cNvPr id="3" name="Notes Placeholder 2"/>
-          <p:cNvSpPr>
-            <a:spLocks noGrp="1"/>
-          </p:cNvSpPr>
-          <p:nvPr>
-            <p:ph type="body" idx="1"/>
-          </p:nvPr>
-        </p:nvSpPr>
-        <p:spPr/>
-        <p:txBody>
-          <a:bodyPr/>
-          <a:lstStyle/>
-          <a:p>
-            <a:r>
-              <a:rPr lang="en-US" dirty="0"/>
-              <a:t> </a:t>
-            </a:r>
-            <a:r>
-              <a:rPr lang="en-US" dirty="0">
-                <a:solidFill>
-                  <a:srgbClr val="0070C0"/>
-                </a:solidFill>
-              </a:rPr>
-              <a:t>[DworkMcSherryNissimSmith06]</a:t>
-            </a:r>
-            <a:r>
-              <a:rPr lang="en-US" dirty="0"/>
-              <a:t> </a:t>
-            </a:r>
-          </a:p>
-        </p:txBody>
-      </p:sp>
-      <p:sp>
-        <p:nvSpPr>
-          <p:cNvPr id="4" name="Slide Number Placeholder 3"/>
-          <p:cNvSpPr>
-            <a:spLocks noGrp="1"/>
-          </p:cNvSpPr>
-          <p:nvPr>
-            <p:ph type="sldNum" sz="quarter" idx="5"/>
-          </p:nvPr>
-        </p:nvSpPr>
-        <p:spPr/>
-        <p:txBody>
-          <a:bodyPr/>
-          <a:lstStyle/>
-          <a:p>
-            <a:fld id="{E2226E65-ADC9-4F29-BA00-34B3E2F9B8F0}" type="slidenum">
-              <a:rPr lang="en-US" smtClean="0"/>
-              <a:t>32</a:t>
-            </a:fld>
-            <a:endParaRPr lang="en-US"/>
-          </a:p>
-        </p:txBody>
-      </p:sp>
-    </p:spTree>
-    <p:extLst>
-      <p:ext uri="{BB962C8B-B14F-4D97-AF65-F5344CB8AC3E}">
-        <p14:creationId xmlns:p14="http://schemas.microsoft.com/office/powerpoint/2010/main" val="1748213556"/>
-      </p:ext>
-    </p:extLst>
-  </p:cSld>
-  <p:clrMapOvr>
-    <a:masterClrMapping/>
-  </p:clrMapOvr>
-</p:notes>
-</file>
-
-<file path=ppt/notesSlides/notesSlide31.xml><?xml version="1.0" encoding="utf-8"?>
-<p:notes xmlns:a="http://schemas.openxmlformats.org/drawingml/2006/main" xmlns:r="http://schemas.openxmlformats.org/officeDocument/2006/relationships" xmlns:p="http://schemas.openxmlformats.org/presentationml/2006/main">
-  <p:cSld>
-    <p:spTree>
-      <p:nvGrpSpPr>
-        <p:cNvPr id="1" name=""/>
-        <p:cNvGrpSpPr/>
-        <p:nvPr/>
-      </p:nvGrpSpPr>
-      <p:grpSpPr>
-        <a:xfrm>
-          <a:off x="0" y="0"/>
-          <a:ext cx="0" cy="0"/>
-          <a:chOff x="0" y="0"/>
-          <a:chExt cx="0" cy="0"/>
-        </a:xfrm>
-      </p:grpSpPr>
-      <p:sp>
-        <p:nvSpPr>
-          <p:cNvPr id="2" name="Slide Image Placeholder 1"/>
-          <p:cNvSpPr>
-            <a:spLocks noGrp="1" noRot="1" noChangeAspect="1"/>
-          </p:cNvSpPr>
-          <p:nvPr>
-            <p:ph type="sldImg"/>
-          </p:nvPr>
-        </p:nvSpPr>
-        <p:spPr/>
-      </p:sp>
-      <p:sp>
-        <p:nvSpPr>
-          <p:cNvPr id="3" name="Notes Placeholder 2"/>
-          <p:cNvSpPr>
-            <a:spLocks noGrp="1"/>
-          </p:cNvSpPr>
-          <p:nvPr>
-            <p:ph type="body" idx="1"/>
-          </p:nvPr>
-        </p:nvSpPr>
-        <p:spPr/>
-        <p:txBody>
-          <a:bodyPr/>
-          <a:lstStyle/>
-          <a:p>
-            <a:r>
-              <a:rPr lang="en-US" dirty="0"/>
-              <a:t> </a:t>
-            </a:r>
-            <a:r>
-              <a:rPr lang="en-US" dirty="0">
-                <a:solidFill>
-                  <a:srgbClr val="0070C0"/>
-                </a:solidFill>
-              </a:rPr>
-              <a:t>[DworkMcSherryNissimSmith06]</a:t>
-            </a:r>
-            <a:r>
-              <a:rPr lang="en-US" dirty="0"/>
-              <a:t> </a:t>
-            </a:r>
-          </a:p>
-        </p:txBody>
-      </p:sp>
-      <p:sp>
-        <p:nvSpPr>
-          <p:cNvPr id="4" name="Slide Number Placeholder 3"/>
-          <p:cNvSpPr>
-            <a:spLocks noGrp="1"/>
-          </p:cNvSpPr>
-          <p:nvPr>
-            <p:ph type="sldNum" sz="quarter" idx="5"/>
-          </p:nvPr>
-        </p:nvSpPr>
-        <p:spPr/>
-        <p:txBody>
-          <a:bodyPr/>
-          <a:lstStyle/>
-          <a:p>
-            <a:fld id="{E2226E65-ADC9-4F29-BA00-34B3E2F9B8F0}" type="slidenum">
-              <a:rPr lang="en-US" smtClean="0"/>
-              <a:t>33</a:t>
-            </a:fld>
-            <a:endParaRPr lang="en-US"/>
-          </a:p>
-        </p:txBody>
-      </p:sp>
-    </p:spTree>
-    <p:extLst>
-      <p:ext uri="{BB962C8B-B14F-4D97-AF65-F5344CB8AC3E}">
-        <p14:creationId xmlns:p14="http://schemas.microsoft.com/office/powerpoint/2010/main" val="833782572"/>
-      </p:ext>
-    </p:extLst>
-  </p:cSld>
-  <p:clrMapOvr>
-    <a:masterClrMapping/>
-  </p:clrMapOvr>
-</p:notes>
-</file>
-
-<file path=ppt/notesSlides/notesSlide32.xml><?xml version="1.0" encoding="utf-8"?>
-<p:notes xmlns:a="http://schemas.openxmlformats.org/drawingml/2006/main" xmlns:r="http://schemas.openxmlformats.org/officeDocument/2006/relationships" xmlns:p="http://schemas.openxmlformats.org/presentationml/2006/main">
-  <p:cSld>
-    <p:spTree>
-      <p:nvGrpSpPr>
-        <p:cNvPr id="1" name=""/>
-        <p:cNvGrpSpPr/>
-        <p:nvPr/>
-      </p:nvGrpSpPr>
-      <p:grpSpPr>
-        <a:xfrm>
-          <a:off x="0" y="0"/>
-          <a:ext cx="0" cy="0"/>
-          <a:chOff x="0" y="0"/>
-          <a:chExt cx="0" cy="0"/>
-        </a:xfrm>
-      </p:grpSpPr>
-      <p:sp>
-        <p:nvSpPr>
-          <p:cNvPr id="2" name="Slide Image Placeholder 1"/>
-          <p:cNvSpPr>
-            <a:spLocks noGrp="1" noRot="1" noChangeAspect="1"/>
-          </p:cNvSpPr>
-          <p:nvPr>
-            <p:ph type="sldImg"/>
-          </p:nvPr>
-        </p:nvSpPr>
-        <p:spPr/>
-      </p:sp>
-      <p:sp>
-        <p:nvSpPr>
-          <p:cNvPr id="3" name="Notes Placeholder 2"/>
-          <p:cNvSpPr>
-            <a:spLocks noGrp="1"/>
-          </p:cNvSpPr>
-          <p:nvPr>
-            <p:ph type="body" idx="1"/>
-          </p:nvPr>
-        </p:nvSpPr>
-        <p:spPr/>
-        <p:txBody>
-          <a:bodyPr/>
-          <a:lstStyle/>
-          <a:p>
-            <a:r>
-              <a:rPr lang="en-US" dirty="0"/>
-              <a:t> </a:t>
-            </a:r>
-            <a:r>
-              <a:rPr lang="en-US" dirty="0">
-                <a:solidFill>
-                  <a:srgbClr val="0070C0"/>
-                </a:solidFill>
-              </a:rPr>
-              <a:t>[DworkMcSherryNissimSmith06]</a:t>
-            </a:r>
-            <a:r>
-              <a:rPr lang="en-US" dirty="0"/>
-              <a:t> </a:t>
-            </a:r>
-          </a:p>
-        </p:txBody>
-      </p:sp>
-      <p:sp>
-        <p:nvSpPr>
-          <p:cNvPr id="4" name="Slide Number Placeholder 3"/>
-          <p:cNvSpPr>
-            <a:spLocks noGrp="1"/>
-          </p:cNvSpPr>
-          <p:nvPr>
-            <p:ph type="sldNum" sz="quarter" idx="5"/>
-          </p:nvPr>
-        </p:nvSpPr>
-        <p:spPr/>
-        <p:txBody>
-          <a:bodyPr/>
-          <a:lstStyle/>
-          <a:p>
-            <a:fld id="{E2226E65-ADC9-4F29-BA00-34B3E2F9B8F0}" type="slidenum">
-              <a:rPr lang="en-US" smtClean="0"/>
-              <a:t>34</a:t>
-            </a:fld>
-            <a:endParaRPr lang="en-US"/>
-          </a:p>
-        </p:txBody>
-      </p:sp>
-    </p:spTree>
-    <p:extLst>
-      <p:ext uri="{BB962C8B-B14F-4D97-AF65-F5344CB8AC3E}">
-        <p14:creationId xmlns:p14="http://schemas.microsoft.com/office/powerpoint/2010/main" val="3840116268"/>
-      </p:ext>
-    </p:extLst>
-  </p:cSld>
-  <p:clrMapOvr>
-    <a:masterClrMapping/>
-  </p:clrMapOvr>
-</p:notes>
-</file>
-
-<file path=ppt/notesSlides/notesSlide33.xml><?xml version="1.0" encoding="utf-8"?>
-<p:notes xmlns:a="http://schemas.openxmlformats.org/drawingml/2006/main" xmlns:r="http://schemas.openxmlformats.org/officeDocument/2006/relationships" xmlns:p="http://schemas.openxmlformats.org/presentationml/2006/main">
-  <p:cSld>
-    <p:spTree>
-      <p:nvGrpSpPr>
-        <p:cNvPr id="1" name=""/>
-        <p:cNvGrpSpPr/>
-        <p:nvPr/>
-      </p:nvGrpSpPr>
-      <p:grpSpPr>
-        <a:xfrm>
-          <a:off x="0" y="0"/>
-          <a:ext cx="0" cy="0"/>
-          <a:chOff x="0" y="0"/>
-          <a:chExt cx="0" cy="0"/>
-        </a:xfrm>
-      </p:grpSpPr>
-      <p:sp>
-        <p:nvSpPr>
-          <p:cNvPr id="2" name="Slide Image Placeholder 1"/>
-          <p:cNvSpPr>
-            <a:spLocks noGrp="1" noRot="1" noChangeAspect="1"/>
-          </p:cNvSpPr>
-          <p:nvPr>
-            <p:ph type="sldImg"/>
-          </p:nvPr>
-        </p:nvSpPr>
-        <p:spPr/>
-      </p:sp>
-      <p:sp>
-        <p:nvSpPr>
-          <p:cNvPr id="3" name="Notes Placeholder 2"/>
-          <p:cNvSpPr>
-            <a:spLocks noGrp="1"/>
-          </p:cNvSpPr>
-          <p:nvPr>
-            <p:ph type="body" idx="1"/>
-          </p:nvPr>
-        </p:nvSpPr>
-        <p:spPr/>
-        <p:txBody>
-          <a:bodyPr/>
-          <a:lstStyle/>
-          <a:p>
-            <a:r>
-              <a:rPr lang="en-US" dirty="0"/>
-              <a:t> </a:t>
-            </a:r>
-            <a:r>
-              <a:rPr lang="en-US" dirty="0">
-                <a:solidFill>
-                  <a:srgbClr val="0070C0"/>
-                </a:solidFill>
-              </a:rPr>
-              <a:t>[DworkMcSherryNissimSmith06]</a:t>
-            </a:r>
-            <a:r>
-              <a:rPr lang="en-US" dirty="0"/>
-              <a:t> </a:t>
-            </a:r>
-          </a:p>
-        </p:txBody>
-      </p:sp>
-      <p:sp>
-        <p:nvSpPr>
-          <p:cNvPr id="4" name="Slide Number Placeholder 3"/>
-          <p:cNvSpPr>
-            <a:spLocks noGrp="1"/>
-          </p:cNvSpPr>
-          <p:nvPr>
-            <p:ph type="sldNum" sz="quarter" idx="5"/>
-          </p:nvPr>
-        </p:nvSpPr>
-        <p:spPr/>
-        <p:txBody>
-          <a:bodyPr/>
-          <a:lstStyle/>
-          <a:p>
-            <a:fld id="{E2226E65-ADC9-4F29-BA00-34B3E2F9B8F0}" type="slidenum">
-              <a:rPr lang="en-US" smtClean="0"/>
-              <a:t>35</a:t>
-            </a:fld>
-            <a:endParaRPr lang="en-US"/>
-          </a:p>
-        </p:txBody>
-      </p:sp>
-    </p:spTree>
-    <p:extLst>
-      <p:ext uri="{BB962C8B-B14F-4D97-AF65-F5344CB8AC3E}">
-        <p14:creationId xmlns:p14="http://schemas.microsoft.com/office/powerpoint/2010/main" val="3928805099"/>
-      </p:ext>
-    </p:extLst>
-  </p:cSld>
-  <p:clrMapOvr>
-    <a:masterClrMapping/>
-  </p:clrMapOvr>
-</p:notes>
-</file>
-
-<file path=ppt/notesSlides/notesSlide34.xml><?xml version="1.0" encoding="utf-8"?>
-<p:notes xmlns:a="http://schemas.openxmlformats.org/drawingml/2006/main" xmlns:r="http://schemas.openxmlformats.org/officeDocument/2006/relationships" xmlns:p="http://schemas.openxmlformats.org/presentationml/2006/main">
-  <p:cSld>
-    <p:spTree>
-      <p:nvGrpSpPr>
-        <p:cNvPr id="1" name=""/>
-        <p:cNvGrpSpPr/>
-        <p:nvPr/>
-      </p:nvGrpSpPr>
-      <p:grpSpPr>
-        <a:xfrm>
-          <a:off x="0" y="0"/>
-          <a:ext cx="0" cy="0"/>
-          <a:chOff x="0" y="0"/>
-          <a:chExt cx="0" cy="0"/>
-        </a:xfrm>
-      </p:grpSpPr>
-      <p:sp>
-        <p:nvSpPr>
-          <p:cNvPr id="2" name="Slide Image Placeholder 1"/>
-          <p:cNvSpPr>
-            <a:spLocks noGrp="1" noRot="1" noChangeAspect="1"/>
-          </p:cNvSpPr>
-          <p:nvPr>
-            <p:ph type="sldImg"/>
-          </p:nvPr>
-        </p:nvSpPr>
-        <p:spPr/>
-      </p:sp>
-      <p:sp>
-        <p:nvSpPr>
-          <p:cNvPr id="3" name="Notes Placeholder 2"/>
-          <p:cNvSpPr>
-            <a:spLocks noGrp="1"/>
-          </p:cNvSpPr>
-          <p:nvPr>
-            <p:ph type="body" idx="1"/>
-          </p:nvPr>
-        </p:nvSpPr>
-        <p:spPr/>
-        <p:txBody>
-          <a:bodyPr/>
-          <a:lstStyle/>
-          <a:p>
-            <a:r>
-              <a:rPr lang="en-US" dirty="0"/>
-              <a:t> </a:t>
-            </a:r>
-            <a:r>
-              <a:rPr lang="en-US" dirty="0">
-                <a:solidFill>
-                  <a:srgbClr val="0070C0"/>
-                </a:solidFill>
-              </a:rPr>
-              <a:t>[DworkMcSherryNissimSmith06]</a:t>
-            </a:r>
-            <a:r>
-              <a:rPr lang="en-US" dirty="0"/>
-              <a:t> </a:t>
-            </a:r>
-          </a:p>
-        </p:txBody>
-      </p:sp>
-      <p:sp>
-        <p:nvSpPr>
-          <p:cNvPr id="4" name="Slide Number Placeholder 3"/>
-          <p:cNvSpPr>
-            <a:spLocks noGrp="1"/>
-          </p:cNvSpPr>
-          <p:nvPr>
-            <p:ph type="sldNum" sz="quarter" idx="5"/>
-          </p:nvPr>
-        </p:nvSpPr>
-        <p:spPr/>
-        <p:txBody>
-          <a:bodyPr/>
-          <a:lstStyle/>
-          <a:p>
-            <a:fld id="{E2226E65-ADC9-4F29-BA00-34B3E2F9B8F0}" type="slidenum">
-              <a:rPr lang="en-US" smtClean="0"/>
-              <a:t>36</a:t>
-            </a:fld>
-            <a:endParaRPr lang="en-US"/>
-          </a:p>
-        </p:txBody>
-      </p:sp>
-    </p:spTree>
-    <p:extLst>
-      <p:ext uri="{BB962C8B-B14F-4D97-AF65-F5344CB8AC3E}">
-        <p14:creationId xmlns:p14="http://schemas.microsoft.com/office/powerpoint/2010/main" val="1649187350"/>
-      </p:ext>
-    </p:extLst>
-  </p:cSld>
-  <p:clrMapOvr>
-    <a:masterClrMapping/>
-  </p:clrMapOvr>
-</p:notes>
-</file>
-
-<file path=ppt/notesSlides/notesSlide35.xml><?xml version="1.0" encoding="utf-8"?>
-<p:notes xmlns:a="http://schemas.openxmlformats.org/drawingml/2006/main" xmlns:r="http://schemas.openxmlformats.org/officeDocument/2006/relationships" xmlns:p="http://schemas.openxmlformats.org/presentationml/2006/main">
-  <p:cSld>
-    <p:spTree>
-      <p:nvGrpSpPr>
-        <p:cNvPr id="1" name=""/>
-        <p:cNvGrpSpPr/>
-        <p:nvPr/>
-      </p:nvGrpSpPr>
-      <p:grpSpPr>
-        <a:xfrm>
-          <a:off x="0" y="0"/>
-          <a:ext cx="0" cy="0"/>
-          <a:chOff x="0" y="0"/>
-          <a:chExt cx="0" cy="0"/>
-        </a:xfrm>
-      </p:grpSpPr>
-      <p:sp>
-        <p:nvSpPr>
-          <p:cNvPr id="2" name="Slide Image Placeholder 1"/>
-          <p:cNvSpPr>
-            <a:spLocks noGrp="1" noRot="1" noChangeAspect="1"/>
-          </p:cNvSpPr>
-          <p:nvPr>
-            <p:ph type="sldImg"/>
-          </p:nvPr>
-        </p:nvSpPr>
-        <p:spPr/>
-      </p:sp>
-      <p:sp>
-        <p:nvSpPr>
-          <p:cNvPr id="3" name="Notes Placeholder 2"/>
-          <p:cNvSpPr>
-            <a:spLocks noGrp="1"/>
-          </p:cNvSpPr>
-          <p:nvPr>
-            <p:ph type="body" idx="1"/>
-          </p:nvPr>
-        </p:nvSpPr>
-        <p:spPr/>
-        <p:txBody>
-          <a:bodyPr/>
-          <a:lstStyle/>
-          <a:p>
-            <a:r>
-              <a:rPr lang="en-US" dirty="0"/>
-              <a:t> </a:t>
-            </a:r>
-            <a:r>
-              <a:rPr lang="en-US" dirty="0">
-                <a:solidFill>
-                  <a:srgbClr val="0070C0"/>
-                </a:solidFill>
-              </a:rPr>
-              <a:t>[DworkMcSherryNissimSmith06]</a:t>
-            </a:r>
-            <a:r>
-              <a:rPr lang="en-US" dirty="0"/>
-              <a:t> </a:t>
-            </a:r>
-          </a:p>
-        </p:txBody>
-      </p:sp>
-      <p:sp>
-        <p:nvSpPr>
-          <p:cNvPr id="4" name="Slide Number Placeholder 3"/>
-          <p:cNvSpPr>
-            <a:spLocks noGrp="1"/>
-          </p:cNvSpPr>
-          <p:nvPr>
-            <p:ph type="sldNum" sz="quarter" idx="5"/>
-          </p:nvPr>
-        </p:nvSpPr>
-        <p:spPr/>
-        <p:txBody>
-          <a:bodyPr/>
-          <a:lstStyle/>
-          <a:p>
-            <a:fld id="{E2226E65-ADC9-4F29-BA00-34B3E2F9B8F0}" type="slidenum">
-              <a:rPr lang="en-US" smtClean="0"/>
-              <a:t>37</a:t>
-            </a:fld>
-            <a:endParaRPr lang="en-US"/>
-          </a:p>
-        </p:txBody>
-      </p:sp>
-    </p:spTree>
-    <p:extLst>
-      <p:ext uri="{BB962C8B-B14F-4D97-AF65-F5344CB8AC3E}">
-        <p14:creationId xmlns:p14="http://schemas.microsoft.com/office/powerpoint/2010/main" val="3127665046"/>
-      </p:ext>
-    </p:extLst>
-  </p:cSld>
-  <p:clrMapOvr>
-    <a:masterClrMapping/>
-  </p:clrMapOvr>
-</p:notes>
-</file>
-
-<file path=ppt/notesSlides/notesSlide36.xml><?xml version="1.0" encoding="utf-8"?>
-<p:notes xmlns:a="http://schemas.openxmlformats.org/drawingml/2006/main" xmlns:r="http://schemas.openxmlformats.org/officeDocument/2006/relationships" xmlns:p="http://schemas.openxmlformats.org/presentationml/2006/main">
-  <p:cSld>
-    <p:spTree>
-      <p:nvGrpSpPr>
-        <p:cNvPr id="1" name=""/>
-        <p:cNvGrpSpPr/>
-        <p:nvPr/>
-      </p:nvGrpSpPr>
-      <p:grpSpPr>
-        <a:xfrm>
-          <a:off x="0" y="0"/>
-          <a:ext cx="0" cy="0"/>
-          <a:chOff x="0" y="0"/>
-          <a:chExt cx="0" cy="0"/>
-        </a:xfrm>
-      </p:grpSpPr>
-      <p:sp>
-        <p:nvSpPr>
-          <p:cNvPr id="2" name="Slide Image Placeholder 1"/>
-          <p:cNvSpPr>
-            <a:spLocks noGrp="1" noRot="1" noChangeAspect="1"/>
-          </p:cNvSpPr>
-          <p:nvPr>
-            <p:ph type="sldImg"/>
-          </p:nvPr>
-        </p:nvSpPr>
-        <p:spPr/>
-      </p:sp>
-      <p:sp>
-        <p:nvSpPr>
-          <p:cNvPr id="3" name="Notes Placeholder 2"/>
-          <p:cNvSpPr>
-            <a:spLocks noGrp="1"/>
-          </p:cNvSpPr>
-          <p:nvPr>
-            <p:ph type="body" idx="1"/>
-          </p:nvPr>
-        </p:nvSpPr>
-        <p:spPr/>
-        <p:txBody>
-          <a:bodyPr/>
-          <a:lstStyle/>
-          <a:p>
-            <a:r>
-              <a:rPr lang="en-US" dirty="0"/>
-              <a:t> </a:t>
-            </a:r>
-            <a:r>
-              <a:rPr lang="en-US" dirty="0">
-                <a:solidFill>
-                  <a:srgbClr val="0070C0"/>
-                </a:solidFill>
-              </a:rPr>
-              <a:t>[DworkMcSherryNissimSmith06]</a:t>
-            </a:r>
-            <a:r>
-              <a:rPr lang="en-US" dirty="0"/>
-              <a:t> </a:t>
-            </a:r>
-          </a:p>
-        </p:txBody>
-      </p:sp>
-      <p:sp>
-        <p:nvSpPr>
-          <p:cNvPr id="4" name="Slide Number Placeholder 3"/>
-          <p:cNvSpPr>
-            <a:spLocks noGrp="1"/>
-          </p:cNvSpPr>
-          <p:nvPr>
-            <p:ph type="sldNum" sz="quarter" idx="5"/>
-          </p:nvPr>
-        </p:nvSpPr>
-        <p:spPr/>
-        <p:txBody>
-          <a:bodyPr/>
-          <a:lstStyle/>
-          <a:p>
-            <a:fld id="{E2226E65-ADC9-4F29-BA00-34B3E2F9B8F0}" type="slidenum">
-              <a:rPr lang="en-US" smtClean="0"/>
-              <a:t>38</a:t>
-            </a:fld>
-            <a:endParaRPr lang="en-US"/>
-          </a:p>
-        </p:txBody>
-      </p:sp>
-    </p:spTree>
-    <p:extLst>
-      <p:ext uri="{BB962C8B-B14F-4D97-AF65-F5344CB8AC3E}">
-        <p14:creationId xmlns:p14="http://schemas.microsoft.com/office/powerpoint/2010/main" val="3864708300"/>
-      </p:ext>
-    </p:extLst>
-  </p:cSld>
-  <p:clrMapOvr>
-    <a:masterClrMapping/>
-  </p:clrMapOvr>
-</p:notes>
-</file>
-
-<file path=ppt/notesSlides/notesSlide37.xml><?xml version="1.0" encoding="utf-8"?>
-<p:notes xmlns:a="http://schemas.openxmlformats.org/drawingml/2006/main" xmlns:r="http://schemas.openxmlformats.org/officeDocument/2006/relationships" xmlns:p="http://schemas.openxmlformats.org/presentationml/2006/main">
-  <p:cSld>
-    <p:spTree>
-      <p:nvGrpSpPr>
-        <p:cNvPr id="1" name=""/>
-        <p:cNvGrpSpPr/>
-        <p:nvPr/>
-      </p:nvGrpSpPr>
-      <p:grpSpPr>
-        <a:xfrm>
-          <a:off x="0" y="0"/>
-          <a:ext cx="0" cy="0"/>
-          <a:chOff x="0" y="0"/>
-          <a:chExt cx="0" cy="0"/>
-        </a:xfrm>
-      </p:grpSpPr>
-      <p:sp>
-        <p:nvSpPr>
-          <p:cNvPr id="2" name="Slide Image Placeholder 1"/>
-          <p:cNvSpPr>
-            <a:spLocks noGrp="1" noRot="1" noChangeAspect="1"/>
-          </p:cNvSpPr>
-          <p:nvPr>
-            <p:ph type="sldImg"/>
-          </p:nvPr>
-        </p:nvSpPr>
-        <p:spPr/>
-      </p:sp>
-      <p:sp>
-        <p:nvSpPr>
-          <p:cNvPr id="3" name="Notes Placeholder 2"/>
-          <p:cNvSpPr>
-            <a:spLocks noGrp="1"/>
-          </p:cNvSpPr>
-          <p:nvPr>
-            <p:ph type="body" idx="1"/>
-          </p:nvPr>
-        </p:nvSpPr>
-        <p:spPr/>
-        <p:txBody>
-          <a:bodyPr/>
-          <a:lstStyle/>
-          <a:p>
-            <a:r>
-              <a:rPr lang="en-US" dirty="0"/>
-              <a:t> </a:t>
-            </a:r>
-            <a:r>
-              <a:rPr lang="en-US" dirty="0">
-                <a:solidFill>
-                  <a:srgbClr val="0070C0"/>
-                </a:solidFill>
-              </a:rPr>
-              <a:t>[DworkMcSherryNissimSmith06]</a:t>
-            </a:r>
-            <a:r>
-              <a:rPr lang="en-US" dirty="0"/>
-              <a:t> </a:t>
-            </a:r>
-          </a:p>
-        </p:txBody>
-      </p:sp>
-      <p:sp>
-        <p:nvSpPr>
-          <p:cNvPr id="4" name="Slide Number Placeholder 3"/>
-          <p:cNvSpPr>
-            <a:spLocks noGrp="1"/>
-          </p:cNvSpPr>
-          <p:nvPr>
-            <p:ph type="sldNum" sz="quarter" idx="5"/>
-          </p:nvPr>
-        </p:nvSpPr>
-        <p:spPr/>
-        <p:txBody>
-          <a:bodyPr/>
-          <a:lstStyle/>
-          <a:p>
-            <a:fld id="{E2226E65-ADC9-4F29-BA00-34B3E2F9B8F0}" type="slidenum">
-              <a:rPr lang="en-US" smtClean="0"/>
-              <a:t>39</a:t>
-            </a:fld>
-            <a:endParaRPr lang="en-US"/>
-          </a:p>
-        </p:txBody>
-      </p:sp>
-    </p:spTree>
-    <p:extLst>
-      <p:ext uri="{BB962C8B-B14F-4D97-AF65-F5344CB8AC3E}">
-        <p14:creationId xmlns:p14="http://schemas.microsoft.com/office/powerpoint/2010/main" val="2055297168"/>
-      </p:ext>
-    </p:extLst>
-  </p:cSld>
-  <p:clrMapOvr>
-    <a:masterClrMapping/>
-  </p:clrMapOvr>
-</p:notes>
-</file>
-
 <file path=ppt/notesSlides/notesSlide4.xml><?xml version="1.0" encoding="utf-8"?>
 <p:notes xmlns:a="http://schemas.openxmlformats.org/drawingml/2006/main" xmlns:r="http://schemas.openxmlformats.org/officeDocument/2006/relationships" xmlns:p="http://schemas.openxmlformats.org/presentationml/2006/main">
   <p:cSld>
@@ -4312,7 +3512,7 @@
           <a:p>
             <a:fld id="{CEC09607-EBB4-42D8-AA24-DB43F31174A6}" type="datetimeFigureOut">
               <a:rPr lang="en-US" smtClean="0"/>
-              <a:t>4/11/2024</a:t>
+              <a:t>4/12/2024</a:t>
             </a:fld>
             <a:endParaRPr lang="en-US"/>
           </a:p>
@@ -4510,7 +3710,7 @@
           <a:p>
             <a:fld id="{CEC09607-EBB4-42D8-AA24-DB43F31174A6}" type="datetimeFigureOut">
               <a:rPr lang="en-US" smtClean="0"/>
-              <a:t>4/11/2024</a:t>
+              <a:t>4/12/2024</a:t>
             </a:fld>
             <a:endParaRPr lang="en-US"/>
           </a:p>
@@ -4718,7 +3918,7 @@
           <a:p>
             <a:fld id="{CEC09607-EBB4-42D8-AA24-DB43F31174A6}" type="datetimeFigureOut">
               <a:rPr lang="en-US" smtClean="0"/>
-              <a:t>4/11/2024</a:t>
+              <a:t>4/12/2024</a:t>
             </a:fld>
             <a:endParaRPr lang="en-US"/>
           </a:p>
@@ -4916,7 +4116,7 @@
           <a:p>
             <a:fld id="{CEC09607-EBB4-42D8-AA24-DB43F31174A6}" type="datetimeFigureOut">
               <a:rPr lang="en-US" smtClean="0"/>
-              <a:t>4/11/2024</a:t>
+              <a:t>4/12/2024</a:t>
             </a:fld>
             <a:endParaRPr lang="en-US"/>
           </a:p>
@@ -5191,7 +4391,7 @@
           <a:p>
             <a:fld id="{CEC09607-EBB4-42D8-AA24-DB43F31174A6}" type="datetimeFigureOut">
               <a:rPr lang="en-US" smtClean="0"/>
-              <a:t>4/11/2024</a:t>
+              <a:t>4/12/2024</a:t>
             </a:fld>
             <a:endParaRPr lang="en-US"/>
           </a:p>
@@ -5456,7 +4656,7 @@
           <a:p>
             <a:fld id="{CEC09607-EBB4-42D8-AA24-DB43F31174A6}" type="datetimeFigureOut">
               <a:rPr lang="en-US" smtClean="0"/>
-              <a:t>4/11/2024</a:t>
+              <a:t>4/12/2024</a:t>
             </a:fld>
             <a:endParaRPr lang="en-US"/>
           </a:p>
@@ -5868,7 +5068,7 @@
           <a:p>
             <a:fld id="{CEC09607-EBB4-42D8-AA24-DB43F31174A6}" type="datetimeFigureOut">
               <a:rPr lang="en-US" smtClean="0"/>
-              <a:t>4/11/2024</a:t>
+              <a:t>4/12/2024</a:t>
             </a:fld>
             <a:endParaRPr lang="en-US"/>
           </a:p>
@@ -6009,7 +5209,7 @@
           <a:p>
             <a:fld id="{CEC09607-EBB4-42D8-AA24-DB43F31174A6}" type="datetimeFigureOut">
               <a:rPr lang="en-US" smtClean="0"/>
-              <a:t>4/11/2024</a:t>
+              <a:t>4/12/2024</a:t>
             </a:fld>
             <a:endParaRPr lang="en-US"/>
           </a:p>
@@ -6122,7 +5322,7 @@
           <a:p>
             <a:fld id="{CEC09607-EBB4-42D8-AA24-DB43F31174A6}" type="datetimeFigureOut">
               <a:rPr lang="en-US" smtClean="0"/>
-              <a:t>4/11/2024</a:t>
+              <a:t>4/12/2024</a:t>
             </a:fld>
             <a:endParaRPr lang="en-US"/>
           </a:p>
@@ -6433,7 +5633,7 @@
           <a:p>
             <a:fld id="{CEC09607-EBB4-42D8-AA24-DB43F31174A6}" type="datetimeFigureOut">
               <a:rPr lang="en-US" smtClean="0"/>
-              <a:t>4/11/2024</a:t>
+              <a:t>4/12/2024</a:t>
             </a:fld>
             <a:endParaRPr lang="en-US"/>
           </a:p>
@@ -6721,7 +5921,7 @@
           <a:p>
             <a:fld id="{CEC09607-EBB4-42D8-AA24-DB43F31174A6}" type="datetimeFigureOut">
               <a:rPr lang="en-US" smtClean="0"/>
-              <a:t>4/11/2024</a:t>
+              <a:t>4/12/2024</a:t>
             </a:fld>
             <a:endParaRPr lang="en-US"/>
           </a:p>
@@ -6962,7 +6162,7 @@
           <a:p>
             <a:fld id="{CEC09607-EBB4-42D8-AA24-DB43F31174A6}" type="datetimeFigureOut">
               <a:rPr lang="en-US" smtClean="0"/>
-              <a:t>4/11/2024</a:t>
+              <a:t>4/12/2024</a:t>
             </a:fld>
             <a:endParaRPr lang="en-US"/>
           </a:p>
@@ -7537,8 +6737,8 @@
           </a:p>
         </p:txBody>
       </p:sp>
-      <mc:AlternateContent xmlns:mc="http://schemas.openxmlformats.org/markup-compatibility/2006">
-        <mc:Choice xmlns:a14="http://schemas.microsoft.com/office/drawing/2010/main" Requires="a14">
+      <mc:AlternateContent xmlns:mc="http://schemas.openxmlformats.org/markup-compatibility/2006" xmlns:a14="http://schemas.microsoft.com/office/drawing/2010/main">
+        <mc:Choice Requires="a14">
           <p:sp>
             <p:nvSpPr>
               <p:cNvPr id="5" name="Content Placeholder 3">
@@ -7827,7 +7027,7 @@
             </p:txBody>
           </p:sp>
         </mc:Choice>
-        <mc:Fallback>
+        <mc:Fallback xmlns="">
           <p:sp>
             <p:nvSpPr>
               <p:cNvPr id="5" name="Content Placeholder 3">
@@ -9194,8 +8394,8 @@
           </a:p>
         </p:txBody>
       </p:sp>
-      <mc:AlternateContent xmlns:mc="http://schemas.openxmlformats.org/markup-compatibility/2006">
-        <mc:Choice xmlns:a14="http://schemas.microsoft.com/office/drawing/2010/main" Requires="a14">
+      <mc:AlternateContent xmlns:mc="http://schemas.openxmlformats.org/markup-compatibility/2006" xmlns:a14="http://schemas.microsoft.com/office/drawing/2010/main">
+        <mc:Choice Requires="a14">
           <p:sp>
             <p:nvSpPr>
               <p:cNvPr id="5" name="Content Placeholder 3">
@@ -10029,7 +9229,7 @@
             </p:txBody>
           </p:sp>
         </mc:Choice>
-        <mc:Fallback>
+        <mc:Fallback xmlns="">
           <p:sp>
             <p:nvSpPr>
               <p:cNvPr id="5" name="Content Placeholder 3">
@@ -11554,8 +10754,8 @@
           </a:p>
         </p:txBody>
       </p:sp>
-      <mc:AlternateContent xmlns:mc="http://schemas.openxmlformats.org/markup-compatibility/2006">
-        <mc:Choice xmlns:a14="http://schemas.microsoft.com/office/drawing/2010/main" Requires="a14">
+      <mc:AlternateContent xmlns:mc="http://schemas.openxmlformats.org/markup-compatibility/2006" xmlns:a14="http://schemas.microsoft.com/office/drawing/2010/main">
+        <mc:Choice Requires="a14">
           <p:sp>
             <p:nvSpPr>
               <p:cNvPr id="5" name="Content Placeholder 3">
@@ -11970,7 +11170,7 @@
             </p:txBody>
           </p:sp>
         </mc:Choice>
-        <mc:Fallback>
+        <mc:Fallback xmlns="">
           <p:sp>
             <p:nvSpPr>
               <p:cNvPr id="5" name="Content Placeholder 3">
@@ -12076,8 +11276,8 @@
           </a:p>
         </p:txBody>
       </p:sp>
-      <mc:AlternateContent xmlns:mc="http://schemas.openxmlformats.org/markup-compatibility/2006">
-        <mc:Choice xmlns:a14="http://schemas.microsoft.com/office/drawing/2010/main" Requires="a14">
+      <mc:AlternateContent xmlns:mc="http://schemas.openxmlformats.org/markup-compatibility/2006" xmlns:a14="http://schemas.microsoft.com/office/drawing/2010/main">
+        <mc:Choice Requires="a14">
           <p:sp>
             <p:nvSpPr>
               <p:cNvPr id="5" name="Content Placeholder 3">
@@ -12745,7 +11945,7 @@
                         <m:begChr m:val="["/>
                         <m:endChr m:val="]"/>
                         <m:ctrlPr>
-                          <a:rPr lang="en-US" sz="3200" b="0" i="0" dirty="0" smtClean="0">
+                          <a:rPr lang="en-US" sz="3200" b="0" i="1" dirty="0" smtClean="0">
                             <a:solidFill>
                               <a:srgbClr val="C00000"/>
                             </a:solidFill>
@@ -13099,7 +12299,7 @@
             </p:txBody>
           </p:sp>
         </mc:Choice>
-        <mc:Fallback>
+        <mc:Fallback xmlns="">
           <p:sp>
             <p:nvSpPr>
               <p:cNvPr id="5" name="Content Placeholder 3">
@@ -13280,8 +12480,8 @@
           </a:p>
         </p:txBody>
       </p:sp>
-      <mc:AlternateContent xmlns:mc="http://schemas.openxmlformats.org/markup-compatibility/2006">
-        <mc:Choice xmlns:a14="http://schemas.microsoft.com/office/drawing/2010/main" Requires="a14">
+      <mc:AlternateContent xmlns:mc="http://schemas.openxmlformats.org/markup-compatibility/2006" xmlns:a14="http://schemas.microsoft.com/office/drawing/2010/main">
+        <mc:Choice Requires="a14">
           <p:sp>
             <p:nvSpPr>
               <p:cNvPr id="4" name="TextBox 3">
@@ -13802,16 +13002,7 @@
                                   </a:solidFill>
                                   <a:latin typeface="Cambria Math" panose="02040503050406030204" pitchFamily="18" charset="0"/>
                                 </a:rPr>
-                                <m:t>′</m:t>
-                              </m:r>
-                              <m:r>
-                                <a:rPr lang="en-US" sz="3200" i="1" dirty="0">
-                                  <a:solidFill>
-                                    <a:srgbClr val="C00000"/>
-                                  </a:solidFill>
-                                  <a:latin typeface="Cambria Math" panose="02040503050406030204" pitchFamily="18" charset="0"/>
-                                </a:rPr>
-                                <m:t>)=</m:t>
+                                <m:t>′)=</m:t>
                               </m:r>
                               <m:r>
                                 <a:rPr lang="en-US" sz="3200" i="1" dirty="0">
@@ -13970,7 +13161,7 @@
             </p:txBody>
           </p:sp>
         </mc:Choice>
-        <mc:Fallback>
+        <mc:Fallback xmlns="">
           <p:sp>
             <p:nvSpPr>
               <p:cNvPr id="4" name="TextBox 3">
@@ -14015,8 +13206,8 @@
           </p:sp>
         </mc:Fallback>
       </mc:AlternateContent>
-      <mc:AlternateContent xmlns:mc="http://schemas.openxmlformats.org/markup-compatibility/2006">
-        <mc:Choice xmlns:a14="http://schemas.microsoft.com/office/drawing/2010/main" Requires="a14">
+      <mc:AlternateContent xmlns:mc="http://schemas.openxmlformats.org/markup-compatibility/2006" xmlns:a14="http://schemas.microsoft.com/office/drawing/2010/main">
+        <mc:Choice Requires="a14">
           <p:sp>
             <p:nvSpPr>
               <p:cNvPr id="7" name="TextBox 6">
@@ -14045,6 +13236,7 @@
               </a:bodyPr>
               <a:lstStyle/>
               <a:p>
+                <a:pPr/>
                 <a14:m>
                   <m:oMathPara xmlns:m="http://schemas.openxmlformats.org/officeDocument/2006/math">
                     <m:oMathParaPr>
@@ -14566,7 +13758,7 @@
             </p:txBody>
           </p:sp>
         </mc:Choice>
-        <mc:Fallback>
+        <mc:Fallback xmlns="">
           <p:sp>
             <p:nvSpPr>
               <p:cNvPr id="7" name="TextBox 6">
@@ -14673,8 +13865,8 @@
           </a:p>
         </p:txBody>
       </p:sp>
-      <mc:AlternateContent xmlns:mc="http://schemas.openxmlformats.org/markup-compatibility/2006">
-        <mc:Choice xmlns:a14="http://schemas.microsoft.com/office/drawing/2010/main" Requires="a14">
+      <mc:AlternateContent xmlns:mc="http://schemas.openxmlformats.org/markup-compatibility/2006" xmlns:a14="http://schemas.microsoft.com/office/drawing/2010/main">
+        <mc:Choice Requires="a14">
           <p:sp>
             <p:nvSpPr>
               <p:cNvPr id="5" name="Content Placeholder 3">
@@ -15305,7 +14497,7 @@
             </p:txBody>
           </p:sp>
         </mc:Choice>
-        <mc:Fallback>
+        <mc:Fallback xmlns="">
           <p:sp>
             <p:nvSpPr>
               <p:cNvPr id="5" name="Content Placeholder 3">
@@ -15552,8 +14744,8 @@
           </a:p>
         </p:txBody>
       </p:sp>
-      <mc:AlternateContent xmlns:mc="http://schemas.openxmlformats.org/markup-compatibility/2006">
-        <mc:Choice xmlns:a14="http://schemas.microsoft.com/office/drawing/2010/main" Requires="a14">
+      <mc:AlternateContent xmlns:mc="http://schemas.openxmlformats.org/markup-compatibility/2006" xmlns:a14="http://schemas.microsoft.com/office/drawing/2010/main">
+        <mc:Choice Requires="a14">
           <p:sp>
             <p:nvSpPr>
               <p:cNvPr id="5" name="Content Placeholder 3">
@@ -16385,7 +15577,7 @@
             </p:txBody>
           </p:sp>
         </mc:Choice>
-        <mc:Fallback>
+        <mc:Fallback xmlns="">
           <p:sp>
             <p:nvSpPr>
               <p:cNvPr id="5" name="Content Placeholder 3">
@@ -16491,8 +15683,8 @@
           </a:p>
         </p:txBody>
       </p:sp>
-      <mc:AlternateContent xmlns:mc="http://schemas.openxmlformats.org/markup-compatibility/2006">
-        <mc:Choice xmlns:a14="http://schemas.microsoft.com/office/drawing/2010/main" Requires="a14">
+      <mc:AlternateContent xmlns:mc="http://schemas.openxmlformats.org/markup-compatibility/2006" xmlns:a14="http://schemas.microsoft.com/office/drawing/2010/main">
+        <mc:Choice Requires="a14">
           <p:sp>
             <p:nvSpPr>
               <p:cNvPr id="5" name="Content Placeholder 3">
@@ -16598,7 +15790,7 @@
             </p:txBody>
           </p:sp>
         </mc:Choice>
-        <mc:Fallback>
+        <mc:Fallback xmlns="">
           <p:sp>
             <p:nvSpPr>
               <p:cNvPr id="5" name="Content Placeholder 3">
@@ -18968,8 +18160,8 @@
           </a:p>
         </p:txBody>
       </p:sp>
-      <mc:AlternateContent xmlns:mc="http://schemas.openxmlformats.org/markup-compatibility/2006">
-        <mc:Choice xmlns:a14="http://schemas.microsoft.com/office/drawing/2010/main" Requires="a14">
+      <mc:AlternateContent xmlns:mc="http://schemas.openxmlformats.org/markup-compatibility/2006" xmlns:a14="http://schemas.microsoft.com/office/drawing/2010/main">
+        <mc:Choice Requires="a14">
           <p:sp>
             <p:nvSpPr>
               <p:cNvPr id="5" name="Content Placeholder 3">
@@ -19630,7 +18822,7 @@
             </p:txBody>
           </p:sp>
         </mc:Choice>
-        <mc:Fallback>
+        <mc:Fallback xmlns="">
           <p:sp>
             <p:nvSpPr>
               <p:cNvPr id="5" name="Content Placeholder 3">
@@ -19736,8 +18928,8 @@
           </a:p>
         </p:txBody>
       </p:sp>
-      <mc:AlternateContent xmlns:mc="http://schemas.openxmlformats.org/markup-compatibility/2006">
-        <mc:Choice xmlns:a14="http://schemas.microsoft.com/office/drawing/2010/main" Requires="a14">
+      <mc:AlternateContent xmlns:mc="http://schemas.openxmlformats.org/markup-compatibility/2006" xmlns:a14="http://schemas.microsoft.com/office/drawing/2010/main">
+        <mc:Choice Requires="a14">
           <p:sp>
             <p:nvSpPr>
               <p:cNvPr id="5" name="Content Placeholder 3">
@@ -20358,7 +19550,7 @@
             </p:txBody>
           </p:sp>
         </mc:Choice>
-        <mc:Fallback>
+        <mc:Fallback xmlns="">
           <p:sp>
             <p:nvSpPr>
               <p:cNvPr id="5" name="Content Placeholder 3">
@@ -20464,8 +19656,8 @@
           </a:p>
         </p:txBody>
       </p:sp>
-      <mc:AlternateContent xmlns:mc="http://schemas.openxmlformats.org/markup-compatibility/2006">
-        <mc:Choice xmlns:a14="http://schemas.microsoft.com/office/drawing/2010/main" Requires="a14">
+      <mc:AlternateContent xmlns:mc="http://schemas.openxmlformats.org/markup-compatibility/2006" xmlns:a14="http://schemas.microsoft.com/office/drawing/2010/main">
+        <mc:Choice Requires="a14">
           <p:sp>
             <p:nvSpPr>
               <p:cNvPr id="5" name="Content Placeholder 3">
@@ -21340,7 +20532,7 @@
                     <m:f>
                       <m:fPr>
                         <m:ctrlPr>
-                          <a:rPr lang="en-US" sz="3200" b="0" i="0" smtClean="0">
+                          <a:rPr lang="en-US" sz="3200" b="0" i="1" smtClean="0">
                             <a:solidFill>
                               <a:srgbClr val="C00000"/>
                             </a:solidFill>
@@ -21366,7 +20558,7 @@
                             <m:begChr m:val="["/>
                             <m:endChr m:val="]"/>
                             <m:ctrlPr>
-                              <a:rPr lang="en-US" sz="3200" b="0" i="0" smtClean="0">
+                              <a:rPr lang="en-US" sz="3200" b="0" i="1" smtClean="0">
                                 <a:solidFill>
                                   <a:srgbClr val="C00000"/>
                                 </a:solidFill>
@@ -22059,7 +21251,7 @@
             </p:txBody>
           </p:sp>
         </mc:Choice>
-        <mc:Fallback>
+        <mc:Fallback xmlns="">
           <p:sp>
             <p:nvSpPr>
               <p:cNvPr id="5" name="Content Placeholder 3">
@@ -23344,8 +22536,8 @@
           </a:p>
         </p:txBody>
       </p:sp>
-      <mc:AlternateContent xmlns:mc="http://schemas.openxmlformats.org/markup-compatibility/2006">
-        <mc:Choice xmlns:a14="http://schemas.microsoft.com/office/drawing/2010/main" Requires="a14">
+      <mc:AlternateContent xmlns:mc="http://schemas.openxmlformats.org/markup-compatibility/2006" xmlns:a14="http://schemas.microsoft.com/office/drawing/2010/main">
+        <mc:Choice Requires="a14">
           <p:sp>
             <p:nvSpPr>
               <p:cNvPr id="5" name="Content Placeholder 3">
@@ -23451,7 +22643,7 @@
             </p:txBody>
           </p:sp>
         </mc:Choice>
-        <mc:Fallback>
+        <mc:Fallback xmlns="">
           <p:sp>
             <p:nvSpPr>
               <p:cNvPr id="5" name="Content Placeholder 3">
@@ -23557,8 +22749,8 @@
           </a:p>
         </p:txBody>
       </p:sp>
-      <mc:AlternateContent xmlns:mc="http://schemas.openxmlformats.org/markup-compatibility/2006">
-        <mc:Choice xmlns:a14="http://schemas.microsoft.com/office/drawing/2010/main" Requires="a14">
+      <mc:AlternateContent xmlns:mc="http://schemas.openxmlformats.org/markup-compatibility/2006" xmlns:a14="http://schemas.microsoft.com/office/drawing/2010/main">
+        <mc:Choice Requires="a14">
           <p:sp>
             <p:nvSpPr>
               <p:cNvPr id="5" name="Content Placeholder 3">
@@ -23898,7 +23090,7 @@
             </p:txBody>
           </p:sp>
         </mc:Choice>
-        <mc:Fallback>
+        <mc:Fallback xmlns="">
           <p:sp>
             <p:nvSpPr>
               <p:cNvPr id="5" name="Content Placeholder 3">
@@ -23946,5575 +23138,6 @@
     <p:extLst>
       <p:ext uri="{BB962C8B-B14F-4D97-AF65-F5344CB8AC3E}">
         <p14:creationId xmlns:p14="http://schemas.microsoft.com/office/powerpoint/2010/main" val="4274162600"/>
-      </p:ext>
-    </p:extLst>
-  </p:cSld>
-  <p:clrMapOvr>
-    <a:masterClrMapping/>
-  </p:clrMapOvr>
-</p:sld>
-</file>
-
-<file path=ppt/slides/slide32.xml><?xml version="1.0" encoding="utf-8"?>
-<p:sld xmlns:a="http://schemas.openxmlformats.org/drawingml/2006/main" xmlns:r="http://schemas.openxmlformats.org/officeDocument/2006/relationships" xmlns:p="http://schemas.openxmlformats.org/presentationml/2006/main">
-  <p:cSld>
-    <p:spTree>
-      <p:nvGrpSpPr>
-        <p:cNvPr id="1" name=""/>
-        <p:cNvGrpSpPr/>
-        <p:nvPr/>
-      </p:nvGrpSpPr>
-      <p:grpSpPr>
-        <a:xfrm>
-          <a:off x="0" y="0"/>
-          <a:ext cx="0" cy="0"/>
-          <a:chOff x="0" y="0"/>
-          <a:chExt cx="0" cy="0"/>
-        </a:xfrm>
-      </p:grpSpPr>
-      <p:sp>
-        <p:nvSpPr>
-          <p:cNvPr id="2" name="Title 1">
-            <a:extLst>
-              <a:ext uri="{FF2B5EF4-FFF2-40B4-BE49-F238E27FC236}">
-                <a16:creationId xmlns:a16="http://schemas.microsoft.com/office/drawing/2014/main" id="{B17419AC-DCE6-4371-8DE2-D617E99D653D}"/>
-              </a:ext>
-            </a:extLst>
-          </p:cNvPr>
-          <p:cNvSpPr>
-            <a:spLocks noGrp="1"/>
-          </p:cNvSpPr>
-          <p:nvPr>
-            <p:ph type="title"/>
-          </p:nvPr>
-        </p:nvSpPr>
-        <p:spPr/>
-        <p:txBody>
-          <a:bodyPr/>
-          <a:lstStyle/>
-          <a:p>
-            <a:r>
-              <a:rPr lang="en-US" dirty="0">
-                <a:solidFill>
-                  <a:srgbClr val="C00000"/>
-                </a:solidFill>
-              </a:rPr>
-              <a:t>Beyond Laplace Mechanism</a:t>
-            </a:r>
-          </a:p>
-        </p:txBody>
-      </p:sp>
-      <p:sp>
-        <p:nvSpPr>
-          <p:cNvPr id="5" name="Content Placeholder 3">
-            <a:extLst>
-              <a:ext uri="{FF2B5EF4-FFF2-40B4-BE49-F238E27FC236}">
-                <a16:creationId xmlns:a16="http://schemas.microsoft.com/office/drawing/2014/main" id="{46EDD9D9-1338-4BC5-9D28-964A84C143C2}"/>
-              </a:ext>
-            </a:extLst>
-          </p:cNvPr>
-          <p:cNvSpPr>
-            <a:spLocks noGrp="1"/>
-          </p:cNvSpPr>
-          <p:nvPr>
-            <p:ph idx="1"/>
-          </p:nvPr>
-        </p:nvSpPr>
-        <p:spPr>
-          <a:xfrm>
-            <a:off x="838200" y="1825624"/>
-            <a:ext cx="10242755" cy="4342094"/>
-          </a:xfrm>
-        </p:spPr>
-        <p:txBody>
-          <a:bodyPr>
-            <a:noAutofit/>
-          </a:bodyPr>
-          <a:lstStyle/>
-          <a:p>
-            <a:pPr>
-              <a:buClr>
-                <a:schemeClr val="tx1"/>
-              </a:buClr>
-            </a:pPr>
-            <a:r>
-              <a:rPr lang="en-US" sz="3200" dirty="0"/>
-              <a:t>What if we want to output the “best” answer, but noise can significantly destroy the answer?</a:t>
-            </a:r>
-          </a:p>
-          <a:p>
-            <a:pPr marL="0" indent="0">
-              <a:buClr>
-                <a:schemeClr val="tx1"/>
-              </a:buClr>
-              <a:buNone/>
-            </a:pPr>
-            <a:endParaRPr lang="en-US" sz="3200" dirty="0"/>
-          </a:p>
-          <a:p>
-            <a:pPr>
-              <a:buClr>
-                <a:schemeClr val="tx1"/>
-              </a:buClr>
-            </a:pPr>
-            <a:r>
-              <a:rPr lang="en-US" sz="3200" dirty="0">
-                <a:solidFill>
-                  <a:srgbClr val="00B050"/>
-                </a:solidFill>
-              </a:rPr>
-              <a:t>Example</a:t>
-            </a:r>
-            <a:r>
-              <a:rPr lang="en-US" sz="3200" dirty="0"/>
-              <a:t>: Suppose we have a large number of apples, and A, B, C each bid $1.00 and D bids $4.01. What is the optimal price? </a:t>
-            </a:r>
-          </a:p>
-          <a:p>
-            <a:pPr>
-              <a:buClr>
-                <a:schemeClr val="tx1"/>
-              </a:buClr>
-            </a:pPr>
-            <a:r>
-              <a:rPr lang="en-US" sz="3200" dirty="0"/>
-              <a:t>At $4.01 the revenue, the revenue is $4.01, at $4.00 and at $1.00 the revenue is $4.00, but at $3.02 the revenue is zero!</a:t>
-            </a:r>
-          </a:p>
-        </p:txBody>
-      </p:sp>
-    </p:spTree>
-    <p:extLst>
-      <p:ext uri="{BB962C8B-B14F-4D97-AF65-F5344CB8AC3E}">
-        <p14:creationId xmlns:p14="http://schemas.microsoft.com/office/powerpoint/2010/main" val="3798815518"/>
-      </p:ext>
-    </p:extLst>
-  </p:cSld>
-  <p:clrMapOvr>
-    <a:masterClrMapping/>
-  </p:clrMapOvr>
-</p:sld>
-</file>
-
-<file path=ppt/slides/slide33.xml><?xml version="1.0" encoding="utf-8"?>
-<p:sld xmlns:a="http://schemas.openxmlformats.org/drawingml/2006/main" xmlns:r="http://schemas.openxmlformats.org/officeDocument/2006/relationships" xmlns:p="http://schemas.openxmlformats.org/presentationml/2006/main">
-  <p:cSld>
-    <p:spTree>
-      <p:nvGrpSpPr>
-        <p:cNvPr id="1" name=""/>
-        <p:cNvGrpSpPr/>
-        <p:nvPr/>
-      </p:nvGrpSpPr>
-      <p:grpSpPr>
-        <a:xfrm>
-          <a:off x="0" y="0"/>
-          <a:ext cx="0" cy="0"/>
-          <a:chOff x="0" y="0"/>
-          <a:chExt cx="0" cy="0"/>
-        </a:xfrm>
-      </p:grpSpPr>
-      <p:sp>
-        <p:nvSpPr>
-          <p:cNvPr id="2" name="Title 1">
-            <a:extLst>
-              <a:ext uri="{FF2B5EF4-FFF2-40B4-BE49-F238E27FC236}">
-                <a16:creationId xmlns:a16="http://schemas.microsoft.com/office/drawing/2014/main" id="{B17419AC-DCE6-4371-8DE2-D617E99D653D}"/>
-              </a:ext>
-            </a:extLst>
-          </p:cNvPr>
-          <p:cNvSpPr>
-            <a:spLocks noGrp="1"/>
-          </p:cNvSpPr>
-          <p:nvPr>
-            <p:ph type="title"/>
-          </p:nvPr>
-        </p:nvSpPr>
-        <p:spPr/>
-        <p:txBody>
-          <a:bodyPr/>
-          <a:lstStyle/>
-          <a:p>
-            <a:r>
-              <a:rPr lang="en-US" dirty="0">
-                <a:solidFill>
-                  <a:srgbClr val="C00000"/>
-                </a:solidFill>
-              </a:rPr>
-              <a:t>Beyond Laplace Mechanism</a:t>
-            </a:r>
-          </a:p>
-        </p:txBody>
-      </p:sp>
-      <p:sp>
-        <p:nvSpPr>
-          <p:cNvPr id="5" name="Content Placeholder 3">
-            <a:extLst>
-              <a:ext uri="{FF2B5EF4-FFF2-40B4-BE49-F238E27FC236}">
-                <a16:creationId xmlns:a16="http://schemas.microsoft.com/office/drawing/2014/main" id="{46EDD9D9-1338-4BC5-9D28-964A84C143C2}"/>
-              </a:ext>
-            </a:extLst>
-          </p:cNvPr>
-          <p:cNvSpPr>
-            <a:spLocks noGrp="1"/>
-          </p:cNvSpPr>
-          <p:nvPr>
-            <p:ph idx="1"/>
-          </p:nvPr>
-        </p:nvSpPr>
-        <p:spPr>
-          <a:xfrm>
-            <a:off x="838200" y="1825624"/>
-            <a:ext cx="10242755" cy="4342094"/>
-          </a:xfrm>
-        </p:spPr>
-        <p:txBody>
-          <a:bodyPr>
-            <a:noAutofit/>
-          </a:bodyPr>
-          <a:lstStyle/>
-          <a:p>
-            <a:pPr>
-              <a:buClr>
-                <a:schemeClr val="tx1"/>
-              </a:buClr>
-            </a:pPr>
-            <a:r>
-              <a:rPr lang="en-US" sz="3200" dirty="0">
-                <a:solidFill>
-                  <a:srgbClr val="00B050"/>
-                </a:solidFill>
-              </a:rPr>
-              <a:t>Example</a:t>
-            </a:r>
-            <a:r>
-              <a:rPr lang="en-US" sz="3200" dirty="0"/>
-              <a:t>: Suppose a study is conducted that finds the current location of individuals, in the two-dimensional plane</a:t>
-            </a:r>
-          </a:p>
-          <a:p>
-            <a:pPr>
-              <a:buClr>
-                <a:schemeClr val="tx1"/>
-              </a:buClr>
-            </a:pPr>
-            <a:endParaRPr lang="en-US" sz="3200" dirty="0"/>
-          </a:p>
-          <a:p>
-            <a:pPr>
-              <a:buClr>
-                <a:schemeClr val="tx1"/>
-              </a:buClr>
-            </a:pPr>
-            <a:endParaRPr lang="en-US" sz="3200" dirty="0"/>
-          </a:p>
-          <a:p>
-            <a:pPr>
-              <a:buClr>
-                <a:schemeClr val="tx1"/>
-              </a:buClr>
-            </a:pPr>
-            <a:r>
-              <a:rPr lang="en-US" sz="3200" dirty="0"/>
-              <a:t>Who is the closest individual to a query location?</a:t>
-            </a:r>
-          </a:p>
-        </p:txBody>
-      </p:sp>
-    </p:spTree>
-    <p:extLst>
-      <p:ext uri="{BB962C8B-B14F-4D97-AF65-F5344CB8AC3E}">
-        <p14:creationId xmlns:p14="http://schemas.microsoft.com/office/powerpoint/2010/main" val="905233082"/>
-      </p:ext>
-    </p:extLst>
-  </p:cSld>
-  <p:clrMapOvr>
-    <a:masterClrMapping/>
-  </p:clrMapOvr>
-</p:sld>
-</file>
-
-<file path=ppt/slides/slide34.xml><?xml version="1.0" encoding="utf-8"?>
-<p:sld xmlns:a="http://schemas.openxmlformats.org/drawingml/2006/main" xmlns:r="http://schemas.openxmlformats.org/officeDocument/2006/relationships" xmlns:p="http://schemas.openxmlformats.org/presentationml/2006/main">
-  <p:cSld>
-    <p:spTree>
-      <p:nvGrpSpPr>
-        <p:cNvPr id="1" name=""/>
-        <p:cNvGrpSpPr/>
-        <p:nvPr/>
-      </p:nvGrpSpPr>
-      <p:grpSpPr>
-        <a:xfrm>
-          <a:off x="0" y="0"/>
-          <a:ext cx="0" cy="0"/>
-          <a:chOff x="0" y="0"/>
-          <a:chExt cx="0" cy="0"/>
-        </a:xfrm>
-      </p:grpSpPr>
-      <p:sp>
-        <p:nvSpPr>
-          <p:cNvPr id="2" name="Title 1">
-            <a:extLst>
-              <a:ext uri="{FF2B5EF4-FFF2-40B4-BE49-F238E27FC236}">
-                <a16:creationId xmlns:a16="http://schemas.microsoft.com/office/drawing/2014/main" id="{B17419AC-DCE6-4371-8DE2-D617E99D653D}"/>
-              </a:ext>
-            </a:extLst>
-          </p:cNvPr>
-          <p:cNvSpPr>
-            <a:spLocks noGrp="1"/>
-          </p:cNvSpPr>
-          <p:nvPr>
-            <p:ph type="title"/>
-          </p:nvPr>
-        </p:nvSpPr>
-        <p:spPr/>
-        <p:txBody>
-          <a:bodyPr/>
-          <a:lstStyle/>
-          <a:p>
-            <a:r>
-              <a:rPr lang="en-US" dirty="0">
-                <a:solidFill>
-                  <a:srgbClr val="C00000"/>
-                </a:solidFill>
-              </a:rPr>
-              <a:t>Exponential Mechanism</a:t>
-            </a:r>
-          </a:p>
-        </p:txBody>
-      </p:sp>
-      <mc:AlternateContent xmlns:mc="http://schemas.openxmlformats.org/markup-compatibility/2006" xmlns:a14="http://schemas.microsoft.com/office/drawing/2010/main">
-        <mc:Choice Requires="a14">
-          <p:sp>
-            <p:nvSpPr>
-              <p:cNvPr id="5" name="Content Placeholder 3">
-                <a:extLst>
-                  <a:ext uri="{FF2B5EF4-FFF2-40B4-BE49-F238E27FC236}">
-                    <a16:creationId xmlns:a16="http://schemas.microsoft.com/office/drawing/2014/main" id="{46EDD9D9-1338-4BC5-9D28-964A84C143C2}"/>
-                  </a:ext>
-                </a:extLst>
-              </p:cNvPr>
-              <p:cNvSpPr>
-                <a:spLocks noGrp="1"/>
-              </p:cNvSpPr>
-              <p:nvPr>
-                <p:ph idx="1"/>
-              </p:nvPr>
-            </p:nvSpPr>
-            <p:spPr>
-              <a:xfrm>
-                <a:off x="838200" y="1825624"/>
-                <a:ext cx="10242755" cy="4342094"/>
-              </a:xfrm>
-            </p:spPr>
-            <p:txBody>
-              <a:bodyPr>
-                <a:noAutofit/>
-              </a:bodyPr>
-              <a:lstStyle/>
-              <a:p>
-                <a:pPr>
-                  <a:buClr>
-                    <a:schemeClr val="tx1"/>
-                  </a:buClr>
-                </a:pPr>
-                <a:r>
-                  <a:rPr lang="en-US" sz="3200" dirty="0"/>
-                  <a:t>Choose a score function </a:t>
-                </a:r>
-                <a14:m>
-                  <m:oMath xmlns:m="http://schemas.openxmlformats.org/officeDocument/2006/math">
-                    <m:r>
-                      <a:rPr lang="en-US" sz="3200" b="0" i="1" smtClean="0">
-                        <a:solidFill>
-                          <a:srgbClr val="C00000"/>
-                        </a:solidFill>
-                        <a:latin typeface="Cambria Math" panose="02040503050406030204" pitchFamily="18" charset="0"/>
-                      </a:rPr>
-                      <m:t>𝑆</m:t>
-                    </m:r>
-                    <m:r>
-                      <a:rPr lang="en-US" sz="3200" b="0" i="0" smtClean="0">
-                        <a:solidFill>
-                          <a:srgbClr val="C00000"/>
-                        </a:solidFill>
-                        <a:latin typeface="Cambria Math" panose="02040503050406030204" pitchFamily="18" charset="0"/>
-                      </a:rPr>
-                      <m:t>:</m:t>
-                    </m:r>
-                    <m:r>
-                      <a:rPr lang="en-US" sz="3200" b="0" i="1" smtClean="0">
-                        <a:solidFill>
-                          <a:srgbClr val="C00000"/>
-                        </a:solidFill>
-                        <a:latin typeface="Cambria Math" panose="02040503050406030204" pitchFamily="18" charset="0"/>
-                      </a:rPr>
-                      <m:t>(</m:t>
-                    </m:r>
-                    <m:r>
-                      <a:rPr lang="en-US" sz="3200" b="0" i="1" smtClean="0">
-                        <a:solidFill>
-                          <a:srgbClr val="C00000"/>
-                        </a:solidFill>
-                        <a:latin typeface="Cambria Math" panose="02040503050406030204" pitchFamily="18" charset="0"/>
-                      </a:rPr>
-                      <m:t>𝑌</m:t>
-                    </m:r>
-                    <m:r>
-                      <a:rPr lang="en-US" sz="3200" b="0" i="1" smtClean="0">
-                        <a:solidFill>
-                          <a:srgbClr val="C00000"/>
-                        </a:solidFill>
-                        <a:latin typeface="Cambria Math" panose="02040503050406030204" pitchFamily="18" charset="0"/>
-                      </a:rPr>
-                      <m:t>,</m:t>
-                    </m:r>
-                    <m:sSup>
-                      <m:sSupPr>
-                        <m:ctrlPr>
-                          <a:rPr lang="en-US" sz="3200" b="0" i="1" smtClean="0">
-                            <a:solidFill>
-                              <a:srgbClr val="C00000"/>
-                            </a:solidFill>
-                            <a:latin typeface="Cambria Math" panose="02040503050406030204" pitchFamily="18" charset="0"/>
-                          </a:rPr>
-                        </m:ctrlPr>
-                      </m:sSupPr>
-                      <m:e>
-                        <m:r>
-                          <a:rPr lang="en-US" sz="3200" b="0" i="1" smtClean="0">
-                            <a:solidFill>
-                              <a:srgbClr val="C00000"/>
-                            </a:solidFill>
-                            <a:latin typeface="Cambria Math" panose="02040503050406030204" pitchFamily="18" charset="0"/>
-                          </a:rPr>
-                          <m:t>𝑋</m:t>
-                        </m:r>
-                      </m:e>
-                      <m:sup>
-                        <m:r>
-                          <a:rPr lang="en-US" sz="3200" b="0" i="1" smtClean="0">
-                            <a:solidFill>
-                              <a:srgbClr val="C00000"/>
-                            </a:solidFill>
-                            <a:latin typeface="Cambria Math" panose="02040503050406030204" pitchFamily="18" charset="0"/>
-                          </a:rPr>
-                          <m:t>𝑛</m:t>
-                        </m:r>
-                      </m:sup>
-                    </m:sSup>
-                    <m:r>
-                      <a:rPr lang="en-US" sz="3200" b="0" i="1" smtClean="0">
-                        <a:solidFill>
-                          <a:srgbClr val="C00000"/>
-                        </a:solidFill>
-                        <a:latin typeface="Cambria Math" panose="02040503050406030204" pitchFamily="18" charset="0"/>
-                      </a:rPr>
-                      <m:t>)→</m:t>
-                    </m:r>
-                    <m:r>
-                      <a:rPr lang="en-US" sz="3200" b="0" i="1" smtClean="0">
-                        <a:solidFill>
-                          <a:srgbClr val="C00000"/>
-                        </a:solidFill>
-                        <a:latin typeface="Cambria Math" panose="02040503050406030204" pitchFamily="18" charset="0"/>
-                      </a:rPr>
-                      <m:t>ℝ</m:t>
-                    </m:r>
-                  </m:oMath>
-                </a14:m>
-                <a:r>
-                  <a:rPr lang="en-US" sz="3200" i="1" dirty="0"/>
-                  <a:t> </a:t>
-                </a:r>
-                <a:r>
-                  <a:rPr lang="en-US" sz="3200" dirty="0"/>
-                  <a:t>and global sensitivity </a:t>
-                </a:r>
-                <a14:m>
-                  <m:oMath xmlns:m="http://schemas.openxmlformats.org/officeDocument/2006/math">
-                    <m:r>
-                      <a:rPr lang="en-US" sz="3200" b="0" i="1" smtClean="0">
-                        <a:solidFill>
-                          <a:srgbClr val="C00000"/>
-                        </a:solidFill>
-                        <a:latin typeface="Cambria Math" panose="02040503050406030204" pitchFamily="18" charset="0"/>
-                      </a:rPr>
-                      <m:t>𝜎</m:t>
-                    </m:r>
-                  </m:oMath>
-                </a14:m>
-                <a:endParaRPr lang="en-US" sz="3200" i="1" dirty="0"/>
-              </a:p>
-              <a:p>
-                <a:pPr>
-                  <a:buClr>
-                    <a:schemeClr val="tx1"/>
-                  </a:buClr>
-                </a:pPr>
-                <a:endParaRPr lang="en-US" sz="3200" dirty="0"/>
-              </a:p>
-              <a:p>
-                <a:pPr>
-                  <a:buClr>
-                    <a:schemeClr val="tx1"/>
-                  </a:buClr>
-                </a:pPr>
-                <a:r>
-                  <a:rPr lang="en-US" sz="3200" dirty="0"/>
-                  <a:t>Sample </a:t>
-                </a:r>
-                <a14:m>
-                  <m:oMath xmlns:m="http://schemas.openxmlformats.org/officeDocument/2006/math">
-                    <m:r>
-                      <a:rPr lang="en-US" sz="3200" b="0" i="1" smtClean="0">
-                        <a:solidFill>
-                          <a:srgbClr val="C00000"/>
-                        </a:solidFill>
-                        <a:latin typeface="Cambria Math" panose="02040503050406030204" pitchFamily="18" charset="0"/>
-                      </a:rPr>
-                      <m:t>𝑦</m:t>
-                    </m:r>
-                    <m:r>
-                      <a:rPr lang="en-US" sz="3200" b="0" i="1" smtClean="0">
-                        <a:solidFill>
-                          <a:srgbClr val="C00000"/>
-                        </a:solidFill>
-                        <a:latin typeface="Cambria Math" panose="02040503050406030204" pitchFamily="18" charset="0"/>
-                      </a:rPr>
-                      <m:t>∈</m:t>
-                    </m:r>
-                    <m:r>
-                      <a:rPr lang="en-US" sz="3200" b="0" i="1" smtClean="0">
-                        <a:solidFill>
-                          <a:srgbClr val="C00000"/>
-                        </a:solidFill>
-                        <a:latin typeface="Cambria Math" panose="02040503050406030204" pitchFamily="18" charset="0"/>
-                      </a:rPr>
-                      <m:t>𝑌</m:t>
-                    </m:r>
-                  </m:oMath>
-                </a14:m>
-                <a:r>
-                  <a:rPr lang="en-US" sz="3200" dirty="0"/>
-                  <a:t> with probability proportional to </a:t>
-                </a:r>
-                <a14:m>
-                  <m:oMath xmlns:m="http://schemas.openxmlformats.org/officeDocument/2006/math">
-                    <m:func>
-                      <m:funcPr>
-                        <m:ctrlPr>
-                          <a:rPr lang="en-US" sz="3200" b="0" i="1" smtClean="0">
-                            <a:solidFill>
-                              <a:srgbClr val="C00000"/>
-                            </a:solidFill>
-                            <a:latin typeface="Cambria Math" panose="02040503050406030204" pitchFamily="18" charset="0"/>
-                          </a:rPr>
-                        </m:ctrlPr>
-                      </m:funcPr>
-                      <m:fName>
-                        <m:r>
-                          <m:rPr>
-                            <m:sty m:val="p"/>
-                          </m:rPr>
-                          <a:rPr lang="en-US" sz="3200" b="0" i="0" smtClean="0">
-                            <a:solidFill>
-                              <a:srgbClr val="C00000"/>
-                            </a:solidFill>
-                            <a:latin typeface="Cambria Math" panose="02040503050406030204" pitchFamily="18" charset="0"/>
-                          </a:rPr>
-                          <m:t>exp</m:t>
-                        </m:r>
-                      </m:fName>
-                      <m:e>
-                        <m:d>
-                          <m:dPr>
-                            <m:ctrlPr>
-                              <a:rPr lang="en-US" sz="3200" b="0" i="1" smtClean="0">
-                                <a:solidFill>
-                                  <a:srgbClr val="C00000"/>
-                                </a:solidFill>
-                                <a:latin typeface="Cambria Math" panose="02040503050406030204" pitchFamily="18" charset="0"/>
-                              </a:rPr>
-                            </m:ctrlPr>
-                          </m:dPr>
-                          <m:e>
-                            <m:f>
-                              <m:fPr>
-                                <m:ctrlPr>
-                                  <a:rPr lang="en-US" sz="3200" b="0" i="1" smtClean="0">
-                                    <a:solidFill>
-                                      <a:srgbClr val="C00000"/>
-                                    </a:solidFill>
-                                    <a:latin typeface="Cambria Math" panose="02040503050406030204" pitchFamily="18" charset="0"/>
-                                  </a:rPr>
-                                </m:ctrlPr>
-                              </m:fPr>
-                              <m:num>
-                                <m:r>
-                                  <a:rPr lang="en-US" sz="3200" b="0" i="1" smtClean="0">
-                                    <a:solidFill>
-                                      <a:srgbClr val="C00000"/>
-                                    </a:solidFill>
-                                    <a:latin typeface="Cambria Math" panose="02040503050406030204" pitchFamily="18" charset="0"/>
-                                  </a:rPr>
-                                  <m:t>𝜀</m:t>
-                                </m:r>
-                              </m:num>
-                              <m:den>
-                                <m:r>
-                                  <a:rPr lang="en-US" sz="3200" b="0" i="1" smtClean="0">
-                                    <a:solidFill>
-                                      <a:srgbClr val="C00000"/>
-                                    </a:solidFill>
-                                    <a:latin typeface="Cambria Math" panose="02040503050406030204" pitchFamily="18" charset="0"/>
-                                  </a:rPr>
-                                  <m:t>2</m:t>
-                                </m:r>
-                                <m:r>
-                                  <a:rPr lang="en-US" sz="3200" b="0" i="1" smtClean="0">
-                                    <a:solidFill>
-                                      <a:srgbClr val="C00000"/>
-                                    </a:solidFill>
-                                    <a:latin typeface="Cambria Math" panose="02040503050406030204" pitchFamily="18" charset="0"/>
-                                  </a:rPr>
-                                  <m:t>𝜎</m:t>
-                                </m:r>
-                              </m:den>
-                            </m:f>
-                            <m:r>
-                              <a:rPr lang="en-US" sz="3200" b="0" i="1" smtClean="0">
-                                <a:solidFill>
-                                  <a:srgbClr val="C00000"/>
-                                </a:solidFill>
-                                <a:latin typeface="Cambria Math" panose="02040503050406030204" pitchFamily="18" charset="0"/>
-                              </a:rPr>
-                              <m:t>𝑆</m:t>
-                            </m:r>
-                            <m:r>
-                              <a:rPr lang="en-US" sz="3200" b="0" i="1" smtClean="0">
-                                <a:solidFill>
-                                  <a:srgbClr val="C00000"/>
-                                </a:solidFill>
-                                <a:latin typeface="Cambria Math" panose="02040503050406030204" pitchFamily="18" charset="0"/>
-                              </a:rPr>
-                              <m:t>(</m:t>
-                            </m:r>
-                            <m:r>
-                              <a:rPr lang="en-US" sz="3200" b="0" i="1" smtClean="0">
-                                <a:solidFill>
-                                  <a:srgbClr val="C00000"/>
-                                </a:solidFill>
-                                <a:latin typeface="Cambria Math" panose="02040503050406030204" pitchFamily="18" charset="0"/>
-                              </a:rPr>
-                              <m:t>𝑦</m:t>
-                            </m:r>
-                            <m:r>
-                              <a:rPr lang="en-US" sz="3200" b="0" i="1" smtClean="0">
-                                <a:solidFill>
-                                  <a:srgbClr val="C00000"/>
-                                </a:solidFill>
-                                <a:latin typeface="Cambria Math" panose="02040503050406030204" pitchFamily="18" charset="0"/>
-                              </a:rPr>
-                              <m:t>,</m:t>
-                            </m:r>
-                            <m:r>
-                              <a:rPr lang="en-US" sz="3200" b="0" i="1" smtClean="0">
-                                <a:solidFill>
-                                  <a:srgbClr val="C00000"/>
-                                </a:solidFill>
-                                <a:latin typeface="Cambria Math" panose="02040503050406030204" pitchFamily="18" charset="0"/>
-                              </a:rPr>
-                              <m:t>𝑥</m:t>
-                            </m:r>
-                            <m:r>
-                              <a:rPr lang="en-US" sz="3200" b="0" i="1" smtClean="0">
-                                <a:solidFill>
-                                  <a:srgbClr val="C00000"/>
-                                </a:solidFill>
-                                <a:latin typeface="Cambria Math" panose="02040503050406030204" pitchFamily="18" charset="0"/>
-                              </a:rPr>
-                              <m:t>)</m:t>
-                            </m:r>
-                          </m:e>
-                        </m:d>
-                      </m:e>
-                    </m:func>
-                  </m:oMath>
-                </a14:m>
-                <a:endParaRPr lang="en-US" sz="3200" dirty="0"/>
-              </a:p>
-            </p:txBody>
-          </p:sp>
-        </mc:Choice>
-        <mc:Fallback xmlns="">
-          <p:sp>
-            <p:nvSpPr>
-              <p:cNvPr id="5" name="Content Placeholder 3">
-                <a:extLst>
-                  <a:ext uri="{FF2B5EF4-FFF2-40B4-BE49-F238E27FC236}">
-                    <a16:creationId xmlns:a16="http://schemas.microsoft.com/office/drawing/2014/main" id="{46EDD9D9-1338-4BC5-9D28-964A84C143C2}"/>
-                  </a:ext>
-                </a:extLst>
-              </p:cNvPr>
-              <p:cNvSpPr>
-                <a:spLocks noGrp="1" noRot="1" noChangeAspect="1" noMove="1" noResize="1" noEditPoints="1" noAdjustHandles="1" noChangeArrowheads="1" noChangeShapeType="1" noTextEdit="1"/>
-              </p:cNvSpPr>
-              <p:nvPr>
-                <p:ph idx="1"/>
-              </p:nvPr>
-            </p:nvSpPr>
-            <p:spPr>
-              <a:xfrm>
-                <a:off x="838200" y="1825624"/>
-                <a:ext cx="10242755" cy="4342094"/>
-              </a:xfrm>
-              <a:blipFill>
-                <a:blip r:embed="rId3"/>
-                <a:stretch>
-                  <a:fillRect l="-1369" t="-2805"/>
-                </a:stretch>
-              </a:blipFill>
-            </p:spPr>
-            <p:txBody>
-              <a:bodyPr/>
-              <a:lstStyle/>
-              <a:p>
-                <a:r>
-                  <a:rPr lang="en-US">
-                    <a:noFill/>
-                  </a:rPr>
-                  <a:t> </a:t>
-                </a:r>
-              </a:p>
-            </p:txBody>
-          </p:sp>
-        </mc:Fallback>
-      </mc:AlternateContent>
-    </p:spTree>
-    <p:extLst>
-      <p:ext uri="{BB962C8B-B14F-4D97-AF65-F5344CB8AC3E}">
-        <p14:creationId xmlns:p14="http://schemas.microsoft.com/office/powerpoint/2010/main" val="2533236505"/>
-      </p:ext>
-    </p:extLst>
-  </p:cSld>
-  <p:clrMapOvr>
-    <a:masterClrMapping/>
-  </p:clrMapOvr>
-</p:sld>
-</file>
-
-<file path=ppt/slides/slide35.xml><?xml version="1.0" encoding="utf-8"?>
-<p:sld xmlns:a="http://schemas.openxmlformats.org/drawingml/2006/main" xmlns:r="http://schemas.openxmlformats.org/officeDocument/2006/relationships" xmlns:p="http://schemas.openxmlformats.org/presentationml/2006/main">
-  <p:cSld>
-    <p:spTree>
-      <p:nvGrpSpPr>
-        <p:cNvPr id="1" name=""/>
-        <p:cNvGrpSpPr/>
-        <p:nvPr/>
-      </p:nvGrpSpPr>
-      <p:grpSpPr>
-        <a:xfrm>
-          <a:off x="0" y="0"/>
-          <a:ext cx="0" cy="0"/>
-          <a:chOff x="0" y="0"/>
-          <a:chExt cx="0" cy="0"/>
-        </a:xfrm>
-      </p:grpSpPr>
-      <p:sp>
-        <p:nvSpPr>
-          <p:cNvPr id="2" name="Title 1">
-            <a:extLst>
-              <a:ext uri="{FF2B5EF4-FFF2-40B4-BE49-F238E27FC236}">
-                <a16:creationId xmlns:a16="http://schemas.microsoft.com/office/drawing/2014/main" id="{B17419AC-DCE6-4371-8DE2-D617E99D653D}"/>
-              </a:ext>
-            </a:extLst>
-          </p:cNvPr>
-          <p:cNvSpPr>
-            <a:spLocks noGrp="1"/>
-          </p:cNvSpPr>
-          <p:nvPr>
-            <p:ph type="title"/>
-          </p:nvPr>
-        </p:nvSpPr>
-        <p:spPr/>
-        <p:txBody>
-          <a:bodyPr/>
-          <a:lstStyle/>
-          <a:p>
-            <a:r>
-              <a:rPr lang="en-US" dirty="0">
-                <a:solidFill>
-                  <a:srgbClr val="C00000"/>
-                </a:solidFill>
-              </a:rPr>
-              <a:t>Exponential Mechanism</a:t>
-            </a:r>
-          </a:p>
-        </p:txBody>
-      </p:sp>
-      <mc:AlternateContent xmlns:mc="http://schemas.openxmlformats.org/markup-compatibility/2006">
-        <mc:Choice xmlns:a14="http://schemas.microsoft.com/office/drawing/2010/main" Requires="a14">
-          <p:sp>
-            <p:nvSpPr>
-              <p:cNvPr id="5" name="Content Placeholder 3">
-                <a:extLst>
-                  <a:ext uri="{FF2B5EF4-FFF2-40B4-BE49-F238E27FC236}">
-                    <a16:creationId xmlns:a16="http://schemas.microsoft.com/office/drawing/2014/main" id="{46EDD9D9-1338-4BC5-9D28-964A84C143C2}"/>
-                  </a:ext>
-                </a:extLst>
-              </p:cNvPr>
-              <p:cNvSpPr>
-                <a:spLocks noGrp="1"/>
-              </p:cNvSpPr>
-              <p:nvPr>
-                <p:ph idx="1"/>
-              </p:nvPr>
-            </p:nvSpPr>
-            <p:spPr>
-              <a:xfrm>
-                <a:off x="838200" y="1825624"/>
-                <a:ext cx="10242755" cy="4342094"/>
-              </a:xfrm>
-            </p:spPr>
-            <p:txBody>
-              <a:bodyPr>
-                <a:noAutofit/>
-              </a:bodyPr>
-              <a:lstStyle/>
-              <a:p>
-                <a:pPr>
-                  <a:buClr>
-                    <a:schemeClr val="tx1"/>
-                  </a:buClr>
-                </a:pPr>
-                <a:r>
-                  <a:rPr lang="en-US" sz="3200" dirty="0">
-                    <a:solidFill>
-                      <a:srgbClr val="00B050"/>
-                    </a:solidFill>
-                  </a:rPr>
-                  <a:t>Theorem</a:t>
-                </a:r>
-                <a:r>
-                  <a:rPr lang="en-US" sz="3200" dirty="0"/>
-                  <a:t>: Exponential mechanism is </a:t>
-                </a:r>
-                <a14:m>
-                  <m:oMath xmlns:m="http://schemas.openxmlformats.org/officeDocument/2006/math">
-                    <m:r>
-                      <a:rPr lang="en-US" sz="3200" b="0" i="1" smtClean="0">
-                        <a:solidFill>
-                          <a:srgbClr val="C00000"/>
-                        </a:solidFill>
-                        <a:latin typeface="Cambria Math" panose="02040503050406030204" pitchFamily="18" charset="0"/>
-                      </a:rPr>
-                      <m:t>𝜀</m:t>
-                    </m:r>
-                  </m:oMath>
-                </a14:m>
-                <a:r>
-                  <a:rPr lang="en-US" sz="3200" dirty="0"/>
-                  <a:t>-differentially private (pure DP)</a:t>
-                </a:r>
-              </a:p>
-              <a:p>
-                <a:pPr>
-                  <a:buClr>
-                    <a:schemeClr val="tx1"/>
-                  </a:buClr>
-                </a:pPr>
-                <a:r>
-                  <a:rPr lang="en-US" sz="3200" dirty="0"/>
-                  <a:t>Suppose the “answer” for dataset </a:t>
-                </a:r>
-                <a14:m>
-                  <m:oMath xmlns:m="http://schemas.openxmlformats.org/officeDocument/2006/math">
-                    <m:r>
-                      <a:rPr lang="en-US" sz="3200" i="1" smtClean="0">
-                        <a:solidFill>
-                          <a:srgbClr val="C00000"/>
-                        </a:solidFill>
-                        <a:latin typeface="Cambria Math" panose="02040503050406030204" pitchFamily="18" charset="0"/>
-                      </a:rPr>
-                      <m:t>𝐷</m:t>
-                    </m:r>
-                  </m:oMath>
-                </a14:m>
-                <a:r>
-                  <a:rPr lang="en-US" sz="3200" dirty="0">
-                    <a:solidFill>
-                      <a:srgbClr val="C00000"/>
-                    </a:solidFill>
-                    <a:latin typeface="Cambria Math" panose="02040503050406030204" pitchFamily="18" charset="0"/>
-                  </a:rPr>
-                  <a:t> </a:t>
-                </a:r>
-                <a:r>
-                  <a:rPr lang="en-US" sz="3200" dirty="0"/>
-                  <a:t>is </a:t>
-                </a:r>
-                <a14:m>
-                  <m:oMath xmlns:m="http://schemas.openxmlformats.org/officeDocument/2006/math">
-                    <m:r>
-                      <a:rPr lang="en-US" sz="3200" b="0" i="1" smtClean="0">
-                        <a:solidFill>
-                          <a:srgbClr val="C00000"/>
-                        </a:solidFill>
-                        <a:latin typeface="Cambria Math" panose="02040503050406030204" pitchFamily="18" charset="0"/>
-                      </a:rPr>
-                      <m:t>𝑧</m:t>
-                    </m:r>
-                  </m:oMath>
-                </a14:m>
-                <a:r>
-                  <a:rPr lang="en-US" sz="3200" dirty="0"/>
-                  <a:t> and the “answer” for dataset </a:t>
-                </a:r>
-                <a14:m>
-                  <m:oMath xmlns:m="http://schemas.openxmlformats.org/officeDocument/2006/math">
-                    <m:r>
-                      <a:rPr lang="en-US" sz="3200" i="1">
-                        <a:solidFill>
-                          <a:srgbClr val="C00000"/>
-                        </a:solidFill>
-                        <a:latin typeface="Cambria Math" panose="02040503050406030204" pitchFamily="18" charset="0"/>
-                      </a:rPr>
-                      <m:t>𝐷</m:t>
-                    </m:r>
-                  </m:oMath>
-                </a14:m>
-                <a:r>
-                  <a:rPr lang="en-US" sz="3200" dirty="0">
-                    <a:solidFill>
-                      <a:srgbClr val="C00000"/>
-                    </a:solidFill>
-                    <a:latin typeface="Cambria Math" panose="02040503050406030204" pitchFamily="18" charset="0"/>
-                  </a:rPr>
-                  <a:t> </a:t>
-                </a:r>
-                <a:r>
-                  <a:rPr lang="en-US" sz="3200" dirty="0"/>
-                  <a:t>is </a:t>
-                </a:r>
-                <a14:m>
-                  <m:oMath xmlns:m="http://schemas.openxmlformats.org/officeDocument/2006/math">
-                    <m:r>
-                      <a:rPr lang="en-US" sz="3200" i="1">
-                        <a:solidFill>
-                          <a:srgbClr val="C00000"/>
-                        </a:solidFill>
-                        <a:latin typeface="Cambria Math" panose="02040503050406030204" pitchFamily="18" charset="0"/>
-                      </a:rPr>
-                      <m:t>𝑧</m:t>
-                    </m:r>
-                    <m:r>
-                      <a:rPr lang="en-US" sz="3200" b="0" i="1" smtClean="0">
-                        <a:solidFill>
-                          <a:srgbClr val="C00000"/>
-                        </a:solidFill>
-                        <a:latin typeface="Cambria Math" panose="02040503050406030204" pitchFamily="18" charset="0"/>
-                      </a:rPr>
-                      <m:t>′</m:t>
-                    </m:r>
-                  </m:oMath>
-                </a14:m>
-                <a:endParaRPr lang="en-US" sz="3200" i="1" dirty="0">
-                  <a:solidFill>
-                    <a:srgbClr val="C00000"/>
-                  </a:solidFill>
-                  <a:latin typeface="Cambria Math" panose="02040503050406030204" pitchFamily="18" charset="0"/>
-                </a:endParaRPr>
-              </a:p>
-              <a:p>
-                <a:pPr>
-                  <a:buClr>
-                    <a:schemeClr val="tx1"/>
-                  </a:buClr>
-                </a:pPr>
-                <a:endParaRPr lang="en-US" sz="3200" dirty="0"/>
-              </a:p>
-              <a:p>
-                <a:pPr>
-                  <a:buClr>
-                    <a:schemeClr val="tx1"/>
-                  </a:buClr>
-                </a:pPr>
-                <a:r>
-                  <a:rPr lang="en-US" sz="3200" dirty="0"/>
-                  <a:t>Let </a:t>
-                </a:r>
-                <a14:m>
-                  <m:oMath xmlns:m="http://schemas.openxmlformats.org/officeDocument/2006/math">
-                    <m:r>
-                      <a:rPr lang="en-US" sz="3200" b="0" i="1" smtClean="0">
-                        <a:solidFill>
-                          <a:srgbClr val="C00000"/>
-                        </a:solidFill>
-                        <a:latin typeface="Cambria Math" panose="02040503050406030204" pitchFamily="18" charset="0"/>
-                      </a:rPr>
-                      <m:t>𝑦</m:t>
-                    </m:r>
-                  </m:oMath>
-                </a14:m>
-                <a:r>
-                  <a:rPr lang="en-US" sz="3200" dirty="0"/>
-                  <a:t> be the output of the exponential mechanism for </a:t>
-                </a:r>
-                <a14:m>
-                  <m:oMath xmlns:m="http://schemas.openxmlformats.org/officeDocument/2006/math">
-                    <m:r>
-                      <a:rPr lang="en-US" sz="3200" b="0" i="1" smtClean="0">
-                        <a:solidFill>
-                          <a:srgbClr val="C00000"/>
-                        </a:solidFill>
-                        <a:latin typeface="Cambria Math" panose="02040503050406030204" pitchFamily="18" charset="0"/>
-                      </a:rPr>
-                      <m:t>𝐷</m:t>
-                    </m:r>
-                  </m:oMath>
-                </a14:m>
-                <a:r>
-                  <a:rPr lang="en-US" sz="3200" dirty="0"/>
-                  <a:t> and let </a:t>
-                </a:r>
-                <a14:m>
-                  <m:oMath xmlns:m="http://schemas.openxmlformats.org/officeDocument/2006/math">
-                    <m:r>
-                      <a:rPr lang="en-US" sz="3200" i="1">
-                        <a:solidFill>
-                          <a:srgbClr val="C00000"/>
-                        </a:solidFill>
-                        <a:latin typeface="Cambria Math" panose="02040503050406030204" pitchFamily="18" charset="0"/>
-                      </a:rPr>
-                      <m:t>𝑦</m:t>
-                    </m:r>
-                    <m:r>
-                      <a:rPr lang="en-US" sz="3200" b="0" i="1" smtClean="0">
-                        <a:solidFill>
-                          <a:srgbClr val="C00000"/>
-                        </a:solidFill>
-                        <a:latin typeface="Cambria Math" panose="02040503050406030204" pitchFamily="18" charset="0"/>
-                      </a:rPr>
-                      <m:t>′</m:t>
-                    </m:r>
-                  </m:oMath>
-                </a14:m>
-                <a:r>
-                  <a:rPr lang="en-US" sz="3200" dirty="0"/>
-                  <a:t> be the output of the exponential mechanism for </a:t>
-                </a:r>
-                <a14:m>
-                  <m:oMath xmlns:m="http://schemas.openxmlformats.org/officeDocument/2006/math">
-                    <m:r>
-                      <a:rPr lang="en-US" sz="3200" i="1">
-                        <a:solidFill>
-                          <a:srgbClr val="C00000"/>
-                        </a:solidFill>
-                        <a:latin typeface="Cambria Math" panose="02040503050406030204" pitchFamily="18" charset="0"/>
-                      </a:rPr>
-                      <m:t>𝐷</m:t>
-                    </m:r>
-                    <m:r>
-                      <a:rPr lang="en-US" sz="3200" b="0" i="0" smtClean="0">
-                        <a:solidFill>
-                          <a:srgbClr val="C00000"/>
-                        </a:solidFill>
-                        <a:latin typeface="Cambria Math" panose="02040503050406030204" pitchFamily="18" charset="0"/>
-                      </a:rPr>
-                      <m:t>′</m:t>
-                    </m:r>
-                  </m:oMath>
-                </a14:m>
-                <a:r>
-                  <a:rPr lang="en-US" sz="3200" dirty="0"/>
-                  <a:t> </a:t>
-                </a:r>
-              </a:p>
-              <a:p>
-                <a:pPr marL="0" indent="0">
-                  <a:buClr>
-                    <a:schemeClr val="tx1"/>
-                  </a:buClr>
-                  <a:buNone/>
-                </a:pPr>
-                <a:endParaRPr lang="en-US" sz="3200" dirty="0"/>
-              </a:p>
-              <a:p>
-                <a:pPr marL="0" indent="0">
-                  <a:buClr>
-                    <a:schemeClr val="tx1"/>
-                  </a:buClr>
-                  <a:buNone/>
-                </a:pPr>
-                <a:endParaRPr lang="en-US" sz="3200" dirty="0"/>
-              </a:p>
-            </p:txBody>
-          </p:sp>
-        </mc:Choice>
-        <mc:Fallback>
-          <p:sp>
-            <p:nvSpPr>
-              <p:cNvPr id="5" name="Content Placeholder 3">
-                <a:extLst>
-                  <a:ext uri="{FF2B5EF4-FFF2-40B4-BE49-F238E27FC236}">
-                    <a16:creationId xmlns:a16="http://schemas.microsoft.com/office/drawing/2014/main" id="{46EDD9D9-1338-4BC5-9D28-964A84C143C2}"/>
-                  </a:ext>
-                </a:extLst>
-              </p:cNvPr>
-              <p:cNvSpPr>
-                <a:spLocks noGrp="1" noRot="1" noChangeAspect="1" noMove="1" noResize="1" noEditPoints="1" noAdjustHandles="1" noChangeArrowheads="1" noChangeShapeType="1" noTextEdit="1"/>
-              </p:cNvSpPr>
-              <p:nvPr>
-                <p:ph idx="1"/>
-              </p:nvPr>
-            </p:nvSpPr>
-            <p:spPr>
-              <a:xfrm>
-                <a:off x="838200" y="1825624"/>
-                <a:ext cx="10242755" cy="4342094"/>
-              </a:xfrm>
-              <a:blipFill>
-                <a:blip r:embed="rId3"/>
-                <a:stretch>
-                  <a:fillRect l="-1369" t="-2805" r="-1429"/>
-                </a:stretch>
-              </a:blipFill>
-            </p:spPr>
-            <p:txBody>
-              <a:bodyPr/>
-              <a:lstStyle/>
-              <a:p>
-                <a:r>
-                  <a:rPr lang="en-US">
-                    <a:noFill/>
-                  </a:rPr>
-                  <a:t> </a:t>
-                </a:r>
-              </a:p>
-            </p:txBody>
-          </p:sp>
-        </mc:Fallback>
-      </mc:AlternateContent>
-    </p:spTree>
-    <p:extLst>
-      <p:ext uri="{BB962C8B-B14F-4D97-AF65-F5344CB8AC3E}">
-        <p14:creationId xmlns:p14="http://schemas.microsoft.com/office/powerpoint/2010/main" val="3831836494"/>
-      </p:ext>
-    </p:extLst>
-  </p:cSld>
-  <p:clrMapOvr>
-    <a:masterClrMapping/>
-  </p:clrMapOvr>
-</p:sld>
-</file>
-
-<file path=ppt/slides/slide36.xml><?xml version="1.0" encoding="utf-8"?>
-<p:sld xmlns:a="http://schemas.openxmlformats.org/drawingml/2006/main" xmlns:r="http://schemas.openxmlformats.org/officeDocument/2006/relationships" xmlns:p="http://schemas.openxmlformats.org/presentationml/2006/main">
-  <p:cSld>
-    <p:spTree>
-      <p:nvGrpSpPr>
-        <p:cNvPr id="1" name=""/>
-        <p:cNvGrpSpPr/>
-        <p:nvPr/>
-      </p:nvGrpSpPr>
-      <p:grpSpPr>
-        <a:xfrm>
-          <a:off x="0" y="0"/>
-          <a:ext cx="0" cy="0"/>
-          <a:chOff x="0" y="0"/>
-          <a:chExt cx="0" cy="0"/>
-        </a:xfrm>
-      </p:grpSpPr>
-      <p:sp>
-        <p:nvSpPr>
-          <p:cNvPr id="2" name="Title 1">
-            <a:extLst>
-              <a:ext uri="{FF2B5EF4-FFF2-40B4-BE49-F238E27FC236}">
-                <a16:creationId xmlns:a16="http://schemas.microsoft.com/office/drawing/2014/main" id="{B17419AC-DCE6-4371-8DE2-D617E99D653D}"/>
-              </a:ext>
-            </a:extLst>
-          </p:cNvPr>
-          <p:cNvSpPr>
-            <a:spLocks noGrp="1"/>
-          </p:cNvSpPr>
-          <p:nvPr>
-            <p:ph type="title"/>
-          </p:nvPr>
-        </p:nvSpPr>
-        <p:spPr/>
-        <p:txBody>
-          <a:bodyPr/>
-          <a:lstStyle/>
-          <a:p>
-            <a:r>
-              <a:rPr lang="en-US" dirty="0">
-                <a:solidFill>
-                  <a:srgbClr val="C00000"/>
-                </a:solidFill>
-              </a:rPr>
-              <a:t>Exponential Mechanism</a:t>
-            </a:r>
-          </a:p>
-        </p:txBody>
-      </p:sp>
-      <mc:AlternateContent xmlns:mc="http://schemas.openxmlformats.org/markup-compatibility/2006">
-        <mc:Choice xmlns:a14="http://schemas.microsoft.com/office/drawing/2010/main" Requires="a14">
-          <p:sp>
-            <p:nvSpPr>
-              <p:cNvPr id="5" name="Content Placeholder 3">
-                <a:extLst>
-                  <a:ext uri="{FF2B5EF4-FFF2-40B4-BE49-F238E27FC236}">
-                    <a16:creationId xmlns:a16="http://schemas.microsoft.com/office/drawing/2014/main" id="{46EDD9D9-1338-4BC5-9D28-964A84C143C2}"/>
-                  </a:ext>
-                </a:extLst>
-              </p:cNvPr>
-              <p:cNvSpPr>
-                <a:spLocks noGrp="1"/>
-              </p:cNvSpPr>
-              <p:nvPr>
-                <p:ph idx="1"/>
-              </p:nvPr>
-            </p:nvSpPr>
-            <p:spPr>
-              <a:xfrm>
-                <a:off x="838200" y="1825624"/>
-                <a:ext cx="10242755" cy="4342094"/>
-              </a:xfrm>
-            </p:spPr>
-            <p:txBody>
-              <a:bodyPr>
-                <a:noAutofit/>
-              </a:bodyPr>
-              <a:lstStyle/>
-              <a:p>
-                <a:pPr>
-                  <a:buClr>
-                    <a:schemeClr val="tx1"/>
-                  </a:buClr>
-                </a:pPr>
-                <a:r>
-                  <a:rPr lang="en-US" sz="3200" dirty="0"/>
-                  <a:t>Want to show that for any fixed </a:t>
-                </a:r>
-                <a14:m>
-                  <m:oMath xmlns:m="http://schemas.openxmlformats.org/officeDocument/2006/math">
-                    <m:r>
-                      <a:rPr lang="en-US" sz="3200" b="0" i="1" smtClean="0">
-                        <a:solidFill>
-                          <a:srgbClr val="C00000"/>
-                        </a:solidFill>
-                        <a:latin typeface="Cambria Math" panose="02040503050406030204" pitchFamily="18" charset="0"/>
-                      </a:rPr>
-                      <m:t>𝑥</m:t>
-                    </m:r>
-                  </m:oMath>
-                </a14:m>
-                <a:r>
-                  <a:rPr lang="en-US" sz="3200" dirty="0"/>
-                  <a:t>, </a:t>
-                </a:r>
-                <a14:m>
-                  <m:oMath xmlns:m="http://schemas.openxmlformats.org/officeDocument/2006/math">
-                    <m:f>
-                      <m:fPr>
-                        <m:ctrlPr>
-                          <a:rPr lang="en-US" sz="3200" b="0" i="1" smtClean="0">
-                            <a:solidFill>
-                              <a:srgbClr val="C00000"/>
-                            </a:solidFill>
-                            <a:latin typeface="Cambria Math" panose="02040503050406030204" pitchFamily="18" charset="0"/>
-                          </a:rPr>
-                        </m:ctrlPr>
-                      </m:fPr>
-                      <m:num>
-                        <m:r>
-                          <m:rPr>
-                            <m:sty m:val="p"/>
-                          </m:rPr>
-                          <a:rPr lang="en-US" sz="3200" smtClean="0">
-                            <a:solidFill>
-                              <a:srgbClr val="C00000"/>
-                            </a:solidFill>
-                            <a:latin typeface="Cambria Math" panose="02040503050406030204" pitchFamily="18" charset="0"/>
-                          </a:rPr>
-                          <m:t>Pr</m:t>
-                        </m:r>
-                        <m:d>
-                          <m:dPr>
-                            <m:begChr m:val="["/>
-                            <m:endChr m:val="]"/>
-                            <m:ctrlPr>
-                              <a:rPr lang="en-US" sz="3200" i="1">
-                                <a:solidFill>
-                                  <a:srgbClr val="C00000"/>
-                                </a:solidFill>
-                                <a:latin typeface="Cambria Math" panose="02040503050406030204" pitchFamily="18" charset="0"/>
-                              </a:rPr>
-                            </m:ctrlPr>
-                          </m:dPr>
-                          <m:e>
-                            <m:r>
-                              <a:rPr lang="en-US" sz="3200" b="0" i="1" smtClean="0">
-                                <a:solidFill>
-                                  <a:srgbClr val="C00000"/>
-                                </a:solidFill>
-                                <a:latin typeface="Cambria Math" panose="02040503050406030204" pitchFamily="18" charset="0"/>
-                              </a:rPr>
-                              <m:t>𝑦</m:t>
-                            </m:r>
-                            <m:r>
-                              <a:rPr lang="en-US" sz="3200" b="0" i="1" smtClean="0">
-                                <a:solidFill>
-                                  <a:srgbClr val="C00000"/>
-                                </a:solidFill>
-                                <a:latin typeface="Cambria Math" panose="02040503050406030204" pitchFamily="18" charset="0"/>
-                              </a:rPr>
-                              <m:t>=</m:t>
-                            </m:r>
-                            <m:r>
-                              <a:rPr lang="en-US" sz="3200" b="0" i="1" smtClean="0">
-                                <a:solidFill>
-                                  <a:srgbClr val="C00000"/>
-                                </a:solidFill>
-                                <a:latin typeface="Cambria Math" panose="02040503050406030204" pitchFamily="18" charset="0"/>
-                              </a:rPr>
-                              <m:t>𝑥</m:t>
-                            </m:r>
-                          </m:e>
-                        </m:d>
-                      </m:num>
-                      <m:den>
-                        <m:r>
-                          <m:rPr>
-                            <m:sty m:val="p"/>
-                          </m:rPr>
-                          <a:rPr lang="en-US" sz="3200">
-                            <a:solidFill>
-                              <a:srgbClr val="C00000"/>
-                            </a:solidFill>
-                            <a:latin typeface="Cambria Math" panose="02040503050406030204" pitchFamily="18" charset="0"/>
-                          </a:rPr>
-                          <m:t>Pr</m:t>
-                        </m:r>
-                        <m:d>
-                          <m:dPr>
-                            <m:begChr m:val="["/>
-                            <m:endChr m:val="]"/>
-                            <m:ctrlPr>
-                              <a:rPr lang="en-US" sz="3200" i="1">
-                                <a:solidFill>
-                                  <a:srgbClr val="C00000"/>
-                                </a:solidFill>
-                                <a:latin typeface="Cambria Math" panose="02040503050406030204" pitchFamily="18" charset="0"/>
-                              </a:rPr>
-                            </m:ctrlPr>
-                          </m:dPr>
-                          <m:e>
-                            <m:sSup>
-                              <m:sSupPr>
-                                <m:ctrlPr>
-                                  <a:rPr lang="en-US" sz="3200" i="1">
-                                    <a:solidFill>
-                                      <a:srgbClr val="C00000"/>
-                                    </a:solidFill>
-                                    <a:latin typeface="Cambria Math" panose="02040503050406030204" pitchFamily="18" charset="0"/>
-                                  </a:rPr>
-                                </m:ctrlPr>
-                              </m:sSupPr>
-                              <m:e>
-                                <m:r>
-                                  <a:rPr lang="en-US" sz="3200" i="1">
-                                    <a:solidFill>
-                                      <a:srgbClr val="C00000"/>
-                                    </a:solidFill>
-                                    <a:latin typeface="Cambria Math" panose="02040503050406030204" pitchFamily="18" charset="0"/>
-                                  </a:rPr>
-                                  <m:t>𝑦</m:t>
-                                </m:r>
-                              </m:e>
-                              <m:sup>
-                                <m:r>
-                                  <a:rPr lang="en-US" sz="3200" i="1">
-                                    <a:solidFill>
-                                      <a:srgbClr val="C00000"/>
-                                    </a:solidFill>
-                                    <a:latin typeface="Cambria Math" panose="02040503050406030204" pitchFamily="18" charset="0"/>
-                                  </a:rPr>
-                                  <m:t>′</m:t>
-                                </m:r>
-                              </m:sup>
-                            </m:sSup>
-                            <m:r>
-                              <a:rPr lang="en-US" sz="3200" i="1">
-                                <a:solidFill>
-                                  <a:srgbClr val="C00000"/>
-                                </a:solidFill>
-                                <a:latin typeface="Cambria Math" panose="02040503050406030204" pitchFamily="18" charset="0"/>
-                              </a:rPr>
-                              <m:t>=</m:t>
-                            </m:r>
-                            <m:r>
-                              <a:rPr lang="en-US" sz="3200" b="0" i="1" smtClean="0">
-                                <a:solidFill>
-                                  <a:srgbClr val="C00000"/>
-                                </a:solidFill>
-                                <a:latin typeface="Cambria Math" panose="02040503050406030204" pitchFamily="18" charset="0"/>
-                              </a:rPr>
-                              <m:t>𝑥</m:t>
-                            </m:r>
-                          </m:e>
-                        </m:d>
-                      </m:den>
-                    </m:f>
-                    <m:r>
-                      <a:rPr lang="en-US" sz="3200" i="1">
-                        <a:solidFill>
-                          <a:srgbClr val="C00000"/>
-                        </a:solidFill>
-                        <a:latin typeface="Cambria Math" panose="02040503050406030204" pitchFamily="18" charset="0"/>
-                      </a:rPr>
-                      <m:t>≤</m:t>
-                    </m:r>
-                    <m:sSup>
-                      <m:sSupPr>
-                        <m:ctrlPr>
-                          <a:rPr lang="en-US" sz="3200" i="1">
-                            <a:solidFill>
-                              <a:srgbClr val="C00000"/>
-                            </a:solidFill>
-                            <a:latin typeface="Cambria Math" panose="02040503050406030204" pitchFamily="18" charset="0"/>
-                          </a:rPr>
-                        </m:ctrlPr>
-                      </m:sSupPr>
-                      <m:e>
-                        <m:r>
-                          <a:rPr lang="en-US" sz="3200" i="1">
-                            <a:solidFill>
-                              <a:srgbClr val="C00000"/>
-                            </a:solidFill>
-                            <a:latin typeface="Cambria Math" panose="02040503050406030204" pitchFamily="18" charset="0"/>
-                          </a:rPr>
-                          <m:t>𝑒</m:t>
-                        </m:r>
-                      </m:e>
-                      <m:sup>
-                        <m:r>
-                          <a:rPr lang="en-US" sz="3200" i="1">
-                            <a:solidFill>
-                              <a:srgbClr val="C00000"/>
-                            </a:solidFill>
-                            <a:latin typeface="Cambria Math" panose="02040503050406030204" pitchFamily="18" charset="0"/>
-                          </a:rPr>
-                          <m:t>𝜀</m:t>
-                        </m:r>
-                      </m:sup>
-                    </m:sSup>
-                  </m:oMath>
-                </a14:m>
-                <a:endParaRPr lang="en-US" sz="3200" dirty="0"/>
-              </a:p>
-            </p:txBody>
-          </p:sp>
-        </mc:Choice>
-        <mc:Fallback>
-          <p:sp>
-            <p:nvSpPr>
-              <p:cNvPr id="5" name="Content Placeholder 3">
-                <a:extLst>
-                  <a:ext uri="{FF2B5EF4-FFF2-40B4-BE49-F238E27FC236}">
-                    <a16:creationId xmlns:a16="http://schemas.microsoft.com/office/drawing/2014/main" id="{46EDD9D9-1338-4BC5-9D28-964A84C143C2}"/>
-                  </a:ext>
-                </a:extLst>
-              </p:cNvPr>
-              <p:cNvSpPr>
-                <a:spLocks noGrp="1" noRot="1" noChangeAspect="1" noMove="1" noResize="1" noEditPoints="1" noAdjustHandles="1" noChangeArrowheads="1" noChangeShapeType="1" noTextEdit="1"/>
-              </p:cNvSpPr>
-              <p:nvPr>
-                <p:ph idx="1"/>
-              </p:nvPr>
-            </p:nvSpPr>
-            <p:spPr>
-              <a:xfrm>
-                <a:off x="838200" y="1825624"/>
-                <a:ext cx="10242755" cy="4342094"/>
-              </a:xfrm>
-              <a:blipFill>
-                <a:blip r:embed="rId3"/>
-                <a:stretch>
-                  <a:fillRect l="-1369"/>
-                </a:stretch>
-              </a:blipFill>
-            </p:spPr>
-            <p:txBody>
-              <a:bodyPr/>
-              <a:lstStyle/>
-              <a:p>
-                <a:r>
-                  <a:rPr lang="en-US">
-                    <a:noFill/>
-                  </a:rPr>
-                  <a:t> </a:t>
-                </a:r>
-              </a:p>
-            </p:txBody>
-          </p:sp>
-        </mc:Fallback>
-      </mc:AlternateContent>
-      <mc:AlternateContent xmlns:mc="http://schemas.openxmlformats.org/markup-compatibility/2006">
-        <mc:Choice xmlns:a14="http://schemas.microsoft.com/office/drawing/2010/main" Requires="a14">
-          <p:sp>
-            <p:nvSpPr>
-              <p:cNvPr id="4" name="TextBox 3">
-                <a:extLst>
-                  <a:ext uri="{FF2B5EF4-FFF2-40B4-BE49-F238E27FC236}">
-                    <a16:creationId xmlns:a16="http://schemas.microsoft.com/office/drawing/2014/main" id="{D13DFA2B-F30F-BE92-BEA4-C706B10F7EBD}"/>
-                  </a:ext>
-                </a:extLst>
-              </p:cNvPr>
-              <p:cNvSpPr txBox="1"/>
-              <p:nvPr/>
-            </p:nvSpPr>
-            <p:spPr>
-              <a:xfrm>
-                <a:off x="541266" y="2908720"/>
-                <a:ext cx="11434424" cy="1318502"/>
-              </a:xfrm>
-              <a:prstGeom prst="rect">
-                <a:avLst/>
-              </a:prstGeom>
-              <a:noFill/>
-            </p:spPr>
-            <p:txBody>
-              <a:bodyPr wrap="square">
-                <a:spAutoFit/>
-              </a:bodyPr>
-              <a:lstStyle/>
-              <a:p>
-                <a:pPr/>
-                <a14:m>
-                  <m:oMathPara xmlns:m="http://schemas.openxmlformats.org/officeDocument/2006/math">
-                    <m:oMathParaPr>
-                      <m:jc m:val="centerGroup"/>
-                    </m:oMathParaPr>
-                    <m:oMath xmlns:m="http://schemas.openxmlformats.org/officeDocument/2006/math">
-                      <m:f>
-                        <m:fPr>
-                          <m:ctrlPr>
-                            <a:rPr lang="en-US" sz="3200" b="0" i="1" smtClean="0">
-                              <a:solidFill>
-                                <a:srgbClr val="C00000"/>
-                              </a:solidFill>
-                              <a:latin typeface="Cambria Math" panose="02040503050406030204" pitchFamily="18" charset="0"/>
-                            </a:rPr>
-                          </m:ctrlPr>
-                        </m:fPr>
-                        <m:num>
-                          <m:r>
-                            <m:rPr>
-                              <m:sty m:val="p"/>
-                            </m:rPr>
-                            <a:rPr lang="en-US" sz="3200" smtClean="0">
-                              <a:solidFill>
-                                <a:srgbClr val="C00000"/>
-                              </a:solidFill>
-                              <a:latin typeface="Cambria Math" panose="02040503050406030204" pitchFamily="18" charset="0"/>
-                            </a:rPr>
-                            <m:t>Pr</m:t>
-                          </m:r>
-                          <m:d>
-                            <m:dPr>
-                              <m:begChr m:val="["/>
-                              <m:endChr m:val="]"/>
-                              <m:ctrlPr>
-                                <a:rPr lang="en-US" sz="3200" i="1">
-                                  <a:solidFill>
-                                    <a:srgbClr val="C00000"/>
-                                  </a:solidFill>
-                                  <a:latin typeface="Cambria Math" panose="02040503050406030204" pitchFamily="18" charset="0"/>
-                                </a:rPr>
-                              </m:ctrlPr>
-                            </m:dPr>
-                            <m:e>
-                              <m:r>
-                                <a:rPr lang="en-US" sz="3200" b="0" i="1" smtClean="0">
-                                  <a:solidFill>
-                                    <a:srgbClr val="C00000"/>
-                                  </a:solidFill>
-                                  <a:latin typeface="Cambria Math" panose="02040503050406030204" pitchFamily="18" charset="0"/>
-                                </a:rPr>
-                                <m:t>𝑦</m:t>
-                              </m:r>
-                              <m:r>
-                                <a:rPr lang="en-US" sz="3200" b="0" i="1" smtClean="0">
-                                  <a:solidFill>
-                                    <a:srgbClr val="C00000"/>
-                                  </a:solidFill>
-                                  <a:latin typeface="Cambria Math" panose="02040503050406030204" pitchFamily="18" charset="0"/>
-                                </a:rPr>
-                                <m:t>=</m:t>
-                              </m:r>
-                              <m:r>
-                                <a:rPr lang="en-US" sz="3200" b="0" i="1" smtClean="0">
-                                  <a:solidFill>
-                                    <a:srgbClr val="C00000"/>
-                                  </a:solidFill>
-                                  <a:latin typeface="Cambria Math" panose="02040503050406030204" pitchFamily="18" charset="0"/>
-                                </a:rPr>
-                                <m:t>𝑥</m:t>
-                              </m:r>
-                            </m:e>
-                          </m:d>
-                        </m:num>
-                        <m:den>
-                          <m:r>
-                            <m:rPr>
-                              <m:sty m:val="p"/>
-                            </m:rPr>
-                            <a:rPr lang="en-US" sz="3200">
-                              <a:solidFill>
-                                <a:srgbClr val="C00000"/>
-                              </a:solidFill>
-                              <a:latin typeface="Cambria Math" panose="02040503050406030204" pitchFamily="18" charset="0"/>
-                            </a:rPr>
-                            <m:t>Pr</m:t>
-                          </m:r>
-                          <m:d>
-                            <m:dPr>
-                              <m:begChr m:val="["/>
-                              <m:endChr m:val="]"/>
-                              <m:ctrlPr>
-                                <a:rPr lang="en-US" sz="3200" i="1">
-                                  <a:solidFill>
-                                    <a:srgbClr val="C00000"/>
-                                  </a:solidFill>
-                                  <a:latin typeface="Cambria Math" panose="02040503050406030204" pitchFamily="18" charset="0"/>
-                                </a:rPr>
-                              </m:ctrlPr>
-                            </m:dPr>
-                            <m:e>
-                              <m:sSup>
-                                <m:sSupPr>
-                                  <m:ctrlPr>
-                                    <a:rPr lang="en-US" sz="3200" i="1">
-                                      <a:solidFill>
-                                        <a:srgbClr val="C00000"/>
-                                      </a:solidFill>
-                                      <a:latin typeface="Cambria Math" panose="02040503050406030204" pitchFamily="18" charset="0"/>
-                                    </a:rPr>
-                                  </m:ctrlPr>
-                                </m:sSupPr>
-                                <m:e>
-                                  <m:r>
-                                    <a:rPr lang="en-US" sz="3200" i="1">
-                                      <a:solidFill>
-                                        <a:srgbClr val="C00000"/>
-                                      </a:solidFill>
-                                      <a:latin typeface="Cambria Math" panose="02040503050406030204" pitchFamily="18" charset="0"/>
-                                    </a:rPr>
-                                    <m:t>𝑦</m:t>
-                                  </m:r>
-                                </m:e>
-                                <m:sup>
-                                  <m:r>
-                                    <a:rPr lang="en-US" sz="3200" i="1">
-                                      <a:solidFill>
-                                        <a:srgbClr val="C00000"/>
-                                      </a:solidFill>
-                                      <a:latin typeface="Cambria Math" panose="02040503050406030204" pitchFamily="18" charset="0"/>
-                                    </a:rPr>
-                                    <m:t>′</m:t>
-                                  </m:r>
-                                </m:sup>
-                              </m:sSup>
-                              <m:r>
-                                <a:rPr lang="en-US" sz="3200" i="1">
-                                  <a:solidFill>
-                                    <a:srgbClr val="C00000"/>
-                                  </a:solidFill>
-                                  <a:latin typeface="Cambria Math" panose="02040503050406030204" pitchFamily="18" charset="0"/>
-                                </a:rPr>
-                                <m:t>=</m:t>
-                              </m:r>
-                              <m:r>
-                                <a:rPr lang="en-US" sz="3200" b="0" i="1" smtClean="0">
-                                  <a:solidFill>
-                                    <a:srgbClr val="C00000"/>
-                                  </a:solidFill>
-                                  <a:latin typeface="Cambria Math" panose="02040503050406030204" pitchFamily="18" charset="0"/>
-                                </a:rPr>
-                                <m:t>𝑥</m:t>
-                              </m:r>
-                            </m:e>
-                          </m:d>
-                        </m:den>
-                      </m:f>
-                      <m:r>
-                        <a:rPr lang="en-US" sz="3200" b="0" i="1" smtClean="0">
-                          <a:solidFill>
-                            <a:srgbClr val="C00000"/>
-                          </a:solidFill>
-                          <a:latin typeface="Cambria Math" panose="02040503050406030204" pitchFamily="18" charset="0"/>
-                        </a:rPr>
-                        <m:t>≤</m:t>
-                      </m:r>
-                      <m:func>
-                        <m:funcPr>
-                          <m:ctrlPr>
-                            <a:rPr lang="en-US" sz="3200" b="0" i="1" smtClean="0">
-                              <a:solidFill>
-                                <a:srgbClr val="C00000"/>
-                              </a:solidFill>
-                              <a:latin typeface="Cambria Math" panose="02040503050406030204" pitchFamily="18" charset="0"/>
-                            </a:rPr>
-                          </m:ctrlPr>
-                        </m:funcPr>
-                        <m:fName>
-                          <m:r>
-                            <m:rPr>
-                              <m:sty m:val="p"/>
-                            </m:rPr>
-                            <a:rPr lang="en-US" sz="3200" b="0" i="0" smtClean="0">
-                              <a:solidFill>
-                                <a:srgbClr val="C00000"/>
-                              </a:solidFill>
-                              <a:latin typeface="Cambria Math" panose="02040503050406030204" pitchFamily="18" charset="0"/>
-                            </a:rPr>
-                            <m:t>exp</m:t>
-                          </m:r>
-                        </m:fName>
-                        <m:e>
-                          <m:d>
-                            <m:dPr>
-                              <m:ctrlPr>
-                                <a:rPr lang="en-US" sz="3200" b="0" i="1" smtClean="0">
-                                  <a:solidFill>
-                                    <a:srgbClr val="C00000"/>
-                                  </a:solidFill>
-                                  <a:latin typeface="Cambria Math" panose="02040503050406030204" pitchFamily="18" charset="0"/>
-                                </a:rPr>
-                              </m:ctrlPr>
-                            </m:dPr>
-                            <m:e>
-                              <m:f>
-                                <m:fPr>
-                                  <m:ctrlPr>
-                                    <a:rPr lang="en-US" sz="3200" i="1">
-                                      <a:solidFill>
-                                        <a:srgbClr val="C00000"/>
-                                      </a:solidFill>
-                                      <a:latin typeface="Cambria Math" panose="02040503050406030204" pitchFamily="18" charset="0"/>
-                                    </a:rPr>
-                                  </m:ctrlPr>
-                                </m:fPr>
-                                <m:num>
-                                  <m:r>
-                                    <a:rPr lang="en-US" sz="3200" i="1">
-                                      <a:solidFill>
-                                        <a:srgbClr val="C00000"/>
-                                      </a:solidFill>
-                                      <a:latin typeface="Cambria Math" panose="02040503050406030204" pitchFamily="18" charset="0"/>
-                                    </a:rPr>
-                                    <m:t>𝜀</m:t>
-                                  </m:r>
-                                  <m:r>
-                                    <a:rPr lang="en-US" sz="3200" i="1">
-                                      <a:solidFill>
-                                        <a:srgbClr val="C00000"/>
-                                      </a:solidFill>
-                                      <a:latin typeface="Cambria Math" panose="02040503050406030204" pitchFamily="18" charset="0"/>
-                                    </a:rPr>
-                                    <m:t>𝑆</m:t>
-                                  </m:r>
-                                  <m:d>
-                                    <m:dPr>
-                                      <m:ctrlPr>
-                                        <a:rPr lang="en-US" sz="3200" i="1">
-                                          <a:solidFill>
-                                            <a:srgbClr val="C00000"/>
-                                          </a:solidFill>
-                                          <a:latin typeface="Cambria Math" panose="02040503050406030204" pitchFamily="18" charset="0"/>
-                                        </a:rPr>
-                                      </m:ctrlPr>
-                                    </m:dPr>
-                                    <m:e>
-                                      <m:r>
-                                        <a:rPr lang="en-US" sz="3200" i="1">
-                                          <a:solidFill>
-                                            <a:srgbClr val="C00000"/>
-                                          </a:solidFill>
-                                          <a:latin typeface="Cambria Math" panose="02040503050406030204" pitchFamily="18" charset="0"/>
-                                        </a:rPr>
-                                        <m:t>𝐷</m:t>
-                                      </m:r>
-                                      <m:r>
-                                        <a:rPr lang="en-US" sz="3200" i="1">
-                                          <a:solidFill>
-                                            <a:srgbClr val="C00000"/>
-                                          </a:solidFill>
-                                          <a:latin typeface="Cambria Math" panose="02040503050406030204" pitchFamily="18" charset="0"/>
-                                        </a:rPr>
-                                        <m:t>,</m:t>
-                                      </m:r>
-                                      <m:r>
-                                        <a:rPr lang="en-US" sz="3200" i="1">
-                                          <a:solidFill>
-                                            <a:srgbClr val="C00000"/>
-                                          </a:solidFill>
-                                          <a:latin typeface="Cambria Math" panose="02040503050406030204" pitchFamily="18" charset="0"/>
-                                        </a:rPr>
-                                        <m:t>𝑥</m:t>
-                                      </m:r>
-                                    </m:e>
-                                  </m:d>
-                                </m:num>
-                                <m:den>
-                                  <m:r>
-                                    <a:rPr lang="en-US" sz="3200" b="0" i="1" smtClean="0">
-                                      <a:solidFill>
-                                        <a:srgbClr val="C00000"/>
-                                      </a:solidFill>
-                                      <a:latin typeface="Cambria Math" panose="02040503050406030204" pitchFamily="18" charset="0"/>
-                                    </a:rPr>
-                                    <m:t>2</m:t>
-                                  </m:r>
-                                  <m:sSub>
-                                    <m:sSubPr>
-                                      <m:ctrlPr>
-                                        <a:rPr lang="en-US" sz="3200" i="1">
-                                          <a:solidFill>
-                                            <a:srgbClr val="C00000"/>
-                                          </a:solidFill>
-                                          <a:latin typeface="Cambria Math" panose="02040503050406030204" pitchFamily="18" charset="0"/>
-                                        </a:rPr>
-                                      </m:ctrlPr>
-                                    </m:sSubPr>
-                                    <m:e>
-                                      <m:r>
-                                        <a:rPr lang="en-US" sz="3200" i="1">
-                                          <a:solidFill>
-                                            <a:srgbClr val="C00000"/>
-                                          </a:solidFill>
-                                          <a:latin typeface="Cambria Math" panose="02040503050406030204" pitchFamily="18" charset="0"/>
-                                        </a:rPr>
-                                        <m:t>𝜎</m:t>
-                                      </m:r>
-                                    </m:e>
-                                    <m:sub>
-                                      <m:r>
-                                        <a:rPr lang="en-US" sz="3200" i="1">
-                                          <a:solidFill>
-                                            <a:srgbClr val="C00000"/>
-                                          </a:solidFill>
-                                          <a:latin typeface="Cambria Math" panose="02040503050406030204" pitchFamily="18" charset="0"/>
-                                        </a:rPr>
-                                        <m:t>𝑓</m:t>
-                                      </m:r>
-                                    </m:sub>
-                                  </m:sSub>
-                                </m:den>
-                              </m:f>
-                            </m:e>
-                          </m:d>
-                        </m:e>
-                      </m:func>
-                      <m:r>
-                        <a:rPr lang="en-US" sz="3200" b="0" i="1" smtClean="0">
-                          <a:solidFill>
-                            <a:srgbClr val="C00000"/>
-                          </a:solidFill>
-                          <a:latin typeface="Cambria Math" panose="02040503050406030204" pitchFamily="18" charset="0"/>
-                        </a:rPr>
-                        <m:t>/</m:t>
-                      </m:r>
-                      <m:nary>
-                        <m:naryPr>
-                          <m:chr m:val="∑"/>
-                          <m:supHide m:val="on"/>
-                          <m:ctrlPr>
-                            <a:rPr lang="en-US" sz="3200" b="0" i="1" smtClean="0">
-                              <a:solidFill>
-                                <a:srgbClr val="C00000"/>
-                              </a:solidFill>
-                              <a:latin typeface="Cambria Math" panose="02040503050406030204" pitchFamily="18" charset="0"/>
-                            </a:rPr>
-                          </m:ctrlPr>
-                        </m:naryPr>
-                        <m:sub>
-                          <m:r>
-                            <a:rPr lang="en-US" sz="3200" b="0" i="1" smtClean="0">
-                              <a:solidFill>
-                                <a:srgbClr val="C00000"/>
-                              </a:solidFill>
-                              <a:latin typeface="Cambria Math" panose="02040503050406030204" pitchFamily="18" charset="0"/>
-                            </a:rPr>
-                            <m:t>𝑥</m:t>
-                          </m:r>
-                        </m:sub>
-                        <m:sup/>
-                        <m:e>
-                          <m:func>
-                            <m:funcPr>
-                              <m:ctrlPr>
-                                <a:rPr lang="en-US" sz="3200" i="1">
-                                  <a:solidFill>
-                                    <a:srgbClr val="C00000"/>
-                                  </a:solidFill>
-                                  <a:latin typeface="Cambria Math" panose="02040503050406030204" pitchFamily="18" charset="0"/>
-                                </a:rPr>
-                              </m:ctrlPr>
-                            </m:funcPr>
-                            <m:fName>
-                              <m:r>
-                                <m:rPr>
-                                  <m:sty m:val="p"/>
-                                </m:rPr>
-                                <a:rPr lang="en-US" sz="3200">
-                                  <a:solidFill>
-                                    <a:srgbClr val="C00000"/>
-                                  </a:solidFill>
-                                  <a:latin typeface="Cambria Math" panose="02040503050406030204" pitchFamily="18" charset="0"/>
-                                </a:rPr>
-                                <m:t>exp</m:t>
-                              </m:r>
-                            </m:fName>
-                            <m:e>
-                              <m:d>
-                                <m:dPr>
-                                  <m:ctrlPr>
-                                    <a:rPr lang="en-US" sz="3200" i="1">
-                                      <a:solidFill>
-                                        <a:srgbClr val="C00000"/>
-                                      </a:solidFill>
-                                      <a:latin typeface="Cambria Math" panose="02040503050406030204" pitchFamily="18" charset="0"/>
-                                    </a:rPr>
-                                  </m:ctrlPr>
-                                </m:dPr>
-                                <m:e>
-                                  <m:f>
-                                    <m:fPr>
-                                      <m:ctrlPr>
-                                        <a:rPr lang="en-US" sz="3200" i="1">
-                                          <a:solidFill>
-                                            <a:srgbClr val="C00000"/>
-                                          </a:solidFill>
-                                          <a:latin typeface="Cambria Math" panose="02040503050406030204" pitchFamily="18" charset="0"/>
-                                        </a:rPr>
-                                      </m:ctrlPr>
-                                    </m:fPr>
-                                    <m:num>
-                                      <m:r>
-                                        <a:rPr lang="en-US" sz="3200" i="1">
-                                          <a:solidFill>
-                                            <a:srgbClr val="C00000"/>
-                                          </a:solidFill>
-                                          <a:latin typeface="Cambria Math" panose="02040503050406030204" pitchFamily="18" charset="0"/>
-                                        </a:rPr>
-                                        <m:t>𝜀</m:t>
-                                      </m:r>
-                                      <m:r>
-                                        <a:rPr lang="en-US" sz="3200" i="1">
-                                          <a:solidFill>
-                                            <a:srgbClr val="C00000"/>
-                                          </a:solidFill>
-                                          <a:latin typeface="Cambria Math" panose="02040503050406030204" pitchFamily="18" charset="0"/>
-                                        </a:rPr>
-                                        <m:t>𝑆</m:t>
-                                      </m:r>
-                                      <m:d>
-                                        <m:dPr>
-                                          <m:ctrlPr>
-                                            <a:rPr lang="en-US" sz="3200" i="1">
-                                              <a:solidFill>
-                                                <a:srgbClr val="C00000"/>
-                                              </a:solidFill>
-                                              <a:latin typeface="Cambria Math" panose="02040503050406030204" pitchFamily="18" charset="0"/>
-                                            </a:rPr>
-                                          </m:ctrlPr>
-                                        </m:dPr>
-                                        <m:e>
-                                          <m:r>
-                                            <a:rPr lang="en-US" sz="3200" i="1">
-                                              <a:solidFill>
-                                                <a:srgbClr val="C00000"/>
-                                              </a:solidFill>
-                                              <a:latin typeface="Cambria Math" panose="02040503050406030204" pitchFamily="18" charset="0"/>
-                                            </a:rPr>
-                                            <m:t>𝐷</m:t>
-                                          </m:r>
-                                          <m:r>
-                                            <a:rPr lang="en-US" sz="3200" i="1">
-                                              <a:solidFill>
-                                                <a:srgbClr val="C00000"/>
-                                              </a:solidFill>
-                                              <a:latin typeface="Cambria Math" panose="02040503050406030204" pitchFamily="18" charset="0"/>
-                                            </a:rPr>
-                                            <m:t>,</m:t>
-                                          </m:r>
-                                          <m:r>
-                                            <a:rPr lang="en-US" sz="3200" i="1">
-                                              <a:solidFill>
-                                                <a:srgbClr val="C00000"/>
-                                              </a:solidFill>
-                                              <a:latin typeface="Cambria Math" panose="02040503050406030204" pitchFamily="18" charset="0"/>
-                                            </a:rPr>
-                                            <m:t>𝑥</m:t>
-                                          </m:r>
-                                        </m:e>
-                                      </m:d>
-                                    </m:num>
-                                    <m:den>
-                                      <m:r>
-                                        <a:rPr lang="en-US" sz="3200" i="1">
-                                          <a:solidFill>
-                                            <a:srgbClr val="C00000"/>
-                                          </a:solidFill>
-                                          <a:latin typeface="Cambria Math" panose="02040503050406030204" pitchFamily="18" charset="0"/>
-                                        </a:rPr>
-                                        <m:t>2</m:t>
-                                      </m:r>
-                                      <m:sSub>
-                                        <m:sSubPr>
-                                          <m:ctrlPr>
-                                            <a:rPr lang="en-US" sz="3200" i="1">
-                                              <a:solidFill>
-                                                <a:srgbClr val="C00000"/>
-                                              </a:solidFill>
-                                              <a:latin typeface="Cambria Math" panose="02040503050406030204" pitchFamily="18" charset="0"/>
-                                            </a:rPr>
-                                          </m:ctrlPr>
-                                        </m:sSubPr>
-                                        <m:e>
-                                          <m:r>
-                                            <a:rPr lang="en-US" sz="3200" i="1">
-                                              <a:solidFill>
-                                                <a:srgbClr val="C00000"/>
-                                              </a:solidFill>
-                                              <a:latin typeface="Cambria Math" panose="02040503050406030204" pitchFamily="18" charset="0"/>
-                                            </a:rPr>
-                                            <m:t>𝜎</m:t>
-                                          </m:r>
-                                        </m:e>
-                                        <m:sub>
-                                          <m:r>
-                                            <a:rPr lang="en-US" sz="3200" i="1">
-                                              <a:solidFill>
-                                                <a:srgbClr val="C00000"/>
-                                              </a:solidFill>
-                                              <a:latin typeface="Cambria Math" panose="02040503050406030204" pitchFamily="18" charset="0"/>
-                                            </a:rPr>
-                                            <m:t>𝑓</m:t>
-                                          </m:r>
-                                        </m:sub>
-                                      </m:sSub>
-                                    </m:den>
-                                  </m:f>
-                                </m:e>
-                              </m:d>
-                            </m:e>
-                          </m:func>
-                        </m:e>
-                      </m:nary>
-                    </m:oMath>
-                  </m:oMathPara>
-                </a14:m>
-                <a:endParaRPr lang="en-US" sz="3200" dirty="0"/>
-              </a:p>
-            </p:txBody>
-          </p:sp>
-        </mc:Choice>
-        <mc:Fallback>
-          <p:sp>
-            <p:nvSpPr>
-              <p:cNvPr id="4" name="TextBox 3">
-                <a:extLst>
-                  <a:ext uri="{FF2B5EF4-FFF2-40B4-BE49-F238E27FC236}">
-                    <a16:creationId xmlns:a16="http://schemas.microsoft.com/office/drawing/2014/main" id="{D13DFA2B-F30F-BE92-BEA4-C706B10F7EBD}"/>
-                  </a:ext>
-                </a:extLst>
-              </p:cNvPr>
-              <p:cNvSpPr txBox="1">
-                <a:spLocks noRot="1" noChangeAspect="1" noMove="1" noResize="1" noEditPoints="1" noAdjustHandles="1" noChangeArrowheads="1" noChangeShapeType="1" noTextEdit="1"/>
-              </p:cNvSpPr>
-              <p:nvPr/>
-            </p:nvSpPr>
-            <p:spPr>
-              <a:xfrm>
-                <a:off x="541266" y="2908720"/>
-                <a:ext cx="11434424" cy="1318502"/>
-              </a:xfrm>
-              <a:prstGeom prst="rect">
-                <a:avLst/>
-              </a:prstGeom>
-              <a:blipFill>
-                <a:blip r:embed="rId4"/>
-                <a:stretch>
-                  <a:fillRect/>
-                </a:stretch>
-              </a:blipFill>
-            </p:spPr>
-            <p:txBody>
-              <a:bodyPr/>
-              <a:lstStyle/>
-              <a:p>
-                <a:r>
-                  <a:rPr lang="en-US">
-                    <a:noFill/>
-                  </a:rPr>
-                  <a:t> </a:t>
-                </a:r>
-              </a:p>
-            </p:txBody>
-          </p:sp>
-        </mc:Fallback>
-      </mc:AlternateContent>
-      <mc:AlternateContent xmlns:mc="http://schemas.openxmlformats.org/markup-compatibility/2006">
-        <mc:Choice xmlns:a14="http://schemas.microsoft.com/office/drawing/2010/main" Requires="a14">
-          <p:sp>
-            <p:nvSpPr>
-              <p:cNvPr id="7" name="TextBox 6">
-                <a:extLst>
-                  <a:ext uri="{FF2B5EF4-FFF2-40B4-BE49-F238E27FC236}">
-                    <a16:creationId xmlns:a16="http://schemas.microsoft.com/office/drawing/2014/main" id="{041AD275-05D3-F5EC-6847-DA8190BF67C1}"/>
-                  </a:ext>
-                </a:extLst>
-              </p:cNvPr>
-              <p:cNvSpPr txBox="1"/>
-              <p:nvPr/>
-            </p:nvSpPr>
-            <p:spPr>
-              <a:xfrm>
-                <a:off x="3160579" y="4241555"/>
-                <a:ext cx="7859415" cy="1318502"/>
-              </a:xfrm>
-              <a:prstGeom prst="rect">
-                <a:avLst/>
-              </a:prstGeom>
-              <a:noFill/>
-            </p:spPr>
-            <p:txBody>
-              <a:bodyPr wrap="square">
-                <a:spAutoFit/>
-              </a:bodyPr>
-              <a:lstStyle/>
-              <a:p>
-                <a:pPr/>
-                <a14:m>
-                  <m:oMathPara xmlns:m="http://schemas.openxmlformats.org/officeDocument/2006/math">
-                    <m:oMathParaPr>
-                      <m:jc m:val="centerGroup"/>
-                    </m:oMathParaPr>
-                    <m:oMath xmlns:m="http://schemas.openxmlformats.org/officeDocument/2006/math">
-                      <m:r>
-                        <a:rPr lang="en-US" sz="3200" b="0" i="1" smtClean="0">
-                          <a:solidFill>
-                            <a:srgbClr val="C00000"/>
-                          </a:solidFill>
-                          <a:latin typeface="Cambria Math" panose="02040503050406030204" pitchFamily="18" charset="0"/>
-                        </a:rPr>
-                        <m:t>⋅</m:t>
-                      </m:r>
-                      <m:nary>
-                        <m:naryPr>
-                          <m:chr m:val="∑"/>
-                          <m:supHide m:val="on"/>
-                          <m:ctrlPr>
-                            <a:rPr lang="en-US" sz="3200" i="1" smtClean="0">
-                              <a:solidFill>
-                                <a:srgbClr val="C00000"/>
-                              </a:solidFill>
-                              <a:latin typeface="Cambria Math" panose="02040503050406030204" pitchFamily="18" charset="0"/>
-                            </a:rPr>
-                          </m:ctrlPr>
-                        </m:naryPr>
-                        <m:sub>
-                          <m:r>
-                            <a:rPr lang="en-US" sz="3200" i="1">
-                              <a:solidFill>
-                                <a:srgbClr val="C00000"/>
-                              </a:solidFill>
-                              <a:latin typeface="Cambria Math" panose="02040503050406030204" pitchFamily="18" charset="0"/>
-                            </a:rPr>
-                            <m:t>𝑥</m:t>
-                          </m:r>
-                        </m:sub>
-                        <m:sup/>
-                        <m:e>
-                          <m:func>
-                            <m:funcPr>
-                              <m:ctrlPr>
-                                <a:rPr lang="en-US" sz="3200" i="1">
-                                  <a:solidFill>
-                                    <a:srgbClr val="C00000"/>
-                                  </a:solidFill>
-                                  <a:latin typeface="Cambria Math" panose="02040503050406030204" pitchFamily="18" charset="0"/>
-                                </a:rPr>
-                              </m:ctrlPr>
-                            </m:funcPr>
-                            <m:fName>
-                              <m:r>
-                                <m:rPr>
-                                  <m:sty m:val="p"/>
-                                </m:rPr>
-                                <a:rPr lang="en-US" sz="3200">
-                                  <a:solidFill>
-                                    <a:srgbClr val="C00000"/>
-                                  </a:solidFill>
-                                  <a:latin typeface="Cambria Math" panose="02040503050406030204" pitchFamily="18" charset="0"/>
-                                </a:rPr>
-                                <m:t>exp</m:t>
-                              </m:r>
-                            </m:fName>
-                            <m:e>
-                              <m:d>
-                                <m:dPr>
-                                  <m:ctrlPr>
-                                    <a:rPr lang="en-US" sz="3200" i="1">
-                                      <a:solidFill>
-                                        <a:srgbClr val="C00000"/>
-                                      </a:solidFill>
-                                      <a:latin typeface="Cambria Math" panose="02040503050406030204" pitchFamily="18" charset="0"/>
-                                    </a:rPr>
-                                  </m:ctrlPr>
-                                </m:dPr>
-                                <m:e>
-                                  <m:f>
-                                    <m:fPr>
-                                      <m:ctrlPr>
-                                        <a:rPr lang="en-US" sz="3200" i="1">
-                                          <a:solidFill>
-                                            <a:srgbClr val="C00000"/>
-                                          </a:solidFill>
-                                          <a:latin typeface="Cambria Math" panose="02040503050406030204" pitchFamily="18" charset="0"/>
-                                        </a:rPr>
-                                      </m:ctrlPr>
-                                    </m:fPr>
-                                    <m:num>
-                                      <m:r>
-                                        <a:rPr lang="en-US" sz="3200" i="1">
-                                          <a:solidFill>
-                                            <a:srgbClr val="C00000"/>
-                                          </a:solidFill>
-                                          <a:latin typeface="Cambria Math" panose="02040503050406030204" pitchFamily="18" charset="0"/>
-                                        </a:rPr>
-                                        <m:t>𝜀</m:t>
-                                      </m:r>
-                                      <m:r>
-                                        <a:rPr lang="en-US" sz="3200" i="1">
-                                          <a:solidFill>
-                                            <a:srgbClr val="C00000"/>
-                                          </a:solidFill>
-                                          <a:latin typeface="Cambria Math" panose="02040503050406030204" pitchFamily="18" charset="0"/>
-                                        </a:rPr>
-                                        <m:t>𝑆</m:t>
-                                      </m:r>
-                                      <m:d>
-                                        <m:dPr>
-                                          <m:ctrlPr>
-                                            <a:rPr lang="en-US" sz="3200" i="1">
-                                              <a:solidFill>
-                                                <a:srgbClr val="C00000"/>
-                                              </a:solidFill>
-                                              <a:latin typeface="Cambria Math" panose="02040503050406030204" pitchFamily="18" charset="0"/>
-                                            </a:rPr>
-                                          </m:ctrlPr>
-                                        </m:dPr>
-                                        <m:e>
-                                          <m:r>
-                                            <a:rPr lang="en-US" sz="3200" i="1">
-                                              <a:solidFill>
-                                                <a:srgbClr val="C00000"/>
-                                              </a:solidFill>
-                                              <a:latin typeface="Cambria Math" panose="02040503050406030204" pitchFamily="18" charset="0"/>
-                                            </a:rPr>
-                                            <m:t>𝐷</m:t>
-                                          </m:r>
-                                          <m:r>
-                                            <a:rPr lang="en-US" sz="3200" b="0" i="1" smtClean="0">
-                                              <a:solidFill>
-                                                <a:srgbClr val="C00000"/>
-                                              </a:solidFill>
-                                              <a:latin typeface="Cambria Math" panose="02040503050406030204" pitchFamily="18" charset="0"/>
-                                            </a:rPr>
-                                            <m:t>′</m:t>
-                                          </m:r>
-                                          <m:r>
-                                            <a:rPr lang="en-US" sz="3200" i="1">
-                                              <a:solidFill>
-                                                <a:srgbClr val="C00000"/>
-                                              </a:solidFill>
-                                              <a:latin typeface="Cambria Math" panose="02040503050406030204" pitchFamily="18" charset="0"/>
-                                            </a:rPr>
-                                            <m:t>,</m:t>
-                                          </m:r>
-                                          <m:r>
-                                            <a:rPr lang="en-US" sz="3200" i="1">
-                                              <a:solidFill>
-                                                <a:srgbClr val="C00000"/>
-                                              </a:solidFill>
-                                              <a:latin typeface="Cambria Math" panose="02040503050406030204" pitchFamily="18" charset="0"/>
-                                            </a:rPr>
-                                            <m:t>𝑥</m:t>
-                                          </m:r>
-                                        </m:e>
-                                      </m:d>
-                                    </m:num>
-                                    <m:den>
-                                      <m:r>
-                                        <a:rPr lang="en-US" sz="3200" i="1">
-                                          <a:solidFill>
-                                            <a:srgbClr val="C00000"/>
-                                          </a:solidFill>
-                                          <a:latin typeface="Cambria Math" panose="02040503050406030204" pitchFamily="18" charset="0"/>
-                                        </a:rPr>
-                                        <m:t>2</m:t>
-                                      </m:r>
-                                      <m:sSub>
-                                        <m:sSubPr>
-                                          <m:ctrlPr>
-                                            <a:rPr lang="en-US" sz="3200" i="1">
-                                              <a:solidFill>
-                                                <a:srgbClr val="C00000"/>
-                                              </a:solidFill>
-                                              <a:latin typeface="Cambria Math" panose="02040503050406030204" pitchFamily="18" charset="0"/>
-                                            </a:rPr>
-                                          </m:ctrlPr>
-                                        </m:sSubPr>
-                                        <m:e>
-                                          <m:r>
-                                            <a:rPr lang="en-US" sz="3200" i="1">
-                                              <a:solidFill>
-                                                <a:srgbClr val="C00000"/>
-                                              </a:solidFill>
-                                              <a:latin typeface="Cambria Math" panose="02040503050406030204" pitchFamily="18" charset="0"/>
-                                            </a:rPr>
-                                            <m:t>𝜎</m:t>
-                                          </m:r>
-                                        </m:e>
-                                        <m:sub>
-                                          <m:r>
-                                            <a:rPr lang="en-US" sz="3200" i="1">
-                                              <a:solidFill>
-                                                <a:srgbClr val="C00000"/>
-                                              </a:solidFill>
-                                              <a:latin typeface="Cambria Math" panose="02040503050406030204" pitchFamily="18" charset="0"/>
-                                            </a:rPr>
-                                            <m:t>𝑓</m:t>
-                                          </m:r>
-                                        </m:sub>
-                                      </m:sSub>
-                                    </m:den>
-                                  </m:f>
-                                </m:e>
-                              </m:d>
-                            </m:e>
-                          </m:func>
-                        </m:e>
-                      </m:nary>
-                      <m:r>
-                        <a:rPr lang="en-US" sz="3200" b="0" i="1" smtClean="0">
-                          <a:solidFill>
-                            <a:srgbClr val="C00000"/>
-                          </a:solidFill>
-                          <a:latin typeface="Cambria Math" panose="02040503050406030204" pitchFamily="18" charset="0"/>
-                        </a:rPr>
-                        <m:t>/</m:t>
-                      </m:r>
-                      <m:func>
-                        <m:funcPr>
-                          <m:ctrlPr>
-                            <a:rPr lang="en-US" sz="3200" b="0" i="1" smtClean="0">
-                              <a:solidFill>
-                                <a:srgbClr val="C00000"/>
-                              </a:solidFill>
-                              <a:latin typeface="Cambria Math" panose="02040503050406030204" pitchFamily="18" charset="0"/>
-                            </a:rPr>
-                          </m:ctrlPr>
-                        </m:funcPr>
-                        <m:fName>
-                          <m:r>
-                            <m:rPr>
-                              <m:sty m:val="p"/>
-                            </m:rPr>
-                            <a:rPr lang="en-US" sz="3200" b="0" i="0" smtClean="0">
-                              <a:solidFill>
-                                <a:srgbClr val="C00000"/>
-                              </a:solidFill>
-                              <a:latin typeface="Cambria Math" panose="02040503050406030204" pitchFamily="18" charset="0"/>
-                            </a:rPr>
-                            <m:t>exp</m:t>
-                          </m:r>
-                        </m:fName>
-                        <m:e>
-                          <m:d>
-                            <m:dPr>
-                              <m:ctrlPr>
-                                <a:rPr lang="en-US" sz="3200" b="0" i="1" smtClean="0">
-                                  <a:solidFill>
-                                    <a:srgbClr val="C00000"/>
-                                  </a:solidFill>
-                                  <a:latin typeface="Cambria Math" panose="02040503050406030204" pitchFamily="18" charset="0"/>
-                                </a:rPr>
-                              </m:ctrlPr>
-                            </m:dPr>
-                            <m:e>
-                              <m:f>
-                                <m:fPr>
-                                  <m:ctrlPr>
-                                    <a:rPr lang="en-US" sz="3200" i="1">
-                                      <a:solidFill>
-                                        <a:srgbClr val="C00000"/>
-                                      </a:solidFill>
-                                      <a:latin typeface="Cambria Math" panose="02040503050406030204" pitchFamily="18" charset="0"/>
-                                    </a:rPr>
-                                  </m:ctrlPr>
-                                </m:fPr>
-                                <m:num>
-                                  <m:r>
-                                    <a:rPr lang="en-US" sz="3200" i="1">
-                                      <a:solidFill>
-                                        <a:srgbClr val="C00000"/>
-                                      </a:solidFill>
-                                      <a:latin typeface="Cambria Math" panose="02040503050406030204" pitchFamily="18" charset="0"/>
-                                    </a:rPr>
-                                    <m:t>𝜀</m:t>
-                                  </m:r>
-                                  <m:r>
-                                    <a:rPr lang="en-US" sz="3200" i="1">
-                                      <a:solidFill>
-                                        <a:srgbClr val="C00000"/>
-                                      </a:solidFill>
-                                      <a:latin typeface="Cambria Math" panose="02040503050406030204" pitchFamily="18" charset="0"/>
-                                    </a:rPr>
-                                    <m:t>𝑆</m:t>
-                                  </m:r>
-                                  <m:d>
-                                    <m:dPr>
-                                      <m:ctrlPr>
-                                        <a:rPr lang="en-US" sz="3200" i="1">
-                                          <a:solidFill>
-                                            <a:srgbClr val="C00000"/>
-                                          </a:solidFill>
-                                          <a:latin typeface="Cambria Math" panose="02040503050406030204" pitchFamily="18" charset="0"/>
-                                        </a:rPr>
-                                      </m:ctrlPr>
-                                    </m:dPr>
-                                    <m:e>
-                                      <m:r>
-                                        <a:rPr lang="en-US" sz="3200" i="1">
-                                          <a:solidFill>
-                                            <a:srgbClr val="C00000"/>
-                                          </a:solidFill>
-                                          <a:latin typeface="Cambria Math" panose="02040503050406030204" pitchFamily="18" charset="0"/>
-                                        </a:rPr>
-                                        <m:t>𝐷</m:t>
-                                      </m:r>
-                                      <m:r>
-                                        <a:rPr lang="en-US" sz="3200" b="0" i="1" smtClean="0">
-                                          <a:solidFill>
-                                            <a:srgbClr val="C00000"/>
-                                          </a:solidFill>
-                                          <a:latin typeface="Cambria Math" panose="02040503050406030204" pitchFamily="18" charset="0"/>
-                                        </a:rPr>
-                                        <m:t>′</m:t>
-                                      </m:r>
-                                      <m:r>
-                                        <a:rPr lang="en-US" sz="3200" i="1">
-                                          <a:solidFill>
-                                            <a:srgbClr val="C00000"/>
-                                          </a:solidFill>
-                                          <a:latin typeface="Cambria Math" panose="02040503050406030204" pitchFamily="18" charset="0"/>
-                                        </a:rPr>
-                                        <m:t>,</m:t>
-                                      </m:r>
-                                      <m:r>
-                                        <a:rPr lang="en-US" sz="3200" i="1">
-                                          <a:solidFill>
-                                            <a:srgbClr val="C00000"/>
-                                          </a:solidFill>
-                                          <a:latin typeface="Cambria Math" panose="02040503050406030204" pitchFamily="18" charset="0"/>
-                                        </a:rPr>
-                                        <m:t>𝑥</m:t>
-                                      </m:r>
-                                    </m:e>
-                                  </m:d>
-                                </m:num>
-                                <m:den>
-                                  <m:r>
-                                    <a:rPr lang="en-US" sz="3200" b="0" i="1" smtClean="0">
-                                      <a:solidFill>
-                                        <a:srgbClr val="C00000"/>
-                                      </a:solidFill>
-                                      <a:latin typeface="Cambria Math" panose="02040503050406030204" pitchFamily="18" charset="0"/>
-                                    </a:rPr>
-                                    <m:t>2</m:t>
-                                  </m:r>
-                                  <m:sSub>
-                                    <m:sSubPr>
-                                      <m:ctrlPr>
-                                        <a:rPr lang="en-US" sz="3200" i="1">
-                                          <a:solidFill>
-                                            <a:srgbClr val="C00000"/>
-                                          </a:solidFill>
-                                          <a:latin typeface="Cambria Math" panose="02040503050406030204" pitchFamily="18" charset="0"/>
-                                        </a:rPr>
-                                      </m:ctrlPr>
-                                    </m:sSubPr>
-                                    <m:e>
-                                      <m:r>
-                                        <a:rPr lang="en-US" sz="3200" i="1">
-                                          <a:solidFill>
-                                            <a:srgbClr val="C00000"/>
-                                          </a:solidFill>
-                                          <a:latin typeface="Cambria Math" panose="02040503050406030204" pitchFamily="18" charset="0"/>
-                                        </a:rPr>
-                                        <m:t>𝜎</m:t>
-                                      </m:r>
-                                    </m:e>
-                                    <m:sub>
-                                      <m:r>
-                                        <a:rPr lang="en-US" sz="3200" i="1">
-                                          <a:solidFill>
-                                            <a:srgbClr val="C00000"/>
-                                          </a:solidFill>
-                                          <a:latin typeface="Cambria Math" panose="02040503050406030204" pitchFamily="18" charset="0"/>
-                                        </a:rPr>
-                                        <m:t>𝑓</m:t>
-                                      </m:r>
-                                    </m:sub>
-                                  </m:sSub>
-                                </m:den>
-                              </m:f>
-                            </m:e>
-                          </m:d>
-                        </m:e>
-                      </m:func>
-                    </m:oMath>
-                  </m:oMathPara>
-                </a14:m>
-                <a:endParaRPr lang="en-US" sz="3200" dirty="0"/>
-              </a:p>
-            </p:txBody>
-          </p:sp>
-        </mc:Choice>
-        <mc:Fallback>
-          <p:sp>
-            <p:nvSpPr>
-              <p:cNvPr id="7" name="TextBox 6">
-                <a:extLst>
-                  <a:ext uri="{FF2B5EF4-FFF2-40B4-BE49-F238E27FC236}">
-                    <a16:creationId xmlns:a16="http://schemas.microsoft.com/office/drawing/2014/main" id="{041AD275-05D3-F5EC-6847-DA8190BF67C1}"/>
-                  </a:ext>
-                </a:extLst>
-              </p:cNvPr>
-              <p:cNvSpPr txBox="1">
-                <a:spLocks noRot="1" noChangeAspect="1" noMove="1" noResize="1" noEditPoints="1" noAdjustHandles="1" noChangeArrowheads="1" noChangeShapeType="1" noTextEdit="1"/>
-              </p:cNvSpPr>
-              <p:nvPr/>
-            </p:nvSpPr>
-            <p:spPr>
-              <a:xfrm>
-                <a:off x="3160579" y="4241555"/>
-                <a:ext cx="7859415" cy="1318502"/>
-              </a:xfrm>
-              <a:prstGeom prst="rect">
-                <a:avLst/>
-              </a:prstGeom>
-              <a:blipFill>
-                <a:blip r:embed="rId5"/>
-                <a:stretch>
-                  <a:fillRect/>
-                </a:stretch>
-              </a:blipFill>
-            </p:spPr>
-            <p:txBody>
-              <a:bodyPr/>
-              <a:lstStyle/>
-              <a:p>
-                <a:r>
-                  <a:rPr lang="en-US">
-                    <a:noFill/>
-                  </a:rPr>
-                  <a:t> </a:t>
-                </a:r>
-              </a:p>
-            </p:txBody>
-          </p:sp>
-        </mc:Fallback>
-      </mc:AlternateContent>
-    </p:spTree>
-    <p:extLst>
-      <p:ext uri="{BB962C8B-B14F-4D97-AF65-F5344CB8AC3E}">
-        <p14:creationId xmlns:p14="http://schemas.microsoft.com/office/powerpoint/2010/main" val="1919322857"/>
-      </p:ext>
-    </p:extLst>
-  </p:cSld>
-  <p:clrMapOvr>
-    <a:masterClrMapping/>
-  </p:clrMapOvr>
-</p:sld>
-</file>
-
-<file path=ppt/slides/slide37.xml><?xml version="1.0" encoding="utf-8"?>
-<p:sld xmlns:a="http://schemas.openxmlformats.org/drawingml/2006/main" xmlns:r="http://schemas.openxmlformats.org/officeDocument/2006/relationships" xmlns:p="http://schemas.openxmlformats.org/presentationml/2006/main">
-  <p:cSld>
-    <p:spTree>
-      <p:nvGrpSpPr>
-        <p:cNvPr id="1" name=""/>
-        <p:cNvGrpSpPr/>
-        <p:nvPr/>
-      </p:nvGrpSpPr>
-      <p:grpSpPr>
-        <a:xfrm>
-          <a:off x="0" y="0"/>
-          <a:ext cx="0" cy="0"/>
-          <a:chOff x="0" y="0"/>
-          <a:chExt cx="0" cy="0"/>
-        </a:xfrm>
-      </p:grpSpPr>
-      <p:sp>
-        <p:nvSpPr>
-          <p:cNvPr id="2" name="Title 1">
-            <a:extLst>
-              <a:ext uri="{FF2B5EF4-FFF2-40B4-BE49-F238E27FC236}">
-                <a16:creationId xmlns:a16="http://schemas.microsoft.com/office/drawing/2014/main" id="{B17419AC-DCE6-4371-8DE2-D617E99D653D}"/>
-              </a:ext>
-            </a:extLst>
-          </p:cNvPr>
-          <p:cNvSpPr>
-            <a:spLocks noGrp="1"/>
-          </p:cNvSpPr>
-          <p:nvPr>
-            <p:ph type="title"/>
-          </p:nvPr>
-        </p:nvSpPr>
-        <p:spPr/>
-        <p:txBody>
-          <a:bodyPr/>
-          <a:lstStyle/>
-          <a:p>
-            <a:r>
-              <a:rPr lang="en-US" dirty="0">
-                <a:solidFill>
-                  <a:srgbClr val="C00000"/>
-                </a:solidFill>
-              </a:rPr>
-              <a:t>Exponential Mechanism</a:t>
-            </a:r>
-          </a:p>
-        </p:txBody>
-      </p:sp>
-      <mc:AlternateContent xmlns:mc="http://schemas.openxmlformats.org/markup-compatibility/2006">
-        <mc:Choice xmlns:a14="http://schemas.microsoft.com/office/drawing/2010/main" Requires="a14">
-          <p:sp>
-            <p:nvSpPr>
-              <p:cNvPr id="5" name="Content Placeholder 3">
-                <a:extLst>
-                  <a:ext uri="{FF2B5EF4-FFF2-40B4-BE49-F238E27FC236}">
-                    <a16:creationId xmlns:a16="http://schemas.microsoft.com/office/drawing/2014/main" id="{46EDD9D9-1338-4BC5-9D28-964A84C143C2}"/>
-                  </a:ext>
-                </a:extLst>
-              </p:cNvPr>
-              <p:cNvSpPr>
-                <a:spLocks noGrp="1"/>
-              </p:cNvSpPr>
-              <p:nvPr>
-                <p:ph idx="1"/>
-              </p:nvPr>
-            </p:nvSpPr>
-            <p:spPr>
-              <a:xfrm>
-                <a:off x="838200" y="1825624"/>
-                <a:ext cx="10242755" cy="4342094"/>
-              </a:xfrm>
-            </p:spPr>
-            <p:txBody>
-              <a:bodyPr>
-                <a:noAutofit/>
-              </a:bodyPr>
-              <a:lstStyle/>
-              <a:p>
-                <a:pPr>
-                  <a:buClr>
-                    <a:schemeClr val="tx1"/>
-                  </a:buClr>
-                </a:pPr>
-                <a:r>
-                  <a:rPr lang="en-US" sz="3200" dirty="0"/>
-                  <a:t>Want to show that for any fixed </a:t>
-                </a:r>
-                <a14:m>
-                  <m:oMath xmlns:m="http://schemas.openxmlformats.org/officeDocument/2006/math">
-                    <m:r>
-                      <a:rPr lang="en-US" sz="3200" b="0" i="1" smtClean="0">
-                        <a:solidFill>
-                          <a:srgbClr val="C00000"/>
-                        </a:solidFill>
-                        <a:latin typeface="Cambria Math" panose="02040503050406030204" pitchFamily="18" charset="0"/>
-                      </a:rPr>
-                      <m:t>𝑥</m:t>
-                    </m:r>
-                  </m:oMath>
-                </a14:m>
-                <a:r>
-                  <a:rPr lang="en-US" sz="3200" dirty="0"/>
-                  <a:t>, </a:t>
-                </a:r>
-                <a14:m>
-                  <m:oMath xmlns:m="http://schemas.openxmlformats.org/officeDocument/2006/math">
-                    <m:f>
-                      <m:fPr>
-                        <m:ctrlPr>
-                          <a:rPr lang="en-US" sz="3200" b="0" i="1" smtClean="0">
-                            <a:solidFill>
-                              <a:srgbClr val="C00000"/>
-                            </a:solidFill>
-                            <a:latin typeface="Cambria Math" panose="02040503050406030204" pitchFamily="18" charset="0"/>
-                          </a:rPr>
-                        </m:ctrlPr>
-                      </m:fPr>
-                      <m:num>
-                        <m:r>
-                          <m:rPr>
-                            <m:sty m:val="p"/>
-                          </m:rPr>
-                          <a:rPr lang="en-US" sz="3200" smtClean="0">
-                            <a:solidFill>
-                              <a:srgbClr val="C00000"/>
-                            </a:solidFill>
-                            <a:latin typeface="Cambria Math" panose="02040503050406030204" pitchFamily="18" charset="0"/>
-                          </a:rPr>
-                          <m:t>Pr</m:t>
-                        </m:r>
-                        <m:d>
-                          <m:dPr>
-                            <m:begChr m:val="["/>
-                            <m:endChr m:val="]"/>
-                            <m:ctrlPr>
-                              <a:rPr lang="en-US" sz="3200" i="1">
-                                <a:solidFill>
-                                  <a:srgbClr val="C00000"/>
-                                </a:solidFill>
-                                <a:latin typeface="Cambria Math" panose="02040503050406030204" pitchFamily="18" charset="0"/>
-                              </a:rPr>
-                            </m:ctrlPr>
-                          </m:dPr>
-                          <m:e>
-                            <m:r>
-                              <a:rPr lang="en-US" sz="3200" b="0" i="1" smtClean="0">
-                                <a:solidFill>
-                                  <a:srgbClr val="C00000"/>
-                                </a:solidFill>
-                                <a:latin typeface="Cambria Math" panose="02040503050406030204" pitchFamily="18" charset="0"/>
-                              </a:rPr>
-                              <m:t>𝑦</m:t>
-                            </m:r>
-                            <m:r>
-                              <a:rPr lang="en-US" sz="3200" b="0" i="1" smtClean="0">
-                                <a:solidFill>
-                                  <a:srgbClr val="C00000"/>
-                                </a:solidFill>
-                                <a:latin typeface="Cambria Math" panose="02040503050406030204" pitchFamily="18" charset="0"/>
-                              </a:rPr>
-                              <m:t>=</m:t>
-                            </m:r>
-                            <m:r>
-                              <a:rPr lang="en-US" sz="3200" b="0" i="1" smtClean="0">
-                                <a:solidFill>
-                                  <a:srgbClr val="C00000"/>
-                                </a:solidFill>
-                                <a:latin typeface="Cambria Math" panose="02040503050406030204" pitchFamily="18" charset="0"/>
-                              </a:rPr>
-                              <m:t>𝑥</m:t>
-                            </m:r>
-                          </m:e>
-                        </m:d>
-                      </m:num>
-                      <m:den>
-                        <m:r>
-                          <m:rPr>
-                            <m:sty m:val="p"/>
-                          </m:rPr>
-                          <a:rPr lang="en-US" sz="3200">
-                            <a:solidFill>
-                              <a:srgbClr val="C00000"/>
-                            </a:solidFill>
-                            <a:latin typeface="Cambria Math" panose="02040503050406030204" pitchFamily="18" charset="0"/>
-                          </a:rPr>
-                          <m:t>Pr</m:t>
-                        </m:r>
-                        <m:d>
-                          <m:dPr>
-                            <m:begChr m:val="["/>
-                            <m:endChr m:val="]"/>
-                            <m:ctrlPr>
-                              <a:rPr lang="en-US" sz="3200" i="1">
-                                <a:solidFill>
-                                  <a:srgbClr val="C00000"/>
-                                </a:solidFill>
-                                <a:latin typeface="Cambria Math" panose="02040503050406030204" pitchFamily="18" charset="0"/>
-                              </a:rPr>
-                            </m:ctrlPr>
-                          </m:dPr>
-                          <m:e>
-                            <m:sSup>
-                              <m:sSupPr>
-                                <m:ctrlPr>
-                                  <a:rPr lang="en-US" sz="3200" i="1">
-                                    <a:solidFill>
-                                      <a:srgbClr val="C00000"/>
-                                    </a:solidFill>
-                                    <a:latin typeface="Cambria Math" panose="02040503050406030204" pitchFamily="18" charset="0"/>
-                                  </a:rPr>
-                                </m:ctrlPr>
-                              </m:sSupPr>
-                              <m:e>
-                                <m:r>
-                                  <a:rPr lang="en-US" sz="3200" i="1">
-                                    <a:solidFill>
-                                      <a:srgbClr val="C00000"/>
-                                    </a:solidFill>
-                                    <a:latin typeface="Cambria Math" panose="02040503050406030204" pitchFamily="18" charset="0"/>
-                                  </a:rPr>
-                                  <m:t>𝑦</m:t>
-                                </m:r>
-                              </m:e>
-                              <m:sup>
-                                <m:r>
-                                  <a:rPr lang="en-US" sz="3200" i="1">
-                                    <a:solidFill>
-                                      <a:srgbClr val="C00000"/>
-                                    </a:solidFill>
-                                    <a:latin typeface="Cambria Math" panose="02040503050406030204" pitchFamily="18" charset="0"/>
-                                  </a:rPr>
-                                  <m:t>′</m:t>
-                                </m:r>
-                              </m:sup>
-                            </m:sSup>
-                            <m:r>
-                              <a:rPr lang="en-US" sz="3200" i="1">
-                                <a:solidFill>
-                                  <a:srgbClr val="C00000"/>
-                                </a:solidFill>
-                                <a:latin typeface="Cambria Math" panose="02040503050406030204" pitchFamily="18" charset="0"/>
-                              </a:rPr>
-                              <m:t>=</m:t>
-                            </m:r>
-                            <m:r>
-                              <a:rPr lang="en-US" sz="3200" b="0" i="1" smtClean="0">
-                                <a:solidFill>
-                                  <a:srgbClr val="C00000"/>
-                                </a:solidFill>
-                                <a:latin typeface="Cambria Math" panose="02040503050406030204" pitchFamily="18" charset="0"/>
-                              </a:rPr>
-                              <m:t>𝑥</m:t>
-                            </m:r>
-                          </m:e>
-                        </m:d>
-                      </m:den>
-                    </m:f>
-                    <m:r>
-                      <a:rPr lang="en-US" sz="3200" i="1">
-                        <a:solidFill>
-                          <a:srgbClr val="C00000"/>
-                        </a:solidFill>
-                        <a:latin typeface="Cambria Math" panose="02040503050406030204" pitchFamily="18" charset="0"/>
-                      </a:rPr>
-                      <m:t>≤</m:t>
-                    </m:r>
-                    <m:sSup>
-                      <m:sSupPr>
-                        <m:ctrlPr>
-                          <a:rPr lang="en-US" sz="3200" i="1">
-                            <a:solidFill>
-                              <a:srgbClr val="C00000"/>
-                            </a:solidFill>
-                            <a:latin typeface="Cambria Math" panose="02040503050406030204" pitchFamily="18" charset="0"/>
-                          </a:rPr>
-                        </m:ctrlPr>
-                      </m:sSupPr>
-                      <m:e>
-                        <m:r>
-                          <a:rPr lang="en-US" sz="3200" i="1">
-                            <a:solidFill>
-                              <a:srgbClr val="C00000"/>
-                            </a:solidFill>
-                            <a:latin typeface="Cambria Math" panose="02040503050406030204" pitchFamily="18" charset="0"/>
-                          </a:rPr>
-                          <m:t>𝑒</m:t>
-                        </m:r>
-                      </m:e>
-                      <m:sup>
-                        <m:r>
-                          <a:rPr lang="en-US" sz="3200" i="1">
-                            <a:solidFill>
-                              <a:srgbClr val="C00000"/>
-                            </a:solidFill>
-                            <a:latin typeface="Cambria Math" panose="02040503050406030204" pitchFamily="18" charset="0"/>
-                          </a:rPr>
-                          <m:t>𝜀</m:t>
-                        </m:r>
-                      </m:sup>
-                    </m:sSup>
-                  </m:oMath>
-                </a14:m>
-                <a:endParaRPr lang="en-US" sz="3200" dirty="0"/>
-              </a:p>
-            </p:txBody>
-          </p:sp>
-        </mc:Choice>
-        <mc:Fallback>
-          <p:sp>
-            <p:nvSpPr>
-              <p:cNvPr id="5" name="Content Placeholder 3">
-                <a:extLst>
-                  <a:ext uri="{FF2B5EF4-FFF2-40B4-BE49-F238E27FC236}">
-                    <a16:creationId xmlns:a16="http://schemas.microsoft.com/office/drawing/2014/main" id="{46EDD9D9-1338-4BC5-9D28-964A84C143C2}"/>
-                  </a:ext>
-                </a:extLst>
-              </p:cNvPr>
-              <p:cNvSpPr>
-                <a:spLocks noGrp="1" noRot="1" noChangeAspect="1" noMove="1" noResize="1" noEditPoints="1" noAdjustHandles="1" noChangeArrowheads="1" noChangeShapeType="1" noTextEdit="1"/>
-              </p:cNvSpPr>
-              <p:nvPr>
-                <p:ph idx="1"/>
-              </p:nvPr>
-            </p:nvSpPr>
-            <p:spPr>
-              <a:xfrm>
-                <a:off x="838200" y="1825624"/>
-                <a:ext cx="10242755" cy="4342094"/>
-              </a:xfrm>
-              <a:blipFill>
-                <a:blip r:embed="rId3"/>
-                <a:stretch>
-                  <a:fillRect l="-1369"/>
-                </a:stretch>
-              </a:blipFill>
-            </p:spPr>
-            <p:txBody>
-              <a:bodyPr/>
-              <a:lstStyle/>
-              <a:p>
-                <a:r>
-                  <a:rPr lang="en-US">
-                    <a:noFill/>
-                  </a:rPr>
-                  <a:t> </a:t>
-                </a:r>
-              </a:p>
-            </p:txBody>
-          </p:sp>
-        </mc:Fallback>
-      </mc:AlternateContent>
-      <mc:AlternateContent xmlns:mc="http://schemas.openxmlformats.org/markup-compatibility/2006">
-        <mc:Choice xmlns:a14="http://schemas.microsoft.com/office/drawing/2010/main" Requires="a14">
-          <p:sp>
-            <p:nvSpPr>
-              <p:cNvPr id="4" name="TextBox 3">
-                <a:extLst>
-                  <a:ext uri="{FF2B5EF4-FFF2-40B4-BE49-F238E27FC236}">
-                    <a16:creationId xmlns:a16="http://schemas.microsoft.com/office/drawing/2014/main" id="{D13DFA2B-F30F-BE92-BEA4-C706B10F7EBD}"/>
-                  </a:ext>
-                </a:extLst>
-              </p:cNvPr>
-              <p:cNvSpPr txBox="1"/>
-              <p:nvPr/>
-            </p:nvSpPr>
-            <p:spPr>
-              <a:xfrm>
-                <a:off x="541266" y="2908720"/>
-                <a:ext cx="11434424" cy="1209305"/>
-              </a:xfrm>
-              <a:prstGeom prst="rect">
-                <a:avLst/>
-              </a:prstGeom>
-              <a:noFill/>
-            </p:spPr>
-            <p:txBody>
-              <a:bodyPr wrap="square">
-                <a:spAutoFit/>
-              </a:bodyPr>
-              <a:lstStyle/>
-              <a:p>
-                <a:pPr/>
-                <a14:m>
-                  <m:oMathPara xmlns:m="http://schemas.openxmlformats.org/officeDocument/2006/math">
-                    <m:oMathParaPr>
-                      <m:jc m:val="centerGroup"/>
-                    </m:oMathParaPr>
-                    <m:oMath xmlns:m="http://schemas.openxmlformats.org/officeDocument/2006/math">
-                      <m:f>
-                        <m:fPr>
-                          <m:ctrlPr>
-                            <a:rPr lang="en-US" sz="3200" b="0" i="1" smtClean="0">
-                              <a:solidFill>
-                                <a:srgbClr val="C00000"/>
-                              </a:solidFill>
-                              <a:latin typeface="Cambria Math" panose="02040503050406030204" pitchFamily="18" charset="0"/>
-                            </a:rPr>
-                          </m:ctrlPr>
-                        </m:fPr>
-                        <m:num>
-                          <m:r>
-                            <m:rPr>
-                              <m:sty m:val="p"/>
-                            </m:rPr>
-                            <a:rPr lang="en-US" sz="3200" smtClean="0">
-                              <a:solidFill>
-                                <a:srgbClr val="C00000"/>
-                              </a:solidFill>
-                              <a:latin typeface="Cambria Math" panose="02040503050406030204" pitchFamily="18" charset="0"/>
-                            </a:rPr>
-                            <m:t>Pr</m:t>
-                          </m:r>
-                          <m:d>
-                            <m:dPr>
-                              <m:begChr m:val="["/>
-                              <m:endChr m:val="]"/>
-                              <m:ctrlPr>
-                                <a:rPr lang="en-US" sz="3200" i="1">
-                                  <a:solidFill>
-                                    <a:srgbClr val="C00000"/>
-                                  </a:solidFill>
-                                  <a:latin typeface="Cambria Math" panose="02040503050406030204" pitchFamily="18" charset="0"/>
-                                </a:rPr>
-                              </m:ctrlPr>
-                            </m:dPr>
-                            <m:e>
-                              <m:r>
-                                <a:rPr lang="en-US" sz="3200" b="0" i="1" smtClean="0">
-                                  <a:solidFill>
-                                    <a:srgbClr val="C00000"/>
-                                  </a:solidFill>
-                                  <a:latin typeface="Cambria Math" panose="02040503050406030204" pitchFamily="18" charset="0"/>
-                                </a:rPr>
-                                <m:t>𝑦</m:t>
-                              </m:r>
-                              <m:r>
-                                <a:rPr lang="en-US" sz="3200" b="0" i="1" smtClean="0">
-                                  <a:solidFill>
-                                    <a:srgbClr val="C00000"/>
-                                  </a:solidFill>
-                                  <a:latin typeface="Cambria Math" panose="02040503050406030204" pitchFamily="18" charset="0"/>
-                                </a:rPr>
-                                <m:t>=</m:t>
-                              </m:r>
-                              <m:r>
-                                <a:rPr lang="en-US" sz="3200" b="0" i="1" smtClean="0">
-                                  <a:solidFill>
-                                    <a:srgbClr val="C00000"/>
-                                  </a:solidFill>
-                                  <a:latin typeface="Cambria Math" panose="02040503050406030204" pitchFamily="18" charset="0"/>
-                                </a:rPr>
-                                <m:t>𝑥</m:t>
-                              </m:r>
-                            </m:e>
-                          </m:d>
-                        </m:num>
-                        <m:den>
-                          <m:r>
-                            <m:rPr>
-                              <m:sty m:val="p"/>
-                            </m:rPr>
-                            <a:rPr lang="en-US" sz="3200">
-                              <a:solidFill>
-                                <a:srgbClr val="C00000"/>
-                              </a:solidFill>
-                              <a:latin typeface="Cambria Math" panose="02040503050406030204" pitchFamily="18" charset="0"/>
-                            </a:rPr>
-                            <m:t>Pr</m:t>
-                          </m:r>
-                          <m:d>
-                            <m:dPr>
-                              <m:begChr m:val="["/>
-                              <m:endChr m:val="]"/>
-                              <m:ctrlPr>
-                                <a:rPr lang="en-US" sz="3200" i="1">
-                                  <a:solidFill>
-                                    <a:srgbClr val="C00000"/>
-                                  </a:solidFill>
-                                  <a:latin typeface="Cambria Math" panose="02040503050406030204" pitchFamily="18" charset="0"/>
-                                </a:rPr>
-                              </m:ctrlPr>
-                            </m:dPr>
-                            <m:e>
-                              <m:sSup>
-                                <m:sSupPr>
-                                  <m:ctrlPr>
-                                    <a:rPr lang="en-US" sz="3200" i="1">
-                                      <a:solidFill>
-                                        <a:srgbClr val="C00000"/>
-                                      </a:solidFill>
-                                      <a:latin typeface="Cambria Math" panose="02040503050406030204" pitchFamily="18" charset="0"/>
-                                    </a:rPr>
-                                  </m:ctrlPr>
-                                </m:sSupPr>
-                                <m:e>
-                                  <m:r>
-                                    <a:rPr lang="en-US" sz="3200" i="1">
-                                      <a:solidFill>
-                                        <a:srgbClr val="C00000"/>
-                                      </a:solidFill>
-                                      <a:latin typeface="Cambria Math" panose="02040503050406030204" pitchFamily="18" charset="0"/>
-                                    </a:rPr>
-                                    <m:t>𝑦</m:t>
-                                  </m:r>
-                                </m:e>
-                                <m:sup>
-                                  <m:r>
-                                    <a:rPr lang="en-US" sz="3200" i="1">
-                                      <a:solidFill>
-                                        <a:srgbClr val="C00000"/>
-                                      </a:solidFill>
-                                      <a:latin typeface="Cambria Math" panose="02040503050406030204" pitchFamily="18" charset="0"/>
-                                    </a:rPr>
-                                    <m:t>′</m:t>
-                                  </m:r>
-                                </m:sup>
-                              </m:sSup>
-                              <m:r>
-                                <a:rPr lang="en-US" sz="3200" i="1">
-                                  <a:solidFill>
-                                    <a:srgbClr val="C00000"/>
-                                  </a:solidFill>
-                                  <a:latin typeface="Cambria Math" panose="02040503050406030204" pitchFamily="18" charset="0"/>
-                                </a:rPr>
-                                <m:t>=</m:t>
-                              </m:r>
-                              <m:r>
-                                <a:rPr lang="en-US" sz="3200" b="0" i="1" smtClean="0">
-                                  <a:solidFill>
-                                    <a:srgbClr val="C00000"/>
-                                  </a:solidFill>
-                                  <a:latin typeface="Cambria Math" panose="02040503050406030204" pitchFamily="18" charset="0"/>
-                                </a:rPr>
-                                <m:t>𝑥</m:t>
-                              </m:r>
-                            </m:e>
-                          </m:d>
-                        </m:den>
-                      </m:f>
-                      <m:r>
-                        <a:rPr lang="en-US" sz="3200" b="0" i="1" smtClean="0">
-                          <a:solidFill>
-                            <a:srgbClr val="C00000"/>
-                          </a:solidFill>
-                          <a:latin typeface="Cambria Math" panose="02040503050406030204" pitchFamily="18" charset="0"/>
-                        </a:rPr>
-                        <m:t>≤</m:t>
-                      </m:r>
-                      <m:func>
-                        <m:funcPr>
-                          <m:ctrlPr>
-                            <a:rPr lang="en-US" sz="3200" b="0" i="1" smtClean="0">
-                              <a:solidFill>
-                                <a:srgbClr val="C00000"/>
-                              </a:solidFill>
-                              <a:latin typeface="Cambria Math" panose="02040503050406030204" pitchFamily="18" charset="0"/>
-                            </a:rPr>
-                          </m:ctrlPr>
-                        </m:funcPr>
-                        <m:fName>
-                          <m:r>
-                            <m:rPr>
-                              <m:sty m:val="p"/>
-                            </m:rPr>
-                            <a:rPr lang="en-US" sz="3200" b="0" i="0" smtClean="0">
-                              <a:solidFill>
-                                <a:srgbClr val="C00000"/>
-                              </a:solidFill>
-                              <a:latin typeface="Cambria Math" panose="02040503050406030204" pitchFamily="18" charset="0"/>
-                            </a:rPr>
-                            <m:t>exp</m:t>
-                          </m:r>
-                        </m:fName>
-                        <m:e>
-                          <m:d>
-                            <m:dPr>
-                              <m:ctrlPr>
-                                <a:rPr lang="en-US" sz="3200" b="0" i="1" smtClean="0">
-                                  <a:solidFill>
-                                    <a:srgbClr val="C00000"/>
-                                  </a:solidFill>
-                                  <a:latin typeface="Cambria Math" panose="02040503050406030204" pitchFamily="18" charset="0"/>
-                                </a:rPr>
-                              </m:ctrlPr>
-                            </m:dPr>
-                            <m:e>
-                              <m:f>
-                                <m:fPr>
-                                  <m:ctrlPr>
-                                    <a:rPr lang="en-US" sz="3200" i="1">
-                                      <a:solidFill>
-                                        <a:srgbClr val="C00000"/>
-                                      </a:solidFill>
-                                      <a:latin typeface="Cambria Math" panose="02040503050406030204" pitchFamily="18" charset="0"/>
-                                    </a:rPr>
-                                  </m:ctrlPr>
-                                </m:fPr>
-                                <m:num>
-                                  <m:r>
-                                    <a:rPr lang="en-US" sz="3200" i="1">
-                                      <a:solidFill>
-                                        <a:srgbClr val="C00000"/>
-                                      </a:solidFill>
-                                      <a:latin typeface="Cambria Math" panose="02040503050406030204" pitchFamily="18" charset="0"/>
-                                    </a:rPr>
-                                    <m:t>𝜀</m:t>
-                                  </m:r>
-                                  <m:r>
-                                    <a:rPr lang="en-US" sz="3200" b="0" i="1" smtClean="0">
-                                      <a:solidFill>
-                                        <a:srgbClr val="C00000"/>
-                                      </a:solidFill>
-                                      <a:latin typeface="Cambria Math" panose="02040503050406030204" pitchFamily="18" charset="0"/>
-                                    </a:rPr>
-                                    <m:t>(</m:t>
-                                  </m:r>
-                                  <m:r>
-                                    <a:rPr lang="en-US" sz="3200" i="1">
-                                      <a:solidFill>
-                                        <a:srgbClr val="C00000"/>
-                                      </a:solidFill>
-                                      <a:latin typeface="Cambria Math" panose="02040503050406030204" pitchFamily="18" charset="0"/>
-                                    </a:rPr>
-                                    <m:t>𝑆</m:t>
-                                  </m:r>
-                                  <m:d>
-                                    <m:dPr>
-                                      <m:ctrlPr>
-                                        <a:rPr lang="en-US" sz="3200" i="1">
-                                          <a:solidFill>
-                                            <a:srgbClr val="C00000"/>
-                                          </a:solidFill>
-                                          <a:latin typeface="Cambria Math" panose="02040503050406030204" pitchFamily="18" charset="0"/>
-                                        </a:rPr>
-                                      </m:ctrlPr>
-                                    </m:dPr>
-                                    <m:e>
-                                      <m:r>
-                                        <a:rPr lang="en-US" sz="3200" i="1">
-                                          <a:solidFill>
-                                            <a:srgbClr val="C00000"/>
-                                          </a:solidFill>
-                                          <a:latin typeface="Cambria Math" panose="02040503050406030204" pitchFamily="18" charset="0"/>
-                                        </a:rPr>
-                                        <m:t>𝐷</m:t>
-                                      </m:r>
-                                      <m:r>
-                                        <a:rPr lang="en-US" sz="3200" i="1">
-                                          <a:solidFill>
-                                            <a:srgbClr val="C00000"/>
-                                          </a:solidFill>
-                                          <a:latin typeface="Cambria Math" panose="02040503050406030204" pitchFamily="18" charset="0"/>
-                                        </a:rPr>
-                                        <m:t>,</m:t>
-                                      </m:r>
-                                      <m:r>
-                                        <a:rPr lang="en-US" sz="3200" i="1">
-                                          <a:solidFill>
-                                            <a:srgbClr val="C00000"/>
-                                          </a:solidFill>
-                                          <a:latin typeface="Cambria Math" panose="02040503050406030204" pitchFamily="18" charset="0"/>
-                                        </a:rPr>
-                                        <m:t>𝑥</m:t>
-                                      </m:r>
-                                    </m:e>
-                                  </m:d>
-                                  <m:r>
-                                    <a:rPr lang="en-US" sz="3200" b="0" i="1" smtClean="0">
-                                      <a:solidFill>
-                                        <a:srgbClr val="C00000"/>
-                                      </a:solidFill>
-                                      <a:latin typeface="Cambria Math" panose="02040503050406030204" pitchFamily="18" charset="0"/>
-                                    </a:rPr>
-                                    <m:t>−</m:t>
-                                  </m:r>
-                                  <m:r>
-                                    <a:rPr lang="en-US" sz="3200" b="0" i="1" smtClean="0">
-                                      <a:solidFill>
-                                        <a:srgbClr val="C00000"/>
-                                      </a:solidFill>
-                                      <a:latin typeface="Cambria Math" panose="02040503050406030204" pitchFamily="18" charset="0"/>
-                                    </a:rPr>
-                                    <m:t>𝑆</m:t>
-                                  </m:r>
-                                  <m:d>
-                                    <m:dPr>
-                                      <m:ctrlPr>
-                                        <a:rPr lang="en-US" sz="3200" b="0" i="1" smtClean="0">
-                                          <a:solidFill>
-                                            <a:srgbClr val="C00000"/>
-                                          </a:solidFill>
-                                          <a:latin typeface="Cambria Math" panose="02040503050406030204" pitchFamily="18" charset="0"/>
-                                        </a:rPr>
-                                      </m:ctrlPr>
-                                    </m:dPr>
-                                    <m:e>
-                                      <m:sSup>
-                                        <m:sSupPr>
-                                          <m:ctrlPr>
-                                            <a:rPr lang="en-US" sz="3200" b="0" i="1" smtClean="0">
-                                              <a:solidFill>
-                                                <a:srgbClr val="C00000"/>
-                                              </a:solidFill>
-                                              <a:latin typeface="Cambria Math" panose="02040503050406030204" pitchFamily="18" charset="0"/>
-                                            </a:rPr>
-                                          </m:ctrlPr>
-                                        </m:sSupPr>
-                                        <m:e>
-                                          <m:r>
-                                            <a:rPr lang="en-US" sz="3200" b="0" i="1" smtClean="0">
-                                              <a:solidFill>
-                                                <a:srgbClr val="C00000"/>
-                                              </a:solidFill>
-                                              <a:latin typeface="Cambria Math" panose="02040503050406030204" pitchFamily="18" charset="0"/>
-                                            </a:rPr>
-                                            <m:t>𝐷</m:t>
-                                          </m:r>
-                                        </m:e>
-                                        <m:sup>
-                                          <m:r>
-                                            <a:rPr lang="en-US" sz="3200" b="0" i="1" smtClean="0">
-                                              <a:solidFill>
-                                                <a:srgbClr val="C00000"/>
-                                              </a:solidFill>
-                                              <a:latin typeface="Cambria Math" panose="02040503050406030204" pitchFamily="18" charset="0"/>
-                                            </a:rPr>
-                                            <m:t>′</m:t>
-                                          </m:r>
-                                        </m:sup>
-                                      </m:sSup>
-                                      <m:r>
-                                        <a:rPr lang="en-US" sz="3200" b="0" i="1" smtClean="0">
-                                          <a:solidFill>
-                                            <a:srgbClr val="C00000"/>
-                                          </a:solidFill>
-                                          <a:latin typeface="Cambria Math" panose="02040503050406030204" pitchFamily="18" charset="0"/>
-                                        </a:rPr>
-                                        <m:t>,</m:t>
-                                      </m:r>
-                                      <m:r>
-                                        <a:rPr lang="en-US" sz="3200" b="0" i="1" smtClean="0">
-                                          <a:solidFill>
-                                            <a:srgbClr val="C00000"/>
-                                          </a:solidFill>
-                                          <a:latin typeface="Cambria Math" panose="02040503050406030204" pitchFamily="18" charset="0"/>
-                                        </a:rPr>
-                                        <m:t>𝑥</m:t>
-                                      </m:r>
-                                    </m:e>
-                                  </m:d>
-                                  <m:r>
-                                    <a:rPr lang="en-US" sz="3200" b="0" i="1" smtClean="0">
-                                      <a:solidFill>
-                                        <a:srgbClr val="C00000"/>
-                                      </a:solidFill>
-                                      <a:latin typeface="Cambria Math" panose="02040503050406030204" pitchFamily="18" charset="0"/>
-                                    </a:rPr>
-                                    <m:t>)</m:t>
-                                  </m:r>
-                                </m:num>
-                                <m:den>
-                                  <m:r>
-                                    <a:rPr lang="en-US" sz="3200" b="0" i="1" smtClean="0">
-                                      <a:solidFill>
-                                        <a:srgbClr val="C00000"/>
-                                      </a:solidFill>
-                                      <a:latin typeface="Cambria Math" panose="02040503050406030204" pitchFamily="18" charset="0"/>
-                                    </a:rPr>
-                                    <m:t>2</m:t>
-                                  </m:r>
-                                  <m:sSub>
-                                    <m:sSubPr>
-                                      <m:ctrlPr>
-                                        <a:rPr lang="en-US" sz="3200" i="1">
-                                          <a:solidFill>
-                                            <a:srgbClr val="C00000"/>
-                                          </a:solidFill>
-                                          <a:latin typeface="Cambria Math" panose="02040503050406030204" pitchFamily="18" charset="0"/>
-                                        </a:rPr>
-                                      </m:ctrlPr>
-                                    </m:sSubPr>
-                                    <m:e>
-                                      <m:r>
-                                        <a:rPr lang="en-US" sz="3200" i="1">
-                                          <a:solidFill>
-                                            <a:srgbClr val="C00000"/>
-                                          </a:solidFill>
-                                          <a:latin typeface="Cambria Math" panose="02040503050406030204" pitchFamily="18" charset="0"/>
-                                        </a:rPr>
-                                        <m:t>𝜎</m:t>
-                                      </m:r>
-                                    </m:e>
-                                    <m:sub>
-                                      <m:r>
-                                        <a:rPr lang="en-US" sz="3200" i="1">
-                                          <a:solidFill>
-                                            <a:srgbClr val="C00000"/>
-                                          </a:solidFill>
-                                          <a:latin typeface="Cambria Math" panose="02040503050406030204" pitchFamily="18" charset="0"/>
-                                        </a:rPr>
-                                        <m:t>𝑓</m:t>
-                                      </m:r>
-                                    </m:sub>
-                                  </m:sSub>
-                                </m:den>
-                              </m:f>
-                            </m:e>
-                          </m:d>
-                        </m:e>
-                      </m:func>
-                    </m:oMath>
-                  </m:oMathPara>
-                </a14:m>
-                <a:endParaRPr lang="en-US" sz="3200" dirty="0"/>
-              </a:p>
-            </p:txBody>
-          </p:sp>
-        </mc:Choice>
-        <mc:Fallback>
-          <p:sp>
-            <p:nvSpPr>
-              <p:cNvPr id="4" name="TextBox 3">
-                <a:extLst>
-                  <a:ext uri="{FF2B5EF4-FFF2-40B4-BE49-F238E27FC236}">
-                    <a16:creationId xmlns:a16="http://schemas.microsoft.com/office/drawing/2014/main" id="{D13DFA2B-F30F-BE92-BEA4-C706B10F7EBD}"/>
-                  </a:ext>
-                </a:extLst>
-              </p:cNvPr>
-              <p:cNvSpPr txBox="1">
-                <a:spLocks noRot="1" noChangeAspect="1" noMove="1" noResize="1" noEditPoints="1" noAdjustHandles="1" noChangeArrowheads="1" noChangeShapeType="1" noTextEdit="1"/>
-              </p:cNvSpPr>
-              <p:nvPr/>
-            </p:nvSpPr>
-            <p:spPr>
-              <a:xfrm>
-                <a:off x="541266" y="2908720"/>
-                <a:ext cx="11434424" cy="1209305"/>
-              </a:xfrm>
-              <a:prstGeom prst="rect">
-                <a:avLst/>
-              </a:prstGeom>
-              <a:blipFill>
-                <a:blip r:embed="rId4"/>
-                <a:stretch>
-                  <a:fillRect/>
-                </a:stretch>
-              </a:blipFill>
-            </p:spPr>
-            <p:txBody>
-              <a:bodyPr/>
-              <a:lstStyle/>
-              <a:p>
-                <a:r>
-                  <a:rPr lang="en-US">
-                    <a:noFill/>
-                  </a:rPr>
-                  <a:t> </a:t>
-                </a:r>
-              </a:p>
-            </p:txBody>
-          </p:sp>
-        </mc:Fallback>
-      </mc:AlternateContent>
-      <mc:AlternateContent xmlns:mc="http://schemas.openxmlformats.org/markup-compatibility/2006">
-        <mc:Choice xmlns:a14="http://schemas.microsoft.com/office/drawing/2010/main" Requires="a14">
-          <p:sp>
-            <p:nvSpPr>
-              <p:cNvPr id="7" name="TextBox 6">
-                <a:extLst>
-                  <a:ext uri="{FF2B5EF4-FFF2-40B4-BE49-F238E27FC236}">
-                    <a16:creationId xmlns:a16="http://schemas.microsoft.com/office/drawing/2014/main" id="{041AD275-05D3-F5EC-6847-DA8190BF67C1}"/>
-                  </a:ext>
-                </a:extLst>
-              </p:cNvPr>
-              <p:cNvSpPr txBox="1"/>
-              <p:nvPr/>
-            </p:nvSpPr>
-            <p:spPr>
-              <a:xfrm>
-                <a:off x="4021885" y="4252961"/>
-                <a:ext cx="7859415" cy="1318502"/>
-              </a:xfrm>
-              <a:prstGeom prst="rect">
-                <a:avLst/>
-              </a:prstGeom>
-              <a:noFill/>
-            </p:spPr>
-            <p:txBody>
-              <a:bodyPr wrap="square">
-                <a:spAutoFit/>
-              </a:bodyPr>
-              <a:lstStyle/>
-              <a:p>
-                <a:pPr/>
-                <a14:m>
-                  <m:oMathPara xmlns:m="http://schemas.openxmlformats.org/officeDocument/2006/math">
-                    <m:oMathParaPr>
-                      <m:jc m:val="centerGroup"/>
-                    </m:oMathParaPr>
-                    <m:oMath xmlns:m="http://schemas.openxmlformats.org/officeDocument/2006/math">
-                      <m:r>
-                        <a:rPr lang="en-US" sz="3200" b="0" i="1" smtClean="0">
-                          <a:solidFill>
-                            <a:srgbClr val="C00000"/>
-                          </a:solidFill>
-                          <a:latin typeface="Cambria Math" panose="02040503050406030204" pitchFamily="18" charset="0"/>
-                        </a:rPr>
-                        <m:t>⋅</m:t>
-                      </m:r>
-                      <m:nary>
-                        <m:naryPr>
-                          <m:chr m:val="∑"/>
-                          <m:supHide m:val="on"/>
-                          <m:ctrlPr>
-                            <a:rPr lang="en-US" sz="3200" i="1">
-                              <a:solidFill>
-                                <a:srgbClr val="C00000"/>
-                              </a:solidFill>
-                              <a:latin typeface="Cambria Math" panose="02040503050406030204" pitchFamily="18" charset="0"/>
-                            </a:rPr>
-                          </m:ctrlPr>
-                        </m:naryPr>
-                        <m:sub>
-                          <m:r>
-                            <a:rPr lang="en-US" sz="3200" i="1">
-                              <a:solidFill>
-                                <a:srgbClr val="C00000"/>
-                              </a:solidFill>
-                              <a:latin typeface="Cambria Math" panose="02040503050406030204" pitchFamily="18" charset="0"/>
-                            </a:rPr>
-                            <m:t>𝑥</m:t>
-                          </m:r>
-                        </m:sub>
-                        <m:sup/>
-                        <m:e>
-                          <m:func>
-                            <m:funcPr>
-                              <m:ctrlPr>
-                                <a:rPr lang="en-US" sz="3200" i="1">
-                                  <a:solidFill>
-                                    <a:srgbClr val="C00000"/>
-                                  </a:solidFill>
-                                  <a:latin typeface="Cambria Math" panose="02040503050406030204" pitchFamily="18" charset="0"/>
-                                </a:rPr>
-                              </m:ctrlPr>
-                            </m:funcPr>
-                            <m:fName>
-                              <m:r>
-                                <m:rPr>
-                                  <m:sty m:val="p"/>
-                                </m:rPr>
-                                <a:rPr lang="en-US" sz="3200">
-                                  <a:solidFill>
-                                    <a:srgbClr val="C00000"/>
-                                  </a:solidFill>
-                                  <a:latin typeface="Cambria Math" panose="02040503050406030204" pitchFamily="18" charset="0"/>
-                                </a:rPr>
-                                <m:t>exp</m:t>
-                              </m:r>
-                            </m:fName>
-                            <m:e>
-                              <m:d>
-                                <m:dPr>
-                                  <m:ctrlPr>
-                                    <a:rPr lang="en-US" sz="3200" i="1">
-                                      <a:solidFill>
-                                        <a:srgbClr val="C00000"/>
-                                      </a:solidFill>
-                                      <a:latin typeface="Cambria Math" panose="02040503050406030204" pitchFamily="18" charset="0"/>
-                                    </a:rPr>
-                                  </m:ctrlPr>
-                                </m:dPr>
-                                <m:e>
-                                  <m:f>
-                                    <m:fPr>
-                                      <m:ctrlPr>
-                                        <a:rPr lang="en-US" sz="3200" i="1">
-                                          <a:solidFill>
-                                            <a:srgbClr val="C00000"/>
-                                          </a:solidFill>
-                                          <a:latin typeface="Cambria Math" panose="02040503050406030204" pitchFamily="18" charset="0"/>
-                                        </a:rPr>
-                                      </m:ctrlPr>
-                                    </m:fPr>
-                                    <m:num>
-                                      <m:r>
-                                        <a:rPr lang="en-US" sz="3200" i="1">
-                                          <a:solidFill>
-                                            <a:srgbClr val="C00000"/>
-                                          </a:solidFill>
-                                          <a:latin typeface="Cambria Math" panose="02040503050406030204" pitchFamily="18" charset="0"/>
-                                        </a:rPr>
-                                        <m:t>𝜀</m:t>
-                                      </m:r>
-                                      <m:r>
-                                        <a:rPr lang="en-US" sz="3200" i="1">
-                                          <a:solidFill>
-                                            <a:srgbClr val="C00000"/>
-                                          </a:solidFill>
-                                          <a:latin typeface="Cambria Math" panose="02040503050406030204" pitchFamily="18" charset="0"/>
-                                        </a:rPr>
-                                        <m:t>𝑆</m:t>
-                                      </m:r>
-                                      <m:d>
-                                        <m:dPr>
-                                          <m:ctrlPr>
-                                            <a:rPr lang="en-US" sz="3200" i="1">
-                                              <a:solidFill>
-                                                <a:srgbClr val="C00000"/>
-                                              </a:solidFill>
-                                              <a:latin typeface="Cambria Math" panose="02040503050406030204" pitchFamily="18" charset="0"/>
-                                            </a:rPr>
-                                          </m:ctrlPr>
-                                        </m:dPr>
-                                        <m:e>
-                                          <m:r>
-                                            <a:rPr lang="en-US" sz="3200" i="1">
-                                              <a:solidFill>
-                                                <a:srgbClr val="C00000"/>
-                                              </a:solidFill>
-                                              <a:latin typeface="Cambria Math" panose="02040503050406030204" pitchFamily="18" charset="0"/>
-                                            </a:rPr>
-                                            <m:t>𝐷</m:t>
-                                          </m:r>
-                                          <m:r>
-                                            <a:rPr lang="en-US" sz="3200" i="1">
-                                              <a:solidFill>
-                                                <a:srgbClr val="C00000"/>
-                                              </a:solidFill>
-                                              <a:latin typeface="Cambria Math" panose="02040503050406030204" pitchFamily="18" charset="0"/>
-                                            </a:rPr>
-                                            <m:t>,</m:t>
-                                          </m:r>
-                                          <m:r>
-                                            <a:rPr lang="en-US" sz="3200" i="1">
-                                              <a:solidFill>
-                                                <a:srgbClr val="C00000"/>
-                                              </a:solidFill>
-                                              <a:latin typeface="Cambria Math" panose="02040503050406030204" pitchFamily="18" charset="0"/>
-                                            </a:rPr>
-                                            <m:t>𝑥</m:t>
-                                          </m:r>
-                                        </m:e>
-                                      </m:d>
-                                    </m:num>
-                                    <m:den>
-                                      <m:r>
-                                        <a:rPr lang="en-US" sz="3200" i="1">
-                                          <a:solidFill>
-                                            <a:srgbClr val="C00000"/>
-                                          </a:solidFill>
-                                          <a:latin typeface="Cambria Math" panose="02040503050406030204" pitchFamily="18" charset="0"/>
-                                        </a:rPr>
-                                        <m:t>2</m:t>
-                                      </m:r>
-                                      <m:sSub>
-                                        <m:sSubPr>
-                                          <m:ctrlPr>
-                                            <a:rPr lang="en-US" sz="3200" i="1">
-                                              <a:solidFill>
-                                                <a:srgbClr val="C00000"/>
-                                              </a:solidFill>
-                                              <a:latin typeface="Cambria Math" panose="02040503050406030204" pitchFamily="18" charset="0"/>
-                                            </a:rPr>
-                                          </m:ctrlPr>
-                                        </m:sSubPr>
-                                        <m:e>
-                                          <m:r>
-                                            <a:rPr lang="en-US" sz="3200" i="1">
-                                              <a:solidFill>
-                                                <a:srgbClr val="C00000"/>
-                                              </a:solidFill>
-                                              <a:latin typeface="Cambria Math" panose="02040503050406030204" pitchFamily="18" charset="0"/>
-                                            </a:rPr>
-                                            <m:t>𝜎</m:t>
-                                          </m:r>
-                                        </m:e>
-                                        <m:sub>
-                                          <m:r>
-                                            <a:rPr lang="en-US" sz="3200" i="1">
-                                              <a:solidFill>
-                                                <a:srgbClr val="C00000"/>
-                                              </a:solidFill>
-                                              <a:latin typeface="Cambria Math" panose="02040503050406030204" pitchFamily="18" charset="0"/>
-                                            </a:rPr>
-                                            <m:t>𝑓</m:t>
-                                          </m:r>
-                                        </m:sub>
-                                      </m:sSub>
-                                    </m:den>
-                                  </m:f>
-                                </m:e>
-                              </m:d>
-                            </m:e>
-                          </m:func>
-                        </m:e>
-                      </m:nary>
-                      <m:r>
-                        <a:rPr lang="en-US" sz="3200" b="0" i="1" smtClean="0">
-                          <a:solidFill>
-                            <a:srgbClr val="C00000"/>
-                          </a:solidFill>
-                          <a:latin typeface="Cambria Math" panose="02040503050406030204" pitchFamily="18" charset="0"/>
-                        </a:rPr>
-                        <m:t>/</m:t>
-                      </m:r>
-                      <m:func>
-                        <m:funcPr>
-                          <m:ctrlPr>
-                            <a:rPr lang="en-US" sz="3200" b="0" i="1" smtClean="0">
-                              <a:solidFill>
-                                <a:srgbClr val="C00000"/>
-                              </a:solidFill>
-                              <a:latin typeface="Cambria Math" panose="02040503050406030204" pitchFamily="18" charset="0"/>
-                            </a:rPr>
-                          </m:ctrlPr>
-                        </m:funcPr>
-                        <m:fName>
-                          <m:r>
-                            <m:rPr>
-                              <m:sty m:val="p"/>
-                            </m:rPr>
-                            <a:rPr lang="en-US" sz="3200" b="0" i="0" smtClean="0">
-                              <a:solidFill>
-                                <a:srgbClr val="C00000"/>
-                              </a:solidFill>
-                              <a:latin typeface="Cambria Math" panose="02040503050406030204" pitchFamily="18" charset="0"/>
-                            </a:rPr>
-                            <m:t>exp</m:t>
-                          </m:r>
-                        </m:fName>
-                        <m:e>
-                          <m:d>
-                            <m:dPr>
-                              <m:ctrlPr>
-                                <a:rPr lang="en-US" sz="3200" b="0" i="1" smtClean="0">
-                                  <a:solidFill>
-                                    <a:srgbClr val="C00000"/>
-                                  </a:solidFill>
-                                  <a:latin typeface="Cambria Math" panose="02040503050406030204" pitchFamily="18" charset="0"/>
-                                </a:rPr>
-                              </m:ctrlPr>
-                            </m:dPr>
-                            <m:e>
-                              <m:f>
-                                <m:fPr>
-                                  <m:ctrlPr>
-                                    <a:rPr lang="en-US" sz="3200" i="1">
-                                      <a:solidFill>
-                                        <a:srgbClr val="C00000"/>
-                                      </a:solidFill>
-                                      <a:latin typeface="Cambria Math" panose="02040503050406030204" pitchFamily="18" charset="0"/>
-                                    </a:rPr>
-                                  </m:ctrlPr>
-                                </m:fPr>
-                                <m:num>
-                                  <m:r>
-                                    <a:rPr lang="en-US" sz="3200" i="1">
-                                      <a:solidFill>
-                                        <a:srgbClr val="C00000"/>
-                                      </a:solidFill>
-                                      <a:latin typeface="Cambria Math" panose="02040503050406030204" pitchFamily="18" charset="0"/>
-                                    </a:rPr>
-                                    <m:t>𝜀</m:t>
-                                  </m:r>
-                                  <m:r>
-                                    <a:rPr lang="en-US" sz="3200" i="1">
-                                      <a:solidFill>
-                                        <a:srgbClr val="C00000"/>
-                                      </a:solidFill>
-                                      <a:latin typeface="Cambria Math" panose="02040503050406030204" pitchFamily="18" charset="0"/>
-                                    </a:rPr>
-                                    <m:t>𝑆</m:t>
-                                  </m:r>
-                                  <m:d>
-                                    <m:dPr>
-                                      <m:ctrlPr>
-                                        <a:rPr lang="en-US" sz="3200" i="1">
-                                          <a:solidFill>
-                                            <a:srgbClr val="C00000"/>
-                                          </a:solidFill>
-                                          <a:latin typeface="Cambria Math" panose="02040503050406030204" pitchFamily="18" charset="0"/>
-                                        </a:rPr>
-                                      </m:ctrlPr>
-                                    </m:dPr>
-                                    <m:e>
-                                      <m:r>
-                                        <a:rPr lang="en-US" sz="3200" i="1">
-                                          <a:solidFill>
-                                            <a:srgbClr val="C00000"/>
-                                          </a:solidFill>
-                                          <a:latin typeface="Cambria Math" panose="02040503050406030204" pitchFamily="18" charset="0"/>
-                                        </a:rPr>
-                                        <m:t>𝐷</m:t>
-                                      </m:r>
-                                      <m:r>
-                                        <a:rPr lang="en-US" sz="3200" b="0" i="1" smtClean="0">
-                                          <a:solidFill>
-                                            <a:srgbClr val="C00000"/>
-                                          </a:solidFill>
-                                          <a:latin typeface="Cambria Math" panose="02040503050406030204" pitchFamily="18" charset="0"/>
-                                        </a:rPr>
-                                        <m:t>′</m:t>
-                                      </m:r>
-                                      <m:r>
-                                        <a:rPr lang="en-US" sz="3200" i="1">
-                                          <a:solidFill>
-                                            <a:srgbClr val="C00000"/>
-                                          </a:solidFill>
-                                          <a:latin typeface="Cambria Math" panose="02040503050406030204" pitchFamily="18" charset="0"/>
-                                        </a:rPr>
-                                        <m:t>,</m:t>
-                                      </m:r>
-                                      <m:r>
-                                        <a:rPr lang="en-US" sz="3200" i="1">
-                                          <a:solidFill>
-                                            <a:srgbClr val="C00000"/>
-                                          </a:solidFill>
-                                          <a:latin typeface="Cambria Math" panose="02040503050406030204" pitchFamily="18" charset="0"/>
-                                        </a:rPr>
-                                        <m:t>𝑥</m:t>
-                                      </m:r>
-                                    </m:e>
-                                  </m:d>
-                                </m:num>
-                                <m:den>
-                                  <m:r>
-                                    <a:rPr lang="en-US" sz="3200" b="0" i="1" smtClean="0">
-                                      <a:solidFill>
-                                        <a:srgbClr val="C00000"/>
-                                      </a:solidFill>
-                                      <a:latin typeface="Cambria Math" panose="02040503050406030204" pitchFamily="18" charset="0"/>
-                                    </a:rPr>
-                                    <m:t>2</m:t>
-                                  </m:r>
-                                  <m:sSub>
-                                    <m:sSubPr>
-                                      <m:ctrlPr>
-                                        <a:rPr lang="en-US" sz="3200" i="1">
-                                          <a:solidFill>
-                                            <a:srgbClr val="C00000"/>
-                                          </a:solidFill>
-                                          <a:latin typeface="Cambria Math" panose="02040503050406030204" pitchFamily="18" charset="0"/>
-                                        </a:rPr>
-                                      </m:ctrlPr>
-                                    </m:sSubPr>
-                                    <m:e>
-                                      <m:r>
-                                        <a:rPr lang="en-US" sz="3200" i="1">
-                                          <a:solidFill>
-                                            <a:srgbClr val="C00000"/>
-                                          </a:solidFill>
-                                          <a:latin typeface="Cambria Math" panose="02040503050406030204" pitchFamily="18" charset="0"/>
-                                        </a:rPr>
-                                        <m:t>𝜎</m:t>
-                                      </m:r>
-                                    </m:e>
-                                    <m:sub>
-                                      <m:r>
-                                        <a:rPr lang="en-US" sz="3200" i="1">
-                                          <a:solidFill>
-                                            <a:srgbClr val="C00000"/>
-                                          </a:solidFill>
-                                          <a:latin typeface="Cambria Math" panose="02040503050406030204" pitchFamily="18" charset="0"/>
-                                        </a:rPr>
-                                        <m:t>𝑓</m:t>
-                                      </m:r>
-                                    </m:sub>
-                                  </m:sSub>
-                                </m:den>
-                              </m:f>
-                            </m:e>
-                          </m:d>
-                        </m:e>
-                      </m:func>
-                    </m:oMath>
-                  </m:oMathPara>
-                </a14:m>
-                <a:endParaRPr lang="en-US" sz="3200" dirty="0"/>
-              </a:p>
-            </p:txBody>
-          </p:sp>
-        </mc:Choice>
-        <mc:Fallback>
-          <p:sp>
-            <p:nvSpPr>
-              <p:cNvPr id="7" name="TextBox 6">
-                <a:extLst>
-                  <a:ext uri="{FF2B5EF4-FFF2-40B4-BE49-F238E27FC236}">
-                    <a16:creationId xmlns:a16="http://schemas.microsoft.com/office/drawing/2014/main" id="{041AD275-05D3-F5EC-6847-DA8190BF67C1}"/>
-                  </a:ext>
-                </a:extLst>
-              </p:cNvPr>
-              <p:cNvSpPr txBox="1">
-                <a:spLocks noRot="1" noChangeAspect="1" noMove="1" noResize="1" noEditPoints="1" noAdjustHandles="1" noChangeArrowheads="1" noChangeShapeType="1" noTextEdit="1"/>
-              </p:cNvSpPr>
-              <p:nvPr/>
-            </p:nvSpPr>
-            <p:spPr>
-              <a:xfrm>
-                <a:off x="4021885" y="4252961"/>
-                <a:ext cx="7859415" cy="1318502"/>
-              </a:xfrm>
-              <a:prstGeom prst="rect">
-                <a:avLst/>
-              </a:prstGeom>
-              <a:blipFill>
-                <a:blip r:embed="rId5"/>
-                <a:stretch>
-                  <a:fillRect/>
-                </a:stretch>
-              </a:blipFill>
-            </p:spPr>
-            <p:txBody>
-              <a:bodyPr/>
-              <a:lstStyle/>
-              <a:p>
-                <a:r>
-                  <a:rPr lang="en-US">
-                    <a:noFill/>
-                  </a:rPr>
-                  <a:t> </a:t>
-                </a:r>
-              </a:p>
-            </p:txBody>
-          </p:sp>
-        </mc:Fallback>
-      </mc:AlternateContent>
-    </p:spTree>
-    <p:extLst>
-      <p:ext uri="{BB962C8B-B14F-4D97-AF65-F5344CB8AC3E}">
-        <p14:creationId xmlns:p14="http://schemas.microsoft.com/office/powerpoint/2010/main" val="222215528"/>
-      </p:ext>
-    </p:extLst>
-  </p:cSld>
-  <p:clrMapOvr>
-    <a:masterClrMapping/>
-  </p:clrMapOvr>
-</p:sld>
-</file>
-
-<file path=ppt/slides/slide38.xml><?xml version="1.0" encoding="utf-8"?>
-<p:sld xmlns:a="http://schemas.openxmlformats.org/drawingml/2006/main" xmlns:r="http://schemas.openxmlformats.org/officeDocument/2006/relationships" xmlns:p="http://schemas.openxmlformats.org/presentationml/2006/main">
-  <p:cSld>
-    <p:spTree>
-      <p:nvGrpSpPr>
-        <p:cNvPr id="1" name=""/>
-        <p:cNvGrpSpPr/>
-        <p:nvPr/>
-      </p:nvGrpSpPr>
-      <p:grpSpPr>
-        <a:xfrm>
-          <a:off x="0" y="0"/>
-          <a:ext cx="0" cy="0"/>
-          <a:chOff x="0" y="0"/>
-          <a:chExt cx="0" cy="0"/>
-        </a:xfrm>
-      </p:grpSpPr>
-      <p:sp>
-        <p:nvSpPr>
-          <p:cNvPr id="2" name="Title 1">
-            <a:extLst>
-              <a:ext uri="{FF2B5EF4-FFF2-40B4-BE49-F238E27FC236}">
-                <a16:creationId xmlns:a16="http://schemas.microsoft.com/office/drawing/2014/main" id="{B17419AC-DCE6-4371-8DE2-D617E99D653D}"/>
-              </a:ext>
-            </a:extLst>
-          </p:cNvPr>
-          <p:cNvSpPr>
-            <a:spLocks noGrp="1"/>
-          </p:cNvSpPr>
-          <p:nvPr>
-            <p:ph type="title"/>
-          </p:nvPr>
-        </p:nvSpPr>
-        <p:spPr/>
-        <p:txBody>
-          <a:bodyPr/>
-          <a:lstStyle/>
-          <a:p>
-            <a:r>
-              <a:rPr lang="en-US" dirty="0">
-                <a:solidFill>
-                  <a:srgbClr val="C00000"/>
-                </a:solidFill>
-              </a:rPr>
-              <a:t>Exponential Mechanism</a:t>
-            </a:r>
-          </a:p>
-        </p:txBody>
-      </p:sp>
-      <mc:AlternateContent xmlns:mc="http://schemas.openxmlformats.org/markup-compatibility/2006">
-        <mc:Choice xmlns:a14="http://schemas.microsoft.com/office/drawing/2010/main" Requires="a14">
-          <p:sp>
-            <p:nvSpPr>
-              <p:cNvPr id="5" name="Content Placeholder 3">
-                <a:extLst>
-                  <a:ext uri="{FF2B5EF4-FFF2-40B4-BE49-F238E27FC236}">
-                    <a16:creationId xmlns:a16="http://schemas.microsoft.com/office/drawing/2014/main" id="{46EDD9D9-1338-4BC5-9D28-964A84C143C2}"/>
-                  </a:ext>
-                </a:extLst>
-              </p:cNvPr>
-              <p:cNvSpPr>
-                <a:spLocks noGrp="1"/>
-              </p:cNvSpPr>
-              <p:nvPr>
-                <p:ph idx="1"/>
-              </p:nvPr>
-            </p:nvSpPr>
-            <p:spPr>
-              <a:xfrm>
-                <a:off x="838200" y="1825624"/>
-                <a:ext cx="10242755" cy="4342094"/>
-              </a:xfrm>
-            </p:spPr>
-            <p:txBody>
-              <a:bodyPr>
-                <a:noAutofit/>
-              </a:bodyPr>
-              <a:lstStyle/>
-              <a:p>
-                <a:pPr>
-                  <a:buClr>
-                    <a:schemeClr val="tx1"/>
-                  </a:buClr>
-                </a:pPr>
-                <a:r>
-                  <a:rPr lang="en-US" sz="3200" dirty="0"/>
-                  <a:t>Want to show that for any fixed </a:t>
-                </a:r>
-                <a14:m>
-                  <m:oMath xmlns:m="http://schemas.openxmlformats.org/officeDocument/2006/math">
-                    <m:r>
-                      <a:rPr lang="en-US" sz="3200" b="0" i="1" smtClean="0">
-                        <a:solidFill>
-                          <a:srgbClr val="C00000"/>
-                        </a:solidFill>
-                        <a:latin typeface="Cambria Math" panose="02040503050406030204" pitchFamily="18" charset="0"/>
-                      </a:rPr>
-                      <m:t>𝑥</m:t>
-                    </m:r>
-                  </m:oMath>
-                </a14:m>
-                <a:r>
-                  <a:rPr lang="en-US" sz="3200" dirty="0"/>
-                  <a:t>, </a:t>
-                </a:r>
-                <a14:m>
-                  <m:oMath xmlns:m="http://schemas.openxmlformats.org/officeDocument/2006/math">
-                    <m:f>
-                      <m:fPr>
-                        <m:ctrlPr>
-                          <a:rPr lang="en-US" sz="3200" b="0" i="1" smtClean="0">
-                            <a:solidFill>
-                              <a:srgbClr val="C00000"/>
-                            </a:solidFill>
-                            <a:latin typeface="Cambria Math" panose="02040503050406030204" pitchFamily="18" charset="0"/>
-                          </a:rPr>
-                        </m:ctrlPr>
-                      </m:fPr>
-                      <m:num>
-                        <m:r>
-                          <m:rPr>
-                            <m:sty m:val="p"/>
-                          </m:rPr>
-                          <a:rPr lang="en-US" sz="3200" smtClean="0">
-                            <a:solidFill>
-                              <a:srgbClr val="C00000"/>
-                            </a:solidFill>
-                            <a:latin typeface="Cambria Math" panose="02040503050406030204" pitchFamily="18" charset="0"/>
-                          </a:rPr>
-                          <m:t>Pr</m:t>
-                        </m:r>
-                        <m:d>
-                          <m:dPr>
-                            <m:begChr m:val="["/>
-                            <m:endChr m:val="]"/>
-                            <m:ctrlPr>
-                              <a:rPr lang="en-US" sz="3200" i="1">
-                                <a:solidFill>
-                                  <a:srgbClr val="C00000"/>
-                                </a:solidFill>
-                                <a:latin typeface="Cambria Math" panose="02040503050406030204" pitchFamily="18" charset="0"/>
-                              </a:rPr>
-                            </m:ctrlPr>
-                          </m:dPr>
-                          <m:e>
-                            <m:r>
-                              <a:rPr lang="en-US" sz="3200" b="0" i="1" smtClean="0">
-                                <a:solidFill>
-                                  <a:srgbClr val="C00000"/>
-                                </a:solidFill>
-                                <a:latin typeface="Cambria Math" panose="02040503050406030204" pitchFamily="18" charset="0"/>
-                              </a:rPr>
-                              <m:t>𝑦</m:t>
-                            </m:r>
-                            <m:r>
-                              <a:rPr lang="en-US" sz="3200" b="0" i="1" smtClean="0">
-                                <a:solidFill>
-                                  <a:srgbClr val="C00000"/>
-                                </a:solidFill>
-                                <a:latin typeface="Cambria Math" panose="02040503050406030204" pitchFamily="18" charset="0"/>
-                              </a:rPr>
-                              <m:t>=</m:t>
-                            </m:r>
-                            <m:r>
-                              <a:rPr lang="en-US" sz="3200" b="0" i="1" smtClean="0">
-                                <a:solidFill>
-                                  <a:srgbClr val="C00000"/>
-                                </a:solidFill>
-                                <a:latin typeface="Cambria Math" panose="02040503050406030204" pitchFamily="18" charset="0"/>
-                              </a:rPr>
-                              <m:t>𝑥</m:t>
-                            </m:r>
-                          </m:e>
-                        </m:d>
-                      </m:num>
-                      <m:den>
-                        <m:r>
-                          <m:rPr>
-                            <m:sty m:val="p"/>
-                          </m:rPr>
-                          <a:rPr lang="en-US" sz="3200">
-                            <a:solidFill>
-                              <a:srgbClr val="C00000"/>
-                            </a:solidFill>
-                            <a:latin typeface="Cambria Math" panose="02040503050406030204" pitchFamily="18" charset="0"/>
-                          </a:rPr>
-                          <m:t>Pr</m:t>
-                        </m:r>
-                        <m:d>
-                          <m:dPr>
-                            <m:begChr m:val="["/>
-                            <m:endChr m:val="]"/>
-                            <m:ctrlPr>
-                              <a:rPr lang="en-US" sz="3200" i="1">
-                                <a:solidFill>
-                                  <a:srgbClr val="C00000"/>
-                                </a:solidFill>
-                                <a:latin typeface="Cambria Math" panose="02040503050406030204" pitchFamily="18" charset="0"/>
-                              </a:rPr>
-                            </m:ctrlPr>
-                          </m:dPr>
-                          <m:e>
-                            <m:sSup>
-                              <m:sSupPr>
-                                <m:ctrlPr>
-                                  <a:rPr lang="en-US" sz="3200" i="1">
-                                    <a:solidFill>
-                                      <a:srgbClr val="C00000"/>
-                                    </a:solidFill>
-                                    <a:latin typeface="Cambria Math" panose="02040503050406030204" pitchFamily="18" charset="0"/>
-                                  </a:rPr>
-                                </m:ctrlPr>
-                              </m:sSupPr>
-                              <m:e>
-                                <m:r>
-                                  <a:rPr lang="en-US" sz="3200" i="1">
-                                    <a:solidFill>
-                                      <a:srgbClr val="C00000"/>
-                                    </a:solidFill>
-                                    <a:latin typeface="Cambria Math" panose="02040503050406030204" pitchFamily="18" charset="0"/>
-                                  </a:rPr>
-                                  <m:t>𝑦</m:t>
-                                </m:r>
-                              </m:e>
-                              <m:sup>
-                                <m:r>
-                                  <a:rPr lang="en-US" sz="3200" i="1">
-                                    <a:solidFill>
-                                      <a:srgbClr val="C00000"/>
-                                    </a:solidFill>
-                                    <a:latin typeface="Cambria Math" panose="02040503050406030204" pitchFamily="18" charset="0"/>
-                                  </a:rPr>
-                                  <m:t>′</m:t>
-                                </m:r>
-                              </m:sup>
-                            </m:sSup>
-                            <m:r>
-                              <a:rPr lang="en-US" sz="3200" i="1">
-                                <a:solidFill>
-                                  <a:srgbClr val="C00000"/>
-                                </a:solidFill>
-                                <a:latin typeface="Cambria Math" panose="02040503050406030204" pitchFamily="18" charset="0"/>
-                              </a:rPr>
-                              <m:t>=</m:t>
-                            </m:r>
-                            <m:r>
-                              <a:rPr lang="en-US" sz="3200" b="0" i="1" smtClean="0">
-                                <a:solidFill>
-                                  <a:srgbClr val="C00000"/>
-                                </a:solidFill>
-                                <a:latin typeface="Cambria Math" panose="02040503050406030204" pitchFamily="18" charset="0"/>
-                              </a:rPr>
-                              <m:t>𝑥</m:t>
-                            </m:r>
-                          </m:e>
-                        </m:d>
-                      </m:den>
-                    </m:f>
-                    <m:r>
-                      <a:rPr lang="en-US" sz="3200" i="1">
-                        <a:solidFill>
-                          <a:srgbClr val="C00000"/>
-                        </a:solidFill>
-                        <a:latin typeface="Cambria Math" panose="02040503050406030204" pitchFamily="18" charset="0"/>
-                      </a:rPr>
-                      <m:t>≤</m:t>
-                    </m:r>
-                    <m:sSup>
-                      <m:sSupPr>
-                        <m:ctrlPr>
-                          <a:rPr lang="en-US" sz="3200" i="1">
-                            <a:solidFill>
-                              <a:srgbClr val="C00000"/>
-                            </a:solidFill>
-                            <a:latin typeface="Cambria Math" panose="02040503050406030204" pitchFamily="18" charset="0"/>
-                          </a:rPr>
-                        </m:ctrlPr>
-                      </m:sSupPr>
-                      <m:e>
-                        <m:r>
-                          <a:rPr lang="en-US" sz="3200" i="1">
-                            <a:solidFill>
-                              <a:srgbClr val="C00000"/>
-                            </a:solidFill>
-                            <a:latin typeface="Cambria Math" panose="02040503050406030204" pitchFamily="18" charset="0"/>
-                          </a:rPr>
-                          <m:t>𝑒</m:t>
-                        </m:r>
-                      </m:e>
-                      <m:sup>
-                        <m:r>
-                          <a:rPr lang="en-US" sz="3200" i="1">
-                            <a:solidFill>
-                              <a:srgbClr val="C00000"/>
-                            </a:solidFill>
-                            <a:latin typeface="Cambria Math" panose="02040503050406030204" pitchFamily="18" charset="0"/>
-                          </a:rPr>
-                          <m:t>𝜀</m:t>
-                        </m:r>
-                      </m:sup>
-                    </m:sSup>
-                  </m:oMath>
-                </a14:m>
-                <a:endParaRPr lang="en-US" sz="3200" dirty="0"/>
-              </a:p>
-            </p:txBody>
-          </p:sp>
-        </mc:Choice>
-        <mc:Fallback>
-          <p:sp>
-            <p:nvSpPr>
-              <p:cNvPr id="5" name="Content Placeholder 3">
-                <a:extLst>
-                  <a:ext uri="{FF2B5EF4-FFF2-40B4-BE49-F238E27FC236}">
-                    <a16:creationId xmlns:a16="http://schemas.microsoft.com/office/drawing/2014/main" id="{46EDD9D9-1338-4BC5-9D28-964A84C143C2}"/>
-                  </a:ext>
-                </a:extLst>
-              </p:cNvPr>
-              <p:cNvSpPr>
-                <a:spLocks noGrp="1" noRot="1" noChangeAspect="1" noMove="1" noResize="1" noEditPoints="1" noAdjustHandles="1" noChangeArrowheads="1" noChangeShapeType="1" noTextEdit="1"/>
-              </p:cNvSpPr>
-              <p:nvPr>
-                <p:ph idx="1"/>
-              </p:nvPr>
-            </p:nvSpPr>
-            <p:spPr>
-              <a:xfrm>
-                <a:off x="838200" y="1825624"/>
-                <a:ext cx="10242755" cy="4342094"/>
-              </a:xfrm>
-              <a:blipFill>
-                <a:blip r:embed="rId3"/>
-                <a:stretch>
-                  <a:fillRect l="-1369"/>
-                </a:stretch>
-              </a:blipFill>
-            </p:spPr>
-            <p:txBody>
-              <a:bodyPr/>
-              <a:lstStyle/>
-              <a:p>
-                <a:r>
-                  <a:rPr lang="en-US">
-                    <a:noFill/>
-                  </a:rPr>
-                  <a:t> </a:t>
-                </a:r>
-              </a:p>
-            </p:txBody>
-          </p:sp>
-        </mc:Fallback>
-      </mc:AlternateContent>
-      <mc:AlternateContent xmlns:mc="http://schemas.openxmlformats.org/markup-compatibility/2006">
-        <mc:Choice xmlns:a14="http://schemas.microsoft.com/office/drawing/2010/main" Requires="a14">
-          <p:sp>
-            <p:nvSpPr>
-              <p:cNvPr id="4" name="TextBox 3">
-                <a:extLst>
-                  <a:ext uri="{FF2B5EF4-FFF2-40B4-BE49-F238E27FC236}">
-                    <a16:creationId xmlns:a16="http://schemas.microsoft.com/office/drawing/2014/main" id="{D13DFA2B-F30F-BE92-BEA4-C706B10F7EBD}"/>
-                  </a:ext>
-                </a:extLst>
-              </p:cNvPr>
-              <p:cNvSpPr txBox="1"/>
-              <p:nvPr/>
-            </p:nvSpPr>
-            <p:spPr>
-              <a:xfrm>
-                <a:off x="1486636" y="2909629"/>
-                <a:ext cx="4371423" cy="1133131"/>
-              </a:xfrm>
-              <a:prstGeom prst="rect">
-                <a:avLst/>
-              </a:prstGeom>
-              <a:noFill/>
-            </p:spPr>
-            <p:txBody>
-              <a:bodyPr wrap="square">
-                <a:spAutoFit/>
-              </a:bodyPr>
-              <a:lstStyle/>
-              <a:p>
-                <a:pPr/>
-                <a14:m>
-                  <m:oMathPara xmlns:m="http://schemas.openxmlformats.org/officeDocument/2006/math">
-                    <m:oMathParaPr>
-                      <m:jc m:val="centerGroup"/>
-                    </m:oMathParaPr>
-                    <m:oMath xmlns:m="http://schemas.openxmlformats.org/officeDocument/2006/math">
-                      <m:f>
-                        <m:fPr>
-                          <m:ctrlPr>
-                            <a:rPr lang="en-US" sz="3200" b="0" i="1" smtClean="0">
-                              <a:solidFill>
-                                <a:srgbClr val="C00000"/>
-                              </a:solidFill>
-                              <a:latin typeface="Cambria Math" panose="02040503050406030204" pitchFamily="18" charset="0"/>
-                            </a:rPr>
-                          </m:ctrlPr>
-                        </m:fPr>
-                        <m:num>
-                          <m:r>
-                            <m:rPr>
-                              <m:sty m:val="p"/>
-                            </m:rPr>
-                            <a:rPr lang="en-US" sz="3200" smtClean="0">
-                              <a:solidFill>
-                                <a:srgbClr val="C00000"/>
-                              </a:solidFill>
-                              <a:latin typeface="Cambria Math" panose="02040503050406030204" pitchFamily="18" charset="0"/>
-                            </a:rPr>
-                            <m:t>Pr</m:t>
-                          </m:r>
-                          <m:d>
-                            <m:dPr>
-                              <m:begChr m:val="["/>
-                              <m:endChr m:val="]"/>
-                              <m:ctrlPr>
-                                <a:rPr lang="en-US" sz="3200" i="1">
-                                  <a:solidFill>
-                                    <a:srgbClr val="C00000"/>
-                                  </a:solidFill>
-                                  <a:latin typeface="Cambria Math" panose="02040503050406030204" pitchFamily="18" charset="0"/>
-                                </a:rPr>
-                              </m:ctrlPr>
-                            </m:dPr>
-                            <m:e>
-                              <m:r>
-                                <a:rPr lang="en-US" sz="3200" b="0" i="1" smtClean="0">
-                                  <a:solidFill>
-                                    <a:srgbClr val="C00000"/>
-                                  </a:solidFill>
-                                  <a:latin typeface="Cambria Math" panose="02040503050406030204" pitchFamily="18" charset="0"/>
-                                </a:rPr>
-                                <m:t>𝑦</m:t>
-                              </m:r>
-                              <m:r>
-                                <a:rPr lang="en-US" sz="3200" b="0" i="1" smtClean="0">
-                                  <a:solidFill>
-                                    <a:srgbClr val="C00000"/>
-                                  </a:solidFill>
-                                  <a:latin typeface="Cambria Math" panose="02040503050406030204" pitchFamily="18" charset="0"/>
-                                </a:rPr>
-                                <m:t>=</m:t>
-                              </m:r>
-                              <m:r>
-                                <a:rPr lang="en-US" sz="3200" b="0" i="1" smtClean="0">
-                                  <a:solidFill>
-                                    <a:srgbClr val="C00000"/>
-                                  </a:solidFill>
-                                  <a:latin typeface="Cambria Math" panose="02040503050406030204" pitchFamily="18" charset="0"/>
-                                </a:rPr>
-                                <m:t>𝑥</m:t>
-                              </m:r>
-                            </m:e>
-                          </m:d>
-                        </m:num>
-                        <m:den>
-                          <m:r>
-                            <m:rPr>
-                              <m:sty m:val="p"/>
-                            </m:rPr>
-                            <a:rPr lang="en-US" sz="3200">
-                              <a:solidFill>
-                                <a:srgbClr val="C00000"/>
-                              </a:solidFill>
-                              <a:latin typeface="Cambria Math" panose="02040503050406030204" pitchFamily="18" charset="0"/>
-                            </a:rPr>
-                            <m:t>Pr</m:t>
-                          </m:r>
-                          <m:d>
-                            <m:dPr>
-                              <m:begChr m:val="["/>
-                              <m:endChr m:val="]"/>
-                              <m:ctrlPr>
-                                <a:rPr lang="en-US" sz="3200" i="1">
-                                  <a:solidFill>
-                                    <a:srgbClr val="C00000"/>
-                                  </a:solidFill>
-                                  <a:latin typeface="Cambria Math" panose="02040503050406030204" pitchFamily="18" charset="0"/>
-                                </a:rPr>
-                              </m:ctrlPr>
-                            </m:dPr>
-                            <m:e>
-                              <m:sSup>
-                                <m:sSupPr>
-                                  <m:ctrlPr>
-                                    <a:rPr lang="en-US" sz="3200" i="1">
-                                      <a:solidFill>
-                                        <a:srgbClr val="C00000"/>
-                                      </a:solidFill>
-                                      <a:latin typeface="Cambria Math" panose="02040503050406030204" pitchFamily="18" charset="0"/>
-                                    </a:rPr>
-                                  </m:ctrlPr>
-                                </m:sSupPr>
-                                <m:e>
-                                  <m:r>
-                                    <a:rPr lang="en-US" sz="3200" i="1">
-                                      <a:solidFill>
-                                        <a:srgbClr val="C00000"/>
-                                      </a:solidFill>
-                                      <a:latin typeface="Cambria Math" panose="02040503050406030204" pitchFamily="18" charset="0"/>
-                                    </a:rPr>
-                                    <m:t>𝑦</m:t>
-                                  </m:r>
-                                </m:e>
-                                <m:sup>
-                                  <m:r>
-                                    <a:rPr lang="en-US" sz="3200" i="1">
-                                      <a:solidFill>
-                                        <a:srgbClr val="C00000"/>
-                                      </a:solidFill>
-                                      <a:latin typeface="Cambria Math" panose="02040503050406030204" pitchFamily="18" charset="0"/>
-                                    </a:rPr>
-                                    <m:t>′</m:t>
-                                  </m:r>
-                                </m:sup>
-                              </m:sSup>
-                              <m:r>
-                                <a:rPr lang="en-US" sz="3200" i="1">
-                                  <a:solidFill>
-                                    <a:srgbClr val="C00000"/>
-                                  </a:solidFill>
-                                  <a:latin typeface="Cambria Math" panose="02040503050406030204" pitchFamily="18" charset="0"/>
-                                </a:rPr>
-                                <m:t>=</m:t>
-                              </m:r>
-                              <m:r>
-                                <a:rPr lang="en-US" sz="3200" b="0" i="1" smtClean="0">
-                                  <a:solidFill>
-                                    <a:srgbClr val="C00000"/>
-                                  </a:solidFill>
-                                  <a:latin typeface="Cambria Math" panose="02040503050406030204" pitchFamily="18" charset="0"/>
-                                </a:rPr>
-                                <m:t>𝑥</m:t>
-                              </m:r>
-                            </m:e>
-                          </m:d>
-                        </m:den>
-                      </m:f>
-                      <m:r>
-                        <a:rPr lang="en-US" sz="3200" b="0" i="1" smtClean="0">
-                          <a:solidFill>
-                            <a:srgbClr val="C00000"/>
-                          </a:solidFill>
-                          <a:latin typeface="Cambria Math" panose="02040503050406030204" pitchFamily="18" charset="0"/>
-                        </a:rPr>
-                        <m:t>≤</m:t>
-                      </m:r>
-                      <m:func>
-                        <m:funcPr>
-                          <m:ctrlPr>
-                            <a:rPr lang="en-US" sz="3200" b="0" i="1" smtClean="0">
-                              <a:solidFill>
-                                <a:srgbClr val="C00000"/>
-                              </a:solidFill>
-                              <a:latin typeface="Cambria Math" panose="02040503050406030204" pitchFamily="18" charset="0"/>
-                            </a:rPr>
-                          </m:ctrlPr>
-                        </m:funcPr>
-                        <m:fName>
-                          <m:r>
-                            <m:rPr>
-                              <m:sty m:val="p"/>
-                            </m:rPr>
-                            <a:rPr lang="en-US" sz="3200" b="0" i="0" smtClean="0">
-                              <a:solidFill>
-                                <a:srgbClr val="C00000"/>
-                              </a:solidFill>
-                              <a:latin typeface="Cambria Math" panose="02040503050406030204" pitchFamily="18" charset="0"/>
-                            </a:rPr>
-                            <m:t>exp</m:t>
-                          </m:r>
-                        </m:fName>
-                        <m:e>
-                          <m:d>
-                            <m:dPr>
-                              <m:ctrlPr>
-                                <a:rPr lang="en-US" sz="3200" b="0" i="1" smtClean="0">
-                                  <a:solidFill>
-                                    <a:srgbClr val="C00000"/>
-                                  </a:solidFill>
-                                  <a:latin typeface="Cambria Math" panose="02040503050406030204" pitchFamily="18" charset="0"/>
-                                </a:rPr>
-                              </m:ctrlPr>
-                            </m:dPr>
-                            <m:e>
-                              <m:f>
-                                <m:fPr>
-                                  <m:ctrlPr>
-                                    <a:rPr lang="en-US" sz="3200" i="1">
-                                      <a:solidFill>
-                                        <a:srgbClr val="C00000"/>
-                                      </a:solidFill>
-                                      <a:latin typeface="Cambria Math" panose="02040503050406030204" pitchFamily="18" charset="0"/>
-                                    </a:rPr>
-                                  </m:ctrlPr>
-                                </m:fPr>
-                                <m:num>
-                                  <m:r>
-                                    <a:rPr lang="en-US" sz="3200" i="1">
-                                      <a:solidFill>
-                                        <a:srgbClr val="C00000"/>
-                                      </a:solidFill>
-                                      <a:latin typeface="Cambria Math" panose="02040503050406030204" pitchFamily="18" charset="0"/>
-                                    </a:rPr>
-                                    <m:t>𝜀</m:t>
-                                  </m:r>
-                                </m:num>
-                                <m:den>
-                                  <m:r>
-                                    <a:rPr lang="en-US" sz="3200" b="0" i="1" smtClean="0">
-                                      <a:solidFill>
-                                        <a:srgbClr val="C00000"/>
-                                      </a:solidFill>
-                                      <a:latin typeface="Cambria Math" panose="02040503050406030204" pitchFamily="18" charset="0"/>
-                                    </a:rPr>
-                                    <m:t>2</m:t>
-                                  </m:r>
-                                </m:den>
-                              </m:f>
-                            </m:e>
-                          </m:d>
-                        </m:e>
-                      </m:func>
-                    </m:oMath>
-                  </m:oMathPara>
-                </a14:m>
-                <a:endParaRPr lang="en-US" sz="3200" dirty="0"/>
-              </a:p>
-            </p:txBody>
-          </p:sp>
-        </mc:Choice>
-        <mc:Fallback>
-          <p:sp>
-            <p:nvSpPr>
-              <p:cNvPr id="4" name="TextBox 3">
-                <a:extLst>
-                  <a:ext uri="{FF2B5EF4-FFF2-40B4-BE49-F238E27FC236}">
-                    <a16:creationId xmlns:a16="http://schemas.microsoft.com/office/drawing/2014/main" id="{D13DFA2B-F30F-BE92-BEA4-C706B10F7EBD}"/>
-                  </a:ext>
-                </a:extLst>
-              </p:cNvPr>
-              <p:cNvSpPr txBox="1">
-                <a:spLocks noRot="1" noChangeAspect="1" noMove="1" noResize="1" noEditPoints="1" noAdjustHandles="1" noChangeArrowheads="1" noChangeShapeType="1" noTextEdit="1"/>
-              </p:cNvSpPr>
-              <p:nvPr/>
-            </p:nvSpPr>
-            <p:spPr>
-              <a:xfrm>
-                <a:off x="1486636" y="2909629"/>
-                <a:ext cx="4371423" cy="1133131"/>
-              </a:xfrm>
-              <a:prstGeom prst="rect">
-                <a:avLst/>
-              </a:prstGeom>
-              <a:blipFill>
-                <a:blip r:embed="rId4"/>
-                <a:stretch>
-                  <a:fillRect/>
-                </a:stretch>
-              </a:blipFill>
-            </p:spPr>
-            <p:txBody>
-              <a:bodyPr/>
-              <a:lstStyle/>
-              <a:p>
-                <a:r>
-                  <a:rPr lang="en-US">
-                    <a:noFill/>
-                  </a:rPr>
-                  <a:t> </a:t>
-                </a:r>
-              </a:p>
-            </p:txBody>
-          </p:sp>
-        </mc:Fallback>
-      </mc:AlternateContent>
-      <mc:AlternateContent xmlns:mc="http://schemas.openxmlformats.org/markup-compatibility/2006">
-        <mc:Choice xmlns:a14="http://schemas.microsoft.com/office/drawing/2010/main" Requires="a14">
-          <p:sp>
-            <p:nvSpPr>
-              <p:cNvPr id="7" name="TextBox 6">
-                <a:extLst>
-                  <a:ext uri="{FF2B5EF4-FFF2-40B4-BE49-F238E27FC236}">
-                    <a16:creationId xmlns:a16="http://schemas.microsoft.com/office/drawing/2014/main" id="{041AD275-05D3-F5EC-6847-DA8190BF67C1}"/>
-                  </a:ext>
-                </a:extLst>
-              </p:cNvPr>
-              <p:cNvSpPr txBox="1"/>
-              <p:nvPr/>
-            </p:nvSpPr>
-            <p:spPr>
-              <a:xfrm>
-                <a:off x="3468822" y="4264760"/>
-                <a:ext cx="8353486" cy="1318502"/>
-              </a:xfrm>
-              <a:prstGeom prst="rect">
-                <a:avLst/>
-              </a:prstGeom>
-              <a:noFill/>
-            </p:spPr>
-            <p:txBody>
-              <a:bodyPr wrap="square">
-                <a:spAutoFit/>
-              </a:bodyPr>
-              <a:lstStyle/>
-              <a:p>
-                <a:pPr/>
-                <a14:m>
-                  <m:oMathPara xmlns:m="http://schemas.openxmlformats.org/officeDocument/2006/math">
-                    <m:oMathParaPr>
-                      <m:jc m:val="centerGroup"/>
-                    </m:oMathParaPr>
-                    <m:oMath xmlns:m="http://schemas.openxmlformats.org/officeDocument/2006/math">
-                      <m:r>
-                        <a:rPr lang="en-US" sz="3200" b="0" i="1" smtClean="0">
-                          <a:solidFill>
-                            <a:srgbClr val="C00000"/>
-                          </a:solidFill>
-                          <a:latin typeface="Cambria Math" panose="02040503050406030204" pitchFamily="18" charset="0"/>
-                        </a:rPr>
-                        <m:t>⋅</m:t>
-                      </m:r>
-                      <m:func>
-                        <m:funcPr>
-                          <m:ctrlPr>
-                            <a:rPr lang="en-US" sz="3200" i="1">
-                              <a:solidFill>
-                                <a:srgbClr val="C00000"/>
-                              </a:solidFill>
-                              <a:latin typeface="Cambria Math" panose="02040503050406030204" pitchFamily="18" charset="0"/>
-                            </a:rPr>
-                          </m:ctrlPr>
-                        </m:funcPr>
-                        <m:fName>
-                          <m:r>
-                            <m:rPr>
-                              <m:sty m:val="p"/>
-                            </m:rPr>
-                            <a:rPr lang="en-US" sz="3200">
-                              <a:solidFill>
-                                <a:srgbClr val="C00000"/>
-                              </a:solidFill>
-                              <a:latin typeface="Cambria Math" panose="02040503050406030204" pitchFamily="18" charset="0"/>
-                            </a:rPr>
-                            <m:t>exp</m:t>
-                          </m:r>
-                        </m:fName>
-                        <m:e>
-                          <m:d>
-                            <m:dPr>
-                              <m:ctrlPr>
-                                <a:rPr lang="en-US" sz="3200" i="1">
-                                  <a:solidFill>
-                                    <a:srgbClr val="C00000"/>
-                                  </a:solidFill>
-                                  <a:latin typeface="Cambria Math" panose="02040503050406030204" pitchFamily="18" charset="0"/>
-                                </a:rPr>
-                              </m:ctrlPr>
-                            </m:dPr>
-                            <m:e>
-                              <m:f>
-                                <m:fPr>
-                                  <m:ctrlPr>
-                                    <a:rPr lang="en-US" sz="3200" i="1">
-                                      <a:solidFill>
-                                        <a:srgbClr val="C00000"/>
-                                      </a:solidFill>
-                                      <a:latin typeface="Cambria Math" panose="02040503050406030204" pitchFamily="18" charset="0"/>
-                                    </a:rPr>
-                                  </m:ctrlPr>
-                                </m:fPr>
-                                <m:num>
-                                  <m:r>
-                                    <a:rPr lang="en-US" sz="3200" i="1">
-                                      <a:solidFill>
-                                        <a:srgbClr val="C00000"/>
-                                      </a:solidFill>
-                                      <a:latin typeface="Cambria Math" panose="02040503050406030204" pitchFamily="18" charset="0"/>
-                                    </a:rPr>
-                                    <m:t>𝜀</m:t>
-                                  </m:r>
-                                </m:num>
-                                <m:den>
-                                  <m:r>
-                                    <a:rPr lang="en-US" sz="3200" i="1">
-                                      <a:solidFill>
-                                        <a:srgbClr val="C00000"/>
-                                      </a:solidFill>
-                                      <a:latin typeface="Cambria Math" panose="02040503050406030204" pitchFamily="18" charset="0"/>
-                                    </a:rPr>
-                                    <m:t>2</m:t>
-                                  </m:r>
-                                </m:den>
-                              </m:f>
-                            </m:e>
-                          </m:d>
-                        </m:e>
-                      </m:func>
-                      <m:nary>
-                        <m:naryPr>
-                          <m:chr m:val="∑"/>
-                          <m:supHide m:val="on"/>
-                          <m:ctrlPr>
-                            <a:rPr lang="en-US" sz="3200" i="1">
-                              <a:solidFill>
-                                <a:srgbClr val="C00000"/>
-                              </a:solidFill>
-                              <a:latin typeface="Cambria Math" panose="02040503050406030204" pitchFamily="18" charset="0"/>
-                            </a:rPr>
-                          </m:ctrlPr>
-                        </m:naryPr>
-                        <m:sub>
-                          <m:r>
-                            <a:rPr lang="en-US" sz="3200" i="1">
-                              <a:solidFill>
-                                <a:srgbClr val="C00000"/>
-                              </a:solidFill>
-                              <a:latin typeface="Cambria Math" panose="02040503050406030204" pitchFamily="18" charset="0"/>
-                            </a:rPr>
-                            <m:t>𝑥</m:t>
-                          </m:r>
-                        </m:sub>
-                        <m:sup/>
-                        <m:e>
-                          <m:func>
-                            <m:funcPr>
-                              <m:ctrlPr>
-                                <a:rPr lang="en-US" sz="3200" i="1">
-                                  <a:solidFill>
-                                    <a:srgbClr val="C00000"/>
-                                  </a:solidFill>
-                                  <a:latin typeface="Cambria Math" panose="02040503050406030204" pitchFamily="18" charset="0"/>
-                                </a:rPr>
-                              </m:ctrlPr>
-                            </m:funcPr>
-                            <m:fName>
-                              <m:r>
-                                <m:rPr>
-                                  <m:sty m:val="p"/>
-                                </m:rPr>
-                                <a:rPr lang="en-US" sz="3200">
-                                  <a:solidFill>
-                                    <a:srgbClr val="C00000"/>
-                                  </a:solidFill>
-                                  <a:latin typeface="Cambria Math" panose="02040503050406030204" pitchFamily="18" charset="0"/>
-                                </a:rPr>
-                                <m:t>exp</m:t>
-                              </m:r>
-                            </m:fName>
-                            <m:e>
-                              <m:d>
-                                <m:dPr>
-                                  <m:ctrlPr>
-                                    <a:rPr lang="en-US" sz="3200" i="1">
-                                      <a:solidFill>
-                                        <a:srgbClr val="C00000"/>
-                                      </a:solidFill>
-                                      <a:latin typeface="Cambria Math" panose="02040503050406030204" pitchFamily="18" charset="0"/>
-                                    </a:rPr>
-                                  </m:ctrlPr>
-                                </m:dPr>
-                                <m:e>
-                                  <m:f>
-                                    <m:fPr>
-                                      <m:ctrlPr>
-                                        <a:rPr lang="en-US" sz="3200" i="1">
-                                          <a:solidFill>
-                                            <a:srgbClr val="C00000"/>
-                                          </a:solidFill>
-                                          <a:latin typeface="Cambria Math" panose="02040503050406030204" pitchFamily="18" charset="0"/>
-                                        </a:rPr>
-                                      </m:ctrlPr>
-                                    </m:fPr>
-                                    <m:num>
-                                      <m:r>
-                                        <a:rPr lang="en-US" sz="3200" i="1">
-                                          <a:solidFill>
-                                            <a:srgbClr val="C00000"/>
-                                          </a:solidFill>
-                                          <a:latin typeface="Cambria Math" panose="02040503050406030204" pitchFamily="18" charset="0"/>
-                                        </a:rPr>
-                                        <m:t>𝜀</m:t>
-                                      </m:r>
-                                      <m:r>
-                                        <a:rPr lang="en-US" sz="3200" i="1">
-                                          <a:solidFill>
-                                            <a:srgbClr val="C00000"/>
-                                          </a:solidFill>
-                                          <a:latin typeface="Cambria Math" panose="02040503050406030204" pitchFamily="18" charset="0"/>
-                                        </a:rPr>
-                                        <m:t>𝑆</m:t>
-                                      </m:r>
-                                      <m:d>
-                                        <m:dPr>
-                                          <m:ctrlPr>
-                                            <a:rPr lang="en-US" sz="3200" i="1">
-                                              <a:solidFill>
-                                                <a:srgbClr val="C00000"/>
-                                              </a:solidFill>
-                                              <a:latin typeface="Cambria Math" panose="02040503050406030204" pitchFamily="18" charset="0"/>
-                                            </a:rPr>
-                                          </m:ctrlPr>
-                                        </m:dPr>
-                                        <m:e>
-                                          <m:r>
-                                            <a:rPr lang="en-US" sz="3200" i="1">
-                                              <a:solidFill>
-                                                <a:srgbClr val="C00000"/>
-                                              </a:solidFill>
-                                              <a:latin typeface="Cambria Math" panose="02040503050406030204" pitchFamily="18" charset="0"/>
-                                            </a:rPr>
-                                            <m:t>𝐷</m:t>
-                                          </m:r>
-                                          <m:r>
-                                            <a:rPr lang="en-US" sz="3200" i="1">
-                                              <a:solidFill>
-                                                <a:srgbClr val="C00000"/>
-                                              </a:solidFill>
-                                              <a:latin typeface="Cambria Math" panose="02040503050406030204" pitchFamily="18" charset="0"/>
-                                            </a:rPr>
-                                            <m:t>,</m:t>
-                                          </m:r>
-                                          <m:r>
-                                            <a:rPr lang="en-US" sz="3200" i="1">
-                                              <a:solidFill>
-                                                <a:srgbClr val="C00000"/>
-                                              </a:solidFill>
-                                              <a:latin typeface="Cambria Math" panose="02040503050406030204" pitchFamily="18" charset="0"/>
-                                            </a:rPr>
-                                            <m:t>𝑥</m:t>
-                                          </m:r>
-                                        </m:e>
-                                      </m:d>
-                                    </m:num>
-                                    <m:den>
-                                      <m:r>
-                                        <a:rPr lang="en-US" sz="3200" i="1">
-                                          <a:solidFill>
-                                            <a:srgbClr val="C00000"/>
-                                          </a:solidFill>
-                                          <a:latin typeface="Cambria Math" panose="02040503050406030204" pitchFamily="18" charset="0"/>
-                                        </a:rPr>
-                                        <m:t>2</m:t>
-                                      </m:r>
-                                      <m:sSub>
-                                        <m:sSubPr>
-                                          <m:ctrlPr>
-                                            <a:rPr lang="en-US" sz="3200" i="1">
-                                              <a:solidFill>
-                                                <a:srgbClr val="C00000"/>
-                                              </a:solidFill>
-                                              <a:latin typeface="Cambria Math" panose="02040503050406030204" pitchFamily="18" charset="0"/>
-                                            </a:rPr>
-                                          </m:ctrlPr>
-                                        </m:sSubPr>
-                                        <m:e>
-                                          <m:r>
-                                            <a:rPr lang="en-US" sz="3200" i="1">
-                                              <a:solidFill>
-                                                <a:srgbClr val="C00000"/>
-                                              </a:solidFill>
-                                              <a:latin typeface="Cambria Math" panose="02040503050406030204" pitchFamily="18" charset="0"/>
-                                            </a:rPr>
-                                            <m:t>𝜎</m:t>
-                                          </m:r>
-                                        </m:e>
-                                        <m:sub>
-                                          <m:r>
-                                            <a:rPr lang="en-US" sz="3200" i="1">
-                                              <a:solidFill>
-                                                <a:srgbClr val="C00000"/>
-                                              </a:solidFill>
-                                              <a:latin typeface="Cambria Math" panose="02040503050406030204" pitchFamily="18" charset="0"/>
-                                            </a:rPr>
-                                            <m:t>𝑓</m:t>
-                                          </m:r>
-                                        </m:sub>
-                                      </m:sSub>
-                                    </m:den>
-                                  </m:f>
-                                </m:e>
-                              </m:d>
-                            </m:e>
-                          </m:func>
-                        </m:e>
-                      </m:nary>
-                      <m:r>
-                        <a:rPr lang="en-US" sz="3200" b="0" i="1" smtClean="0">
-                          <a:solidFill>
-                            <a:srgbClr val="C00000"/>
-                          </a:solidFill>
-                          <a:latin typeface="Cambria Math" panose="02040503050406030204" pitchFamily="18" charset="0"/>
-                        </a:rPr>
-                        <m:t>/</m:t>
-                      </m:r>
-                      <m:func>
-                        <m:funcPr>
-                          <m:ctrlPr>
-                            <a:rPr lang="en-US" sz="3200" b="0" i="1" smtClean="0">
-                              <a:solidFill>
-                                <a:srgbClr val="C00000"/>
-                              </a:solidFill>
-                              <a:latin typeface="Cambria Math" panose="02040503050406030204" pitchFamily="18" charset="0"/>
-                            </a:rPr>
-                          </m:ctrlPr>
-                        </m:funcPr>
-                        <m:fName>
-                          <m:r>
-                            <m:rPr>
-                              <m:sty m:val="p"/>
-                            </m:rPr>
-                            <a:rPr lang="en-US" sz="3200" b="0" i="0" smtClean="0">
-                              <a:solidFill>
-                                <a:srgbClr val="C00000"/>
-                              </a:solidFill>
-                              <a:latin typeface="Cambria Math" panose="02040503050406030204" pitchFamily="18" charset="0"/>
-                            </a:rPr>
-                            <m:t>exp</m:t>
-                          </m:r>
-                        </m:fName>
-                        <m:e>
-                          <m:d>
-                            <m:dPr>
-                              <m:ctrlPr>
-                                <a:rPr lang="en-US" sz="3200" b="0" i="1" smtClean="0">
-                                  <a:solidFill>
-                                    <a:srgbClr val="C00000"/>
-                                  </a:solidFill>
-                                  <a:latin typeface="Cambria Math" panose="02040503050406030204" pitchFamily="18" charset="0"/>
-                                </a:rPr>
-                              </m:ctrlPr>
-                            </m:dPr>
-                            <m:e>
-                              <m:f>
-                                <m:fPr>
-                                  <m:ctrlPr>
-                                    <a:rPr lang="en-US" sz="3200" i="1">
-                                      <a:solidFill>
-                                        <a:srgbClr val="C00000"/>
-                                      </a:solidFill>
-                                      <a:latin typeface="Cambria Math" panose="02040503050406030204" pitchFamily="18" charset="0"/>
-                                    </a:rPr>
-                                  </m:ctrlPr>
-                                </m:fPr>
-                                <m:num>
-                                  <m:r>
-                                    <a:rPr lang="en-US" sz="3200" i="1">
-                                      <a:solidFill>
-                                        <a:srgbClr val="C00000"/>
-                                      </a:solidFill>
-                                      <a:latin typeface="Cambria Math" panose="02040503050406030204" pitchFamily="18" charset="0"/>
-                                    </a:rPr>
-                                    <m:t>𝜀</m:t>
-                                  </m:r>
-                                  <m:r>
-                                    <a:rPr lang="en-US" sz="3200" i="1">
-                                      <a:solidFill>
-                                        <a:srgbClr val="C00000"/>
-                                      </a:solidFill>
-                                      <a:latin typeface="Cambria Math" panose="02040503050406030204" pitchFamily="18" charset="0"/>
-                                    </a:rPr>
-                                    <m:t>𝑆</m:t>
-                                  </m:r>
-                                  <m:d>
-                                    <m:dPr>
-                                      <m:ctrlPr>
-                                        <a:rPr lang="en-US" sz="3200" i="1">
-                                          <a:solidFill>
-                                            <a:srgbClr val="C00000"/>
-                                          </a:solidFill>
-                                          <a:latin typeface="Cambria Math" panose="02040503050406030204" pitchFamily="18" charset="0"/>
-                                        </a:rPr>
-                                      </m:ctrlPr>
-                                    </m:dPr>
-                                    <m:e>
-                                      <m:r>
-                                        <a:rPr lang="en-US" sz="3200" i="1">
-                                          <a:solidFill>
-                                            <a:srgbClr val="C00000"/>
-                                          </a:solidFill>
-                                          <a:latin typeface="Cambria Math" panose="02040503050406030204" pitchFamily="18" charset="0"/>
-                                        </a:rPr>
-                                        <m:t>𝐷</m:t>
-                                      </m:r>
-                                      <m:r>
-                                        <a:rPr lang="en-US" sz="3200" i="1">
-                                          <a:solidFill>
-                                            <a:srgbClr val="C00000"/>
-                                          </a:solidFill>
-                                          <a:latin typeface="Cambria Math" panose="02040503050406030204" pitchFamily="18" charset="0"/>
-                                        </a:rPr>
-                                        <m:t>,</m:t>
-                                      </m:r>
-                                      <m:r>
-                                        <a:rPr lang="en-US" sz="3200" i="1">
-                                          <a:solidFill>
-                                            <a:srgbClr val="C00000"/>
-                                          </a:solidFill>
-                                          <a:latin typeface="Cambria Math" panose="02040503050406030204" pitchFamily="18" charset="0"/>
-                                        </a:rPr>
-                                        <m:t>𝑥</m:t>
-                                      </m:r>
-                                    </m:e>
-                                  </m:d>
-                                </m:num>
-                                <m:den>
-                                  <m:r>
-                                    <a:rPr lang="en-US" sz="3200" b="0" i="1" smtClean="0">
-                                      <a:solidFill>
-                                        <a:srgbClr val="C00000"/>
-                                      </a:solidFill>
-                                      <a:latin typeface="Cambria Math" panose="02040503050406030204" pitchFamily="18" charset="0"/>
-                                    </a:rPr>
-                                    <m:t>2</m:t>
-                                  </m:r>
-                                  <m:sSub>
-                                    <m:sSubPr>
-                                      <m:ctrlPr>
-                                        <a:rPr lang="en-US" sz="3200" i="1">
-                                          <a:solidFill>
-                                            <a:srgbClr val="C00000"/>
-                                          </a:solidFill>
-                                          <a:latin typeface="Cambria Math" panose="02040503050406030204" pitchFamily="18" charset="0"/>
-                                        </a:rPr>
-                                      </m:ctrlPr>
-                                    </m:sSubPr>
-                                    <m:e>
-                                      <m:r>
-                                        <a:rPr lang="en-US" sz="3200" i="1">
-                                          <a:solidFill>
-                                            <a:srgbClr val="C00000"/>
-                                          </a:solidFill>
-                                          <a:latin typeface="Cambria Math" panose="02040503050406030204" pitchFamily="18" charset="0"/>
-                                        </a:rPr>
-                                        <m:t>𝜎</m:t>
-                                      </m:r>
-                                    </m:e>
-                                    <m:sub>
-                                      <m:r>
-                                        <a:rPr lang="en-US" sz="3200" i="1">
-                                          <a:solidFill>
-                                            <a:srgbClr val="C00000"/>
-                                          </a:solidFill>
-                                          <a:latin typeface="Cambria Math" panose="02040503050406030204" pitchFamily="18" charset="0"/>
-                                        </a:rPr>
-                                        <m:t>𝑓</m:t>
-                                      </m:r>
-                                    </m:sub>
-                                  </m:sSub>
-                                </m:den>
-                              </m:f>
-                            </m:e>
-                          </m:d>
-                        </m:e>
-                      </m:func>
-                    </m:oMath>
-                  </m:oMathPara>
-                </a14:m>
-                <a:endParaRPr lang="en-US" sz="3200" dirty="0"/>
-              </a:p>
-            </p:txBody>
-          </p:sp>
-        </mc:Choice>
-        <mc:Fallback>
-          <p:sp>
-            <p:nvSpPr>
-              <p:cNvPr id="7" name="TextBox 6">
-                <a:extLst>
-                  <a:ext uri="{FF2B5EF4-FFF2-40B4-BE49-F238E27FC236}">
-                    <a16:creationId xmlns:a16="http://schemas.microsoft.com/office/drawing/2014/main" id="{041AD275-05D3-F5EC-6847-DA8190BF67C1}"/>
-                  </a:ext>
-                </a:extLst>
-              </p:cNvPr>
-              <p:cNvSpPr txBox="1">
-                <a:spLocks noRot="1" noChangeAspect="1" noMove="1" noResize="1" noEditPoints="1" noAdjustHandles="1" noChangeArrowheads="1" noChangeShapeType="1" noTextEdit="1"/>
-              </p:cNvSpPr>
-              <p:nvPr/>
-            </p:nvSpPr>
-            <p:spPr>
-              <a:xfrm>
-                <a:off x="3468822" y="4264760"/>
-                <a:ext cx="8353486" cy="1318502"/>
-              </a:xfrm>
-              <a:prstGeom prst="rect">
-                <a:avLst/>
-              </a:prstGeom>
-              <a:blipFill>
-                <a:blip r:embed="rId5"/>
-                <a:stretch>
-                  <a:fillRect/>
-                </a:stretch>
-              </a:blipFill>
-            </p:spPr>
-            <p:txBody>
-              <a:bodyPr/>
-              <a:lstStyle/>
-              <a:p>
-                <a:r>
-                  <a:rPr lang="en-US">
-                    <a:noFill/>
-                  </a:rPr>
-                  <a:t> </a:t>
-                </a:r>
-              </a:p>
-            </p:txBody>
-          </p:sp>
-        </mc:Fallback>
-      </mc:AlternateContent>
-      <mc:AlternateContent xmlns:mc="http://schemas.openxmlformats.org/markup-compatibility/2006">
-        <mc:Choice xmlns:a14="http://schemas.microsoft.com/office/drawing/2010/main" Requires="a14">
-          <p:sp>
-            <p:nvSpPr>
-              <p:cNvPr id="3" name="TextBox 2">
-                <a:extLst>
-                  <a:ext uri="{FF2B5EF4-FFF2-40B4-BE49-F238E27FC236}">
-                    <a16:creationId xmlns:a16="http://schemas.microsoft.com/office/drawing/2014/main" id="{FDF03F76-01AF-FB72-68C5-2348C1A8FD6A}"/>
-                  </a:ext>
-                </a:extLst>
-              </p:cNvPr>
-              <p:cNvSpPr txBox="1"/>
-              <p:nvPr/>
-            </p:nvSpPr>
-            <p:spPr>
-              <a:xfrm>
-                <a:off x="2358758" y="5717879"/>
-                <a:ext cx="4371423" cy="584775"/>
-              </a:xfrm>
-              <a:prstGeom prst="rect">
-                <a:avLst/>
-              </a:prstGeom>
-              <a:noFill/>
-            </p:spPr>
-            <p:txBody>
-              <a:bodyPr wrap="square">
-                <a:spAutoFit/>
-              </a:bodyPr>
-              <a:lstStyle/>
-              <a:p>
-                <a:pPr/>
-                <a14:m>
-                  <m:oMathPara xmlns:m="http://schemas.openxmlformats.org/officeDocument/2006/math">
-                    <m:oMathParaPr>
-                      <m:jc m:val="centerGroup"/>
-                    </m:oMathParaPr>
-                    <m:oMath xmlns:m="http://schemas.openxmlformats.org/officeDocument/2006/math">
-                      <m:r>
-                        <a:rPr lang="en-US" sz="3200" b="0" i="1" smtClean="0">
-                          <a:solidFill>
-                            <a:srgbClr val="C00000"/>
-                          </a:solidFill>
-                          <a:latin typeface="Cambria Math" panose="02040503050406030204" pitchFamily="18" charset="0"/>
-                        </a:rPr>
-                        <m:t>=</m:t>
-                      </m:r>
-                      <m:func>
-                        <m:funcPr>
-                          <m:ctrlPr>
-                            <a:rPr lang="en-US" sz="3200" b="0" i="1" smtClean="0">
-                              <a:solidFill>
-                                <a:srgbClr val="C00000"/>
-                              </a:solidFill>
-                              <a:latin typeface="Cambria Math" panose="02040503050406030204" pitchFamily="18" charset="0"/>
-                            </a:rPr>
-                          </m:ctrlPr>
-                        </m:funcPr>
-                        <m:fName>
-                          <m:r>
-                            <m:rPr>
-                              <m:sty m:val="p"/>
-                            </m:rPr>
-                            <a:rPr lang="en-US" sz="3200" b="0" i="0" smtClean="0">
-                              <a:solidFill>
-                                <a:srgbClr val="C00000"/>
-                              </a:solidFill>
-                              <a:latin typeface="Cambria Math" panose="02040503050406030204" pitchFamily="18" charset="0"/>
-                            </a:rPr>
-                            <m:t>exp</m:t>
-                          </m:r>
-                        </m:fName>
-                        <m:e>
-                          <m:d>
-                            <m:dPr>
-                              <m:ctrlPr>
-                                <a:rPr lang="en-US" sz="3200" b="0" i="1" smtClean="0">
-                                  <a:solidFill>
-                                    <a:srgbClr val="C00000"/>
-                                  </a:solidFill>
-                                  <a:latin typeface="Cambria Math" panose="02040503050406030204" pitchFamily="18" charset="0"/>
-                                </a:rPr>
-                              </m:ctrlPr>
-                            </m:dPr>
-                            <m:e>
-                              <m:r>
-                                <a:rPr lang="en-US" sz="3200" i="1">
-                                  <a:solidFill>
-                                    <a:srgbClr val="C00000"/>
-                                  </a:solidFill>
-                                  <a:latin typeface="Cambria Math" panose="02040503050406030204" pitchFamily="18" charset="0"/>
-                                </a:rPr>
-                                <m:t>𝜀</m:t>
-                              </m:r>
-                            </m:e>
-                          </m:d>
-                        </m:e>
-                      </m:func>
-                    </m:oMath>
-                  </m:oMathPara>
-                </a14:m>
-                <a:endParaRPr lang="en-US" sz="3200" dirty="0"/>
-              </a:p>
-            </p:txBody>
-          </p:sp>
-        </mc:Choice>
-        <mc:Fallback>
-          <p:sp>
-            <p:nvSpPr>
-              <p:cNvPr id="3" name="TextBox 2">
-                <a:extLst>
-                  <a:ext uri="{FF2B5EF4-FFF2-40B4-BE49-F238E27FC236}">
-                    <a16:creationId xmlns:a16="http://schemas.microsoft.com/office/drawing/2014/main" id="{FDF03F76-01AF-FB72-68C5-2348C1A8FD6A}"/>
-                  </a:ext>
-                </a:extLst>
-              </p:cNvPr>
-              <p:cNvSpPr txBox="1">
-                <a:spLocks noRot="1" noChangeAspect="1" noMove="1" noResize="1" noEditPoints="1" noAdjustHandles="1" noChangeArrowheads="1" noChangeShapeType="1" noTextEdit="1"/>
-              </p:cNvSpPr>
-              <p:nvPr/>
-            </p:nvSpPr>
-            <p:spPr>
-              <a:xfrm>
-                <a:off x="2358758" y="5717879"/>
-                <a:ext cx="4371423" cy="584775"/>
-              </a:xfrm>
-              <a:prstGeom prst="rect">
-                <a:avLst/>
-              </a:prstGeom>
-              <a:blipFill>
-                <a:blip r:embed="rId6"/>
-                <a:stretch>
-                  <a:fillRect/>
-                </a:stretch>
-              </a:blipFill>
-            </p:spPr>
-            <p:txBody>
-              <a:bodyPr/>
-              <a:lstStyle/>
-              <a:p>
-                <a:r>
-                  <a:rPr lang="en-US">
-                    <a:noFill/>
-                  </a:rPr>
-                  <a:t> </a:t>
-                </a:r>
-              </a:p>
-            </p:txBody>
-          </p:sp>
-        </mc:Fallback>
-      </mc:AlternateContent>
-    </p:spTree>
-    <p:extLst>
-      <p:ext uri="{BB962C8B-B14F-4D97-AF65-F5344CB8AC3E}">
-        <p14:creationId xmlns:p14="http://schemas.microsoft.com/office/powerpoint/2010/main" val="50845748"/>
-      </p:ext>
-    </p:extLst>
-  </p:cSld>
-  <p:clrMapOvr>
-    <a:masterClrMapping/>
-  </p:clrMapOvr>
-</p:sld>
-</file>
-
-<file path=ppt/slides/slide39.xml><?xml version="1.0" encoding="utf-8"?>
-<p:sld xmlns:a="http://schemas.openxmlformats.org/drawingml/2006/main" xmlns:r="http://schemas.openxmlformats.org/officeDocument/2006/relationships" xmlns:p="http://schemas.openxmlformats.org/presentationml/2006/main">
-  <p:cSld>
-    <p:spTree>
-      <p:nvGrpSpPr>
-        <p:cNvPr id="1" name=""/>
-        <p:cNvGrpSpPr/>
-        <p:nvPr/>
-      </p:nvGrpSpPr>
-      <p:grpSpPr>
-        <a:xfrm>
-          <a:off x="0" y="0"/>
-          <a:ext cx="0" cy="0"/>
-          <a:chOff x="0" y="0"/>
-          <a:chExt cx="0" cy="0"/>
-        </a:xfrm>
-      </p:grpSpPr>
-      <p:sp>
-        <p:nvSpPr>
-          <p:cNvPr id="2" name="Title 1">
-            <a:extLst>
-              <a:ext uri="{FF2B5EF4-FFF2-40B4-BE49-F238E27FC236}">
-                <a16:creationId xmlns:a16="http://schemas.microsoft.com/office/drawing/2014/main" id="{B17419AC-DCE6-4371-8DE2-D617E99D653D}"/>
-              </a:ext>
-            </a:extLst>
-          </p:cNvPr>
-          <p:cNvSpPr>
-            <a:spLocks noGrp="1"/>
-          </p:cNvSpPr>
-          <p:nvPr>
-            <p:ph type="title"/>
-          </p:nvPr>
-        </p:nvSpPr>
-        <p:spPr/>
-        <p:txBody>
-          <a:bodyPr/>
-          <a:lstStyle/>
-          <a:p>
-            <a:r>
-              <a:rPr lang="en-US" dirty="0">
-                <a:solidFill>
-                  <a:srgbClr val="C00000"/>
-                </a:solidFill>
-              </a:rPr>
-              <a:t>Exponential Mechanism</a:t>
-            </a:r>
-          </a:p>
-        </p:txBody>
-      </p:sp>
-      <mc:AlternateContent xmlns:mc="http://schemas.openxmlformats.org/markup-compatibility/2006" xmlns:a14="http://schemas.microsoft.com/office/drawing/2010/main">
-        <mc:Choice Requires="a14">
-          <p:sp>
-            <p:nvSpPr>
-              <p:cNvPr id="5" name="Content Placeholder 3">
-                <a:extLst>
-                  <a:ext uri="{FF2B5EF4-FFF2-40B4-BE49-F238E27FC236}">
-                    <a16:creationId xmlns:a16="http://schemas.microsoft.com/office/drawing/2014/main" id="{46EDD9D9-1338-4BC5-9D28-964A84C143C2}"/>
-                  </a:ext>
-                </a:extLst>
-              </p:cNvPr>
-              <p:cNvSpPr>
-                <a:spLocks noGrp="1"/>
-              </p:cNvSpPr>
-              <p:nvPr>
-                <p:ph idx="1"/>
-              </p:nvPr>
-            </p:nvSpPr>
-            <p:spPr>
-              <a:xfrm>
-                <a:off x="838200" y="1825624"/>
-                <a:ext cx="10242755" cy="4342094"/>
-              </a:xfrm>
-            </p:spPr>
-            <p:txBody>
-              <a:bodyPr>
-                <a:noAutofit/>
-              </a:bodyPr>
-              <a:lstStyle/>
-              <a:p>
-                <a:pPr>
-                  <a:buClr>
-                    <a:schemeClr val="tx1"/>
-                  </a:buClr>
-                </a:pPr>
-                <a:r>
-                  <a:rPr lang="en-US" sz="3200" dirty="0">
-                    <a:solidFill>
-                      <a:srgbClr val="00B050"/>
-                    </a:solidFill>
-                  </a:rPr>
-                  <a:t>Theorem</a:t>
-                </a:r>
-                <a:r>
-                  <a:rPr lang="en-US" sz="3200" dirty="0"/>
-                  <a:t>: Exponential mechanism is </a:t>
-                </a:r>
-                <a14:m>
-                  <m:oMath xmlns:m="http://schemas.openxmlformats.org/officeDocument/2006/math">
-                    <m:r>
-                      <a:rPr lang="en-US" sz="3200" b="0" i="1" smtClean="0">
-                        <a:solidFill>
-                          <a:srgbClr val="C00000"/>
-                        </a:solidFill>
-                        <a:latin typeface="Cambria Math" panose="02040503050406030204" pitchFamily="18" charset="0"/>
-                      </a:rPr>
-                      <m:t>𝜀</m:t>
-                    </m:r>
-                  </m:oMath>
-                </a14:m>
-                <a:r>
-                  <a:rPr lang="en-US" sz="3200" dirty="0"/>
-                  <a:t>-differentially private (pure DP)</a:t>
-                </a:r>
-              </a:p>
-              <a:p>
-                <a:pPr marL="0" indent="0">
-                  <a:buClr>
-                    <a:schemeClr val="tx1"/>
-                  </a:buClr>
-                  <a:buNone/>
-                </a:pPr>
-                <a:endParaRPr lang="en-US" sz="3200" dirty="0"/>
-              </a:p>
-              <a:p>
-                <a:pPr>
-                  <a:buClr>
-                    <a:schemeClr val="tx1"/>
-                  </a:buClr>
-                </a:pPr>
-                <a:r>
-                  <a:rPr lang="en-US" sz="3200" dirty="0"/>
-                  <a:t>In fact, when </a:t>
-                </a:r>
-                <a14:m>
-                  <m:oMath xmlns:m="http://schemas.openxmlformats.org/officeDocument/2006/math">
-                    <m:r>
-                      <a:rPr lang="en-US" sz="3200" b="0" i="1" smtClean="0">
-                        <a:solidFill>
-                          <a:srgbClr val="C00000"/>
-                        </a:solidFill>
-                        <a:latin typeface="Cambria Math" panose="02040503050406030204" pitchFamily="18" charset="0"/>
-                      </a:rPr>
-                      <m:t>𝑌</m:t>
-                    </m:r>
-                  </m:oMath>
-                </a14:m>
-                <a:r>
-                  <a:rPr lang="en-US" sz="3200" dirty="0"/>
-                  <a:t> is the set of the real numbers, there is a setting of the score function </a:t>
-                </a:r>
-                <a14:m>
-                  <m:oMath xmlns:m="http://schemas.openxmlformats.org/officeDocument/2006/math">
-                    <m:r>
-                      <a:rPr lang="en-US" sz="3200" b="0" i="1" smtClean="0">
-                        <a:solidFill>
-                          <a:srgbClr val="C00000"/>
-                        </a:solidFill>
-                        <a:latin typeface="Cambria Math" panose="02040503050406030204" pitchFamily="18" charset="0"/>
-                      </a:rPr>
-                      <m:t>𝑆</m:t>
-                    </m:r>
-                  </m:oMath>
-                </a14:m>
-                <a:r>
-                  <a:rPr lang="en-US" sz="3200" dirty="0"/>
-                  <a:t> for which the exponential mechanism reduces down to the Laplace mechanism</a:t>
-                </a:r>
-              </a:p>
-              <a:p>
-                <a:pPr>
-                  <a:buClr>
-                    <a:schemeClr val="tx1"/>
-                  </a:buClr>
-                </a:pPr>
-                <a:endParaRPr lang="en-US" sz="3200" dirty="0"/>
-              </a:p>
-              <a:p>
-                <a:pPr>
-                  <a:buClr>
-                    <a:schemeClr val="tx1"/>
-                  </a:buClr>
-                </a:pPr>
-                <a:r>
-                  <a:rPr lang="en-US" sz="3200" dirty="0">
-                    <a:solidFill>
-                      <a:srgbClr val="FF0000"/>
-                    </a:solidFill>
-                  </a:rPr>
-                  <a:t>Downside</a:t>
-                </a:r>
-                <a:r>
-                  <a:rPr lang="en-US" sz="3200" dirty="0"/>
-                  <a:t>: sampling process may be inefficient</a:t>
-                </a:r>
-              </a:p>
-            </p:txBody>
-          </p:sp>
-        </mc:Choice>
-        <mc:Fallback xmlns="">
-          <p:sp>
-            <p:nvSpPr>
-              <p:cNvPr id="5" name="Content Placeholder 3">
-                <a:extLst>
-                  <a:ext uri="{FF2B5EF4-FFF2-40B4-BE49-F238E27FC236}">
-                    <a16:creationId xmlns:a16="http://schemas.microsoft.com/office/drawing/2014/main" id="{46EDD9D9-1338-4BC5-9D28-964A84C143C2}"/>
-                  </a:ext>
-                </a:extLst>
-              </p:cNvPr>
-              <p:cNvSpPr>
-                <a:spLocks noGrp="1" noRot="1" noChangeAspect="1" noMove="1" noResize="1" noEditPoints="1" noAdjustHandles="1" noChangeArrowheads="1" noChangeShapeType="1" noTextEdit="1"/>
-              </p:cNvSpPr>
-              <p:nvPr>
-                <p:ph idx="1"/>
-              </p:nvPr>
-            </p:nvSpPr>
-            <p:spPr>
-              <a:xfrm>
-                <a:off x="838200" y="1825624"/>
-                <a:ext cx="10242755" cy="4342094"/>
-              </a:xfrm>
-              <a:blipFill>
-                <a:blip r:embed="rId3"/>
-                <a:stretch>
-                  <a:fillRect l="-1369" t="-2805" r="-1429"/>
-                </a:stretch>
-              </a:blipFill>
-            </p:spPr>
-            <p:txBody>
-              <a:bodyPr/>
-              <a:lstStyle/>
-              <a:p>
-                <a:r>
-                  <a:rPr lang="en-US">
-                    <a:noFill/>
-                  </a:rPr>
-                  <a:t> </a:t>
-                </a:r>
-              </a:p>
-            </p:txBody>
-          </p:sp>
-        </mc:Fallback>
-      </mc:AlternateContent>
-    </p:spTree>
-    <p:extLst>
-      <p:ext uri="{BB962C8B-B14F-4D97-AF65-F5344CB8AC3E}">
-        <p14:creationId xmlns:p14="http://schemas.microsoft.com/office/powerpoint/2010/main" val="2899717349"/>
       </p:ext>
     </p:extLst>
   </p:cSld>
@@ -34203,8 +27826,8 @@
           </a:p>
         </p:txBody>
       </p:sp>
-      <mc:AlternateContent xmlns:mc="http://schemas.openxmlformats.org/markup-compatibility/2006">
-        <mc:Choice xmlns:a14="http://schemas.microsoft.com/office/drawing/2010/main" Requires="a14">
+      <mc:AlternateContent xmlns:mc="http://schemas.openxmlformats.org/markup-compatibility/2006" xmlns:a14="http://schemas.microsoft.com/office/drawing/2010/main">
+        <mc:Choice Requires="a14">
           <p:sp>
             <p:nvSpPr>
               <p:cNvPr id="5" name="Content Placeholder 3">
@@ -34357,7 +27980,7 @@
             </p:txBody>
           </p:sp>
         </mc:Choice>
-        <mc:Fallback>
+        <mc:Fallback xmlns="">
           <p:sp>
             <p:nvSpPr>
               <p:cNvPr id="5" name="Content Placeholder 3">

--- a/CSCE658-S24/L20.pptx
+++ b/CSCE658-S24/L20.pptx
@@ -145,6 +145,73 @@
 </p:presentation>
 </file>
 
+<file path=ppt/revisionInfo.xml><?xml version="1.0" encoding="utf-8"?>
+<p1510:revInfo xmlns:a="http://schemas.openxmlformats.org/drawingml/2006/main" xmlns:r="http://schemas.openxmlformats.org/officeDocument/2006/relationships" xmlns:p1510="http://schemas.microsoft.com/office/powerpoint/2015/10/main">
+  <p1510:revLst>
+    <p1510:client id="{40ABF6DF-E556-47C1-9B8A-7888188E44C5}" v="3" dt="2024-04-17T05:35:52.539"/>
+  </p1510:revLst>
+</p1510:revInfo>
+</file>
+
+<file path=ppt/changesInfos/changesInfo1.xml><?xml version="1.0" encoding="utf-8"?>
+<pc:chgInfo xmlns:a="http://schemas.openxmlformats.org/drawingml/2006/main" xmlns:r="http://schemas.openxmlformats.org/officeDocument/2006/relationships" xmlns:ac="http://schemas.microsoft.com/office/drawing/2013/main/command" xmlns:pc="http://schemas.microsoft.com/office/powerpoint/2013/main/command">
+  <pc:docChgLst>
+    <pc:chgData name="Samson Zhou" userId="be955f33642ecbf5" providerId="LiveId" clId="{40ABF6DF-E556-47C1-9B8A-7888188E44C5}"/>
+    <pc:docChg chg="modSld">
+      <pc:chgData name="Samson Zhou" userId="be955f33642ecbf5" providerId="LiveId" clId="{40ABF6DF-E556-47C1-9B8A-7888188E44C5}" dt="2024-04-17T05:35:52.539" v="2" actId="20577"/>
+      <pc:docMkLst>
+        <pc:docMk/>
+      </pc:docMkLst>
+      <pc:sldChg chg="modSp">
+        <pc:chgData name="Samson Zhou" userId="be955f33642ecbf5" providerId="LiveId" clId="{40ABF6DF-E556-47C1-9B8A-7888188E44C5}" dt="2024-04-17T05:35:49.221" v="1" actId="20577"/>
+        <pc:sldMkLst>
+          <pc:docMk/>
+          <pc:sldMk cId="1783152872" sldId="1258"/>
+        </pc:sldMkLst>
+        <pc:spChg chg="mod">
+          <ac:chgData name="Samson Zhou" userId="be955f33642ecbf5" providerId="LiveId" clId="{40ABF6DF-E556-47C1-9B8A-7888188E44C5}" dt="2024-04-17T05:35:49.221" v="1" actId="20577"/>
+          <ac:spMkLst>
+            <pc:docMk/>
+            <pc:sldMk cId="1783152872" sldId="1258"/>
+            <ac:spMk id="5" creationId="{46EDD9D9-1338-4BC5-9D28-964A84C143C2}"/>
+          </ac:spMkLst>
+        </pc:spChg>
+      </pc:sldChg>
+      <pc:sldChg chg="modSp">
+        <pc:chgData name="Samson Zhou" userId="be955f33642ecbf5" providerId="LiveId" clId="{40ABF6DF-E556-47C1-9B8A-7888188E44C5}" dt="2024-04-17T05:35:52.539" v="2" actId="20577"/>
+        <pc:sldMkLst>
+          <pc:docMk/>
+          <pc:sldMk cId="1469821787" sldId="1264"/>
+        </pc:sldMkLst>
+        <pc:spChg chg="mod">
+          <ac:chgData name="Samson Zhou" userId="be955f33642ecbf5" providerId="LiveId" clId="{40ABF6DF-E556-47C1-9B8A-7888188E44C5}" dt="2024-04-17T05:35:52.539" v="2" actId="20577"/>
+          <ac:spMkLst>
+            <pc:docMk/>
+            <pc:sldMk cId="1469821787" sldId="1264"/>
+            <ac:spMk id="5" creationId="{46EDD9D9-1338-4BC5-9D28-964A84C143C2}"/>
+          </ac:spMkLst>
+        </pc:spChg>
+      </pc:sldChg>
+      <pc:sldChg chg="modSp">
+        <pc:chgData name="Samson Zhou" userId="be955f33642ecbf5" providerId="LiveId" clId="{40ABF6DF-E556-47C1-9B8A-7888188E44C5}" dt="2024-04-17T05:35:44.948" v="0" actId="20577"/>
+        <pc:sldMkLst>
+          <pc:docMk/>
+          <pc:sldMk cId="450719176" sldId="1289"/>
+        </pc:sldMkLst>
+        <pc:spChg chg="mod">
+          <ac:chgData name="Samson Zhou" userId="be955f33642ecbf5" providerId="LiveId" clId="{40ABF6DF-E556-47C1-9B8A-7888188E44C5}" dt="2024-04-17T05:35:44.948" v="0" actId="20577"/>
+          <ac:spMkLst>
+            <pc:docMk/>
+            <pc:sldMk cId="450719176" sldId="1289"/>
+            <ac:spMk id="5" creationId="{46EDD9D9-1338-4BC5-9D28-964A84C143C2}"/>
+          </ac:spMkLst>
+        </pc:spChg>
+      </pc:sldChg>
+    </pc:docChg>
+  </pc:docChgLst>
+</pc:chgInfo>
+</file>
+
 <file path=ppt/notesMasters/notesMaster1.xml><?xml version="1.0" encoding="utf-8"?>
 <p:notesMaster xmlns:a="http://schemas.openxmlformats.org/drawingml/2006/main" xmlns:r="http://schemas.openxmlformats.org/officeDocument/2006/relationships" xmlns:p="http://schemas.openxmlformats.org/presentationml/2006/main">
   <p:cSld>
@@ -227,7 +294,7 @@
           <a:p>
             <a:fld id="{D4BCAE1A-251E-4F77-AC08-4EFDCAE38183}" type="datetimeFigureOut">
               <a:rPr lang="en-US" smtClean="0"/>
-              <a:t>4/12/2024</a:t>
+              <a:t>4/17/2024</a:t>
             </a:fld>
             <a:endParaRPr lang="en-US"/>
           </a:p>
@@ -3512,7 +3579,7 @@
           <a:p>
             <a:fld id="{CEC09607-EBB4-42D8-AA24-DB43F31174A6}" type="datetimeFigureOut">
               <a:rPr lang="en-US" smtClean="0"/>
-              <a:t>4/12/2024</a:t>
+              <a:t>4/17/2024</a:t>
             </a:fld>
             <a:endParaRPr lang="en-US"/>
           </a:p>
@@ -3710,7 +3777,7 @@
           <a:p>
             <a:fld id="{CEC09607-EBB4-42D8-AA24-DB43F31174A6}" type="datetimeFigureOut">
               <a:rPr lang="en-US" smtClean="0"/>
-              <a:t>4/12/2024</a:t>
+              <a:t>4/17/2024</a:t>
             </a:fld>
             <a:endParaRPr lang="en-US"/>
           </a:p>
@@ -3918,7 +3985,7 @@
           <a:p>
             <a:fld id="{CEC09607-EBB4-42D8-AA24-DB43F31174A6}" type="datetimeFigureOut">
               <a:rPr lang="en-US" smtClean="0"/>
-              <a:t>4/12/2024</a:t>
+              <a:t>4/17/2024</a:t>
             </a:fld>
             <a:endParaRPr lang="en-US"/>
           </a:p>
@@ -4116,7 +4183,7 @@
           <a:p>
             <a:fld id="{CEC09607-EBB4-42D8-AA24-DB43F31174A6}" type="datetimeFigureOut">
               <a:rPr lang="en-US" smtClean="0"/>
-              <a:t>4/12/2024</a:t>
+              <a:t>4/17/2024</a:t>
             </a:fld>
             <a:endParaRPr lang="en-US"/>
           </a:p>
@@ -4391,7 +4458,7 @@
           <a:p>
             <a:fld id="{CEC09607-EBB4-42D8-AA24-DB43F31174A6}" type="datetimeFigureOut">
               <a:rPr lang="en-US" smtClean="0"/>
-              <a:t>4/12/2024</a:t>
+              <a:t>4/17/2024</a:t>
             </a:fld>
             <a:endParaRPr lang="en-US"/>
           </a:p>
@@ -4656,7 +4723,7 @@
           <a:p>
             <a:fld id="{CEC09607-EBB4-42D8-AA24-DB43F31174A6}" type="datetimeFigureOut">
               <a:rPr lang="en-US" smtClean="0"/>
-              <a:t>4/12/2024</a:t>
+              <a:t>4/17/2024</a:t>
             </a:fld>
             <a:endParaRPr lang="en-US"/>
           </a:p>
@@ -5068,7 +5135,7 @@
           <a:p>
             <a:fld id="{CEC09607-EBB4-42D8-AA24-DB43F31174A6}" type="datetimeFigureOut">
               <a:rPr lang="en-US" smtClean="0"/>
-              <a:t>4/12/2024</a:t>
+              <a:t>4/17/2024</a:t>
             </a:fld>
             <a:endParaRPr lang="en-US"/>
           </a:p>
@@ -5209,7 +5276,7 @@
           <a:p>
             <a:fld id="{CEC09607-EBB4-42D8-AA24-DB43F31174A6}" type="datetimeFigureOut">
               <a:rPr lang="en-US" smtClean="0"/>
-              <a:t>4/12/2024</a:t>
+              <a:t>4/17/2024</a:t>
             </a:fld>
             <a:endParaRPr lang="en-US"/>
           </a:p>
@@ -5322,7 +5389,7 @@
           <a:p>
             <a:fld id="{CEC09607-EBB4-42D8-AA24-DB43F31174A6}" type="datetimeFigureOut">
               <a:rPr lang="en-US" smtClean="0"/>
-              <a:t>4/12/2024</a:t>
+              <a:t>4/17/2024</a:t>
             </a:fld>
             <a:endParaRPr lang="en-US"/>
           </a:p>
@@ -5633,7 +5700,7 @@
           <a:p>
             <a:fld id="{CEC09607-EBB4-42D8-AA24-DB43F31174A6}" type="datetimeFigureOut">
               <a:rPr lang="en-US" smtClean="0"/>
-              <a:t>4/12/2024</a:t>
+              <a:t>4/17/2024</a:t>
             </a:fld>
             <a:endParaRPr lang="en-US"/>
           </a:p>
@@ -5921,7 +5988,7 @@
           <a:p>
             <a:fld id="{CEC09607-EBB4-42D8-AA24-DB43F31174A6}" type="datetimeFigureOut">
               <a:rPr lang="en-US" smtClean="0"/>
-              <a:t>4/12/2024</a:t>
+              <a:t>4/17/2024</a:t>
             </a:fld>
             <a:endParaRPr lang="en-US"/>
           </a:p>
@@ -6162,7 +6229,7 @@
           <a:p>
             <a:fld id="{CEC09607-EBB4-42D8-AA24-DB43F31174A6}" type="datetimeFigureOut">
               <a:rPr lang="en-US" smtClean="0"/>
-              <a:t>4/12/2024</a:t>
+              <a:t>4/17/2024</a:t>
             </a:fld>
             <a:endParaRPr lang="en-US"/>
           </a:p>
@@ -21357,8 +21424,8 @@
           </a:p>
         </p:txBody>
       </p:sp>
-      <mc:AlternateContent xmlns:mc="http://schemas.openxmlformats.org/markup-compatibility/2006" xmlns:a14="http://schemas.microsoft.com/office/drawing/2010/main">
-        <mc:Choice Requires="a14">
+      <mc:AlternateContent xmlns:mc="http://schemas.openxmlformats.org/markup-compatibility/2006">
+        <mc:Choice xmlns:a14="http://schemas.microsoft.com/office/drawing/2010/main" Requires="a14">
           <p:sp>
             <p:nvSpPr>
               <p:cNvPr id="5" name="Content Placeholder 3">
@@ -21651,7 +21718,7 @@
                 </a14:m>
                 <a:r>
                   <a:rPr lang="en-US" sz="3200" dirty="0"/>
-                  <a:t> of dataset, and for all </a:t>
+                  <a:t> of datasets, and for all </a:t>
                 </a:r>
                 <a14:m>
                   <m:oMath xmlns:m="http://schemas.openxmlformats.org/officeDocument/2006/math">
@@ -21692,7 +21759,7 @@
             </p:txBody>
           </p:sp>
         </mc:Choice>
-        <mc:Fallback xmlns="">
+        <mc:Fallback>
           <p:sp>
             <p:nvSpPr>
               <p:cNvPr id="5" name="Content Placeholder 3">
@@ -23232,8 +23299,8 @@
           </a:p>
         </p:txBody>
       </p:sp>
-      <mc:AlternateContent xmlns:mc="http://schemas.openxmlformats.org/markup-compatibility/2006" xmlns:a14="http://schemas.microsoft.com/office/drawing/2010/main">
-        <mc:Choice Requires="a14">
+      <mc:AlternateContent xmlns:mc="http://schemas.openxmlformats.org/markup-compatibility/2006">
+        <mc:Choice xmlns:a14="http://schemas.microsoft.com/office/drawing/2010/main" Requires="a14">
           <p:sp>
             <p:nvSpPr>
               <p:cNvPr id="5" name="Content Placeholder 3">
@@ -23526,7 +23593,7 @@
                 </a14:m>
                 <a:r>
                   <a:rPr lang="en-US" sz="3200" dirty="0"/>
-                  <a:t> of dataset, and for all </a:t>
+                  <a:t> of datasets, and for all </a:t>
                 </a:r>
                 <a14:m>
                   <m:oMath xmlns:m="http://schemas.openxmlformats.org/officeDocument/2006/math">
@@ -23567,7 +23634,7 @@
             </p:txBody>
           </p:sp>
         </mc:Choice>
-        <mc:Fallback xmlns="">
+        <mc:Fallback>
           <p:sp>
             <p:nvSpPr>
               <p:cNvPr id="5" name="Content Placeholder 3">
@@ -24475,8 +24542,8 @@
           </a:p>
         </p:txBody>
       </p:sp>
-      <mc:AlternateContent xmlns:mc="http://schemas.openxmlformats.org/markup-compatibility/2006" xmlns:a14="http://schemas.microsoft.com/office/drawing/2010/main">
-        <mc:Choice Requires="a14">
+      <mc:AlternateContent xmlns:mc="http://schemas.openxmlformats.org/markup-compatibility/2006">
+        <mc:Choice xmlns:a14="http://schemas.microsoft.com/office/drawing/2010/main" Requires="a14">
           <p:sp>
             <p:nvSpPr>
               <p:cNvPr id="5" name="Content Placeholder 3">
@@ -24769,7 +24836,7 @@
                 </a14:m>
                 <a:r>
                   <a:rPr lang="en-US" sz="3200" dirty="0"/>
-                  <a:t> of dataset, and for all </a:t>
+                  <a:t> of datasets, and for all </a:t>
                 </a:r>
                 <a14:m>
                   <m:oMath xmlns:m="http://schemas.openxmlformats.org/officeDocument/2006/math">
@@ -24845,7 +24912,7 @@
             </p:txBody>
           </p:sp>
         </mc:Choice>
-        <mc:Fallback xmlns="">
+        <mc:Fallback>
           <p:sp>
             <p:nvSpPr>
               <p:cNvPr id="5" name="Content Placeholder 3">
